--- a/Canada PR Data Visualization.pptx
+++ b/Canada PR Data Visualization.pptx
@@ -145,7 +145,7 @@
 <file path=ppt/revisionInfo.xml><?xml version="1.0" encoding="utf-8"?>
 <p1510:revInfo xmlns:a="http://schemas.openxmlformats.org/drawingml/2006/main" xmlns:r="http://schemas.openxmlformats.org/officeDocument/2006/relationships" xmlns:p1510="http://schemas.microsoft.com/office/powerpoint/2015/10/main">
   <p1510:revLst>
-    <p1510:client id="{E644B8E3-1F86-42FD-AA6B-77E745015EDE}" v="156" dt="2022-11-22T17:00:55.187"/>
+    <p1510:client id="{E644B8E3-1F86-42FD-AA6B-77E745015EDE}" v="159" dt="2022-11-22T17:16:54.179"/>
     <p1510:client id="{F45E7E18-0DA1-4586-A1CC-BF9FF15FE7C6}" v="22" dt="2022-11-22T00:30:07.334"/>
   </p1510:revLst>
 </p1510:revInfo>
@@ -156,7 +156,7 @@
   <pc:docChgLst>
     <pc:chgData name="Auradee Castro" userId="5b47d84d-e816-421d-a9bd-ea845bdedce9" providerId="ADAL" clId="{E644B8E3-1F86-42FD-AA6B-77E745015EDE}"/>
     <pc:docChg chg="undo redo custSel addSld delSld modSld sldOrd">
-      <pc:chgData name="Auradee Castro" userId="5b47d84d-e816-421d-a9bd-ea845bdedce9" providerId="ADAL" clId="{E644B8E3-1F86-42FD-AA6B-77E745015EDE}" dt="2022-11-22T17:12:00.961" v="1485" actId="1076"/>
+      <pc:chgData name="Auradee Castro" userId="5b47d84d-e816-421d-a9bd-ea845bdedce9" providerId="ADAL" clId="{E644B8E3-1F86-42FD-AA6B-77E745015EDE}" dt="2022-11-22T17:17:08.089" v="1492" actId="207"/>
       <pc:docMkLst>
         <pc:docMk/>
       </pc:docMkLst>
@@ -1833,12 +1833,28 @@
           </ac:spMkLst>
         </pc:spChg>
       </pc:sldChg>
-      <pc:sldChg chg="addSp delSp delDesignElem">
-        <pc:chgData name="Auradee Castro" userId="5b47d84d-e816-421d-a9bd-ea845bdedce9" providerId="ADAL" clId="{E644B8E3-1F86-42FD-AA6B-77E745015EDE}" dt="2022-11-22T15:15:10.539" v="86"/>
+      <pc:sldChg chg="addSp delSp modSp mod delDesignElem">
+        <pc:chgData name="Auradee Castro" userId="5b47d84d-e816-421d-a9bd-ea845bdedce9" providerId="ADAL" clId="{E644B8E3-1F86-42FD-AA6B-77E745015EDE}" dt="2022-11-22T17:17:08.089" v="1492" actId="207"/>
         <pc:sldMkLst>
           <pc:docMk/>
           <pc:sldMk cId="2333082773" sldId="275"/>
         </pc:sldMkLst>
+        <pc:spChg chg="add del mod">
+          <ac:chgData name="Auradee Castro" userId="5b47d84d-e816-421d-a9bd-ea845bdedce9" providerId="ADAL" clId="{E644B8E3-1F86-42FD-AA6B-77E745015EDE}" dt="2022-11-22T17:16:42.132" v="1489" actId="22"/>
+          <ac:spMkLst>
+            <pc:docMk/>
+            <pc:sldMk cId="2333082773" sldId="275"/>
+            <ac:spMk id="5" creationId="{39D264DD-9393-C23E-4F8D-45798DEB5E31}"/>
+          </ac:spMkLst>
+        </pc:spChg>
+        <pc:spChg chg="add mod">
+          <ac:chgData name="Auradee Castro" userId="5b47d84d-e816-421d-a9bd-ea845bdedce9" providerId="ADAL" clId="{E644B8E3-1F86-42FD-AA6B-77E745015EDE}" dt="2022-11-22T17:17:08.089" v="1492" actId="207"/>
+          <ac:spMkLst>
+            <pc:docMk/>
+            <pc:sldMk cId="2333082773" sldId="275"/>
+            <ac:spMk id="6" creationId="{4C90865F-AEBD-DA92-3D55-C015FAE8B508}"/>
+          </ac:spMkLst>
+        </pc:spChg>
         <pc:spChg chg="add del">
           <ac:chgData name="Auradee Castro" userId="5b47d84d-e816-421d-a9bd-ea845bdedce9" providerId="ADAL" clId="{E644B8E3-1F86-42FD-AA6B-77E745015EDE}" dt="2022-11-22T15:15:10.539" v="86"/>
           <ac:spMkLst>
@@ -1871,6 +1887,14 @@
             <ac:spMk id="14" creationId="{08C9B587-E65E-4B52-B37C-ABEBB6E87928}"/>
           </ac:spMkLst>
         </pc:spChg>
+        <pc:picChg chg="add mod">
+          <ac:chgData name="Auradee Castro" userId="5b47d84d-e816-421d-a9bd-ea845bdedce9" providerId="ADAL" clId="{E644B8E3-1F86-42FD-AA6B-77E745015EDE}" dt="2022-11-22T17:17:01.726" v="1491" actId="1076"/>
+          <ac:picMkLst>
+            <pc:docMk/>
+            <pc:sldMk cId="2333082773" sldId="275"/>
+            <ac:picMk id="7" creationId="{CA6349E9-7C92-549C-C2C5-6AEE2909A371}"/>
+          </ac:picMkLst>
+        </pc:picChg>
       </pc:sldChg>
       <pc:sldChg chg="addSp delSp modSp mod ord delDesignElem">
         <pc:chgData name="Auradee Castro" userId="5b47d84d-e816-421d-a9bd-ea845bdedce9" providerId="ADAL" clId="{E644B8E3-1F86-42FD-AA6B-77E745015EDE}" dt="2022-11-22T16:53:23.304" v="1132"/>
@@ -18710,6 +18734,277 @@
           </a:p>
         </p:txBody>
       </p:sp>
+      <p:sp>
+        <p:nvSpPr>
+          <p:cNvPr id="6" name="Text Placeholder 2">
+            <a:extLst>
+              <a:ext uri="{FF2B5EF4-FFF2-40B4-BE49-F238E27FC236}">
+                <a16:creationId xmlns:a16="http://schemas.microsoft.com/office/drawing/2014/main" id="{4C90865F-AEBD-DA92-3D55-C015FAE8B508}"/>
+              </a:ext>
+            </a:extLst>
+          </p:cNvPr>
+          <p:cNvSpPr txBox="1">
+            <a:spLocks/>
+          </p:cNvSpPr>
+          <p:nvPr/>
+        </p:nvSpPr>
+        <p:spPr>
+          <a:xfrm>
+            <a:off x="512717" y="4875442"/>
+            <a:ext cx="1488017" cy="253470"/>
+          </a:xfrm>
+          <a:prstGeom prst="rect">
+            <a:avLst/>
+          </a:prstGeom>
+        </p:spPr>
+        <p:txBody>
+          <a:bodyPr vert="horz" lIns="91440" tIns="45720" rIns="91440" bIns="45720" rtlCol="0">
+            <a:normAutofit lnSpcReduction="10000"/>
+          </a:bodyPr>
+          <a:lstStyle>
+            <a:lvl1pPr marL="0" indent="0" algn="ctr" defTabSz="914400" rtl="0" eaLnBrk="1" latinLnBrk="0" hangingPunct="1">
+              <a:lnSpc>
+                <a:spcPct val="90000"/>
+              </a:lnSpc>
+              <a:spcBef>
+                <a:spcPts val="1000"/>
+              </a:spcBef>
+              <a:buFont typeface="Arial"/>
+              <a:buNone/>
+              <a:defRPr sz="1200" b="0" i="0" u="sng" kern="1200">
+                <a:solidFill>
+                  <a:schemeClr val="tx1"/>
+                </a:solidFill>
+                <a:latin typeface="Segoe UI" charset="0"/>
+                <a:ea typeface="Segoe UI" charset="0"/>
+                <a:cs typeface="Segoe UI" charset="0"/>
+              </a:defRPr>
+            </a:lvl1pPr>
+            <a:lvl2pPr marL="457200" indent="0" algn="ctr" defTabSz="914400" rtl="0" eaLnBrk="1" latinLnBrk="0" hangingPunct="1">
+              <a:lnSpc>
+                <a:spcPct val="90000"/>
+              </a:lnSpc>
+              <a:spcBef>
+                <a:spcPts val="500"/>
+              </a:spcBef>
+              <a:buFont typeface="Arial"/>
+              <a:buNone/>
+              <a:defRPr sz="2000" kern="1200">
+                <a:solidFill>
+                  <a:schemeClr val="tx1">
+                    <a:tint val="75000"/>
+                  </a:schemeClr>
+                </a:solidFill>
+                <a:latin typeface="+mn-lt"/>
+                <a:ea typeface="+mn-ea"/>
+                <a:cs typeface="+mn-cs"/>
+              </a:defRPr>
+            </a:lvl2pPr>
+            <a:lvl3pPr marL="914400" indent="0" algn="ctr" defTabSz="914400" rtl="0" eaLnBrk="1" latinLnBrk="0" hangingPunct="1">
+              <a:lnSpc>
+                <a:spcPct val="90000"/>
+              </a:lnSpc>
+              <a:spcBef>
+                <a:spcPts val="500"/>
+              </a:spcBef>
+              <a:buFont typeface="Arial"/>
+              <a:buNone/>
+              <a:defRPr sz="1800" kern="1200">
+                <a:solidFill>
+                  <a:schemeClr val="tx1">
+                    <a:tint val="75000"/>
+                  </a:schemeClr>
+                </a:solidFill>
+                <a:latin typeface="+mn-lt"/>
+                <a:ea typeface="+mn-ea"/>
+                <a:cs typeface="+mn-cs"/>
+              </a:defRPr>
+            </a:lvl3pPr>
+            <a:lvl4pPr marL="1371600" indent="0" algn="ctr" defTabSz="914400" rtl="0" eaLnBrk="1" latinLnBrk="0" hangingPunct="1">
+              <a:lnSpc>
+                <a:spcPct val="90000"/>
+              </a:lnSpc>
+              <a:spcBef>
+                <a:spcPts val="500"/>
+              </a:spcBef>
+              <a:buFont typeface="Arial"/>
+              <a:buNone/>
+              <a:defRPr sz="1600" kern="1200">
+                <a:solidFill>
+                  <a:schemeClr val="tx1">
+                    <a:tint val="75000"/>
+                  </a:schemeClr>
+                </a:solidFill>
+                <a:latin typeface="+mn-lt"/>
+                <a:ea typeface="+mn-ea"/>
+                <a:cs typeface="+mn-cs"/>
+              </a:defRPr>
+            </a:lvl4pPr>
+            <a:lvl5pPr marL="1828800" indent="0" algn="ctr" defTabSz="914400" rtl="0" eaLnBrk="1" latinLnBrk="0" hangingPunct="1">
+              <a:lnSpc>
+                <a:spcPct val="90000"/>
+              </a:lnSpc>
+              <a:spcBef>
+                <a:spcPts val="500"/>
+              </a:spcBef>
+              <a:buFont typeface="Arial"/>
+              <a:buNone/>
+              <a:defRPr sz="1600" kern="1200">
+                <a:solidFill>
+                  <a:schemeClr val="tx1">
+                    <a:tint val="75000"/>
+                  </a:schemeClr>
+                </a:solidFill>
+                <a:latin typeface="+mn-lt"/>
+                <a:ea typeface="+mn-ea"/>
+                <a:cs typeface="+mn-cs"/>
+              </a:defRPr>
+            </a:lvl5pPr>
+            <a:lvl6pPr marL="2286000" indent="0" algn="ctr" defTabSz="914400" rtl="0" eaLnBrk="1" latinLnBrk="0" hangingPunct="1">
+              <a:lnSpc>
+                <a:spcPct val="90000"/>
+              </a:lnSpc>
+              <a:spcBef>
+                <a:spcPts val="500"/>
+              </a:spcBef>
+              <a:buFont typeface="Arial"/>
+              <a:buNone/>
+              <a:defRPr sz="1600" kern="1200">
+                <a:solidFill>
+                  <a:schemeClr val="tx1">
+                    <a:tint val="75000"/>
+                  </a:schemeClr>
+                </a:solidFill>
+                <a:latin typeface="+mn-lt"/>
+                <a:ea typeface="+mn-ea"/>
+                <a:cs typeface="+mn-cs"/>
+              </a:defRPr>
+            </a:lvl6pPr>
+            <a:lvl7pPr marL="2743200" indent="0" algn="ctr" defTabSz="914400" rtl="0" eaLnBrk="1" latinLnBrk="0" hangingPunct="1">
+              <a:lnSpc>
+                <a:spcPct val="90000"/>
+              </a:lnSpc>
+              <a:spcBef>
+                <a:spcPts val="500"/>
+              </a:spcBef>
+              <a:buFont typeface="Arial"/>
+              <a:buNone/>
+              <a:defRPr sz="1600" kern="1200">
+                <a:solidFill>
+                  <a:schemeClr val="tx1">
+                    <a:tint val="75000"/>
+                  </a:schemeClr>
+                </a:solidFill>
+                <a:latin typeface="+mn-lt"/>
+                <a:ea typeface="+mn-ea"/>
+                <a:cs typeface="+mn-cs"/>
+              </a:defRPr>
+            </a:lvl7pPr>
+            <a:lvl8pPr marL="3200400" indent="0" algn="ctr" defTabSz="914400" rtl="0" eaLnBrk="1" latinLnBrk="0" hangingPunct="1">
+              <a:lnSpc>
+                <a:spcPct val="90000"/>
+              </a:lnSpc>
+              <a:spcBef>
+                <a:spcPts val="500"/>
+              </a:spcBef>
+              <a:buFont typeface="Arial"/>
+              <a:buNone/>
+              <a:defRPr sz="1600" kern="1200">
+                <a:solidFill>
+                  <a:schemeClr val="tx1">
+                    <a:tint val="75000"/>
+                  </a:schemeClr>
+                </a:solidFill>
+                <a:latin typeface="+mn-lt"/>
+                <a:ea typeface="+mn-ea"/>
+                <a:cs typeface="+mn-cs"/>
+              </a:defRPr>
+            </a:lvl8pPr>
+            <a:lvl9pPr marL="3657600" indent="0" algn="ctr" defTabSz="914400" rtl="0" eaLnBrk="1" latinLnBrk="0" hangingPunct="1">
+              <a:lnSpc>
+                <a:spcPct val="90000"/>
+              </a:lnSpc>
+              <a:spcBef>
+                <a:spcPts val="500"/>
+              </a:spcBef>
+              <a:buFont typeface="Arial"/>
+              <a:buNone/>
+              <a:defRPr sz="1600" kern="1200">
+                <a:solidFill>
+                  <a:schemeClr val="tx1">
+                    <a:tint val="75000"/>
+                  </a:schemeClr>
+                </a:solidFill>
+                <a:latin typeface="+mn-lt"/>
+                <a:ea typeface="+mn-ea"/>
+                <a:cs typeface="+mn-cs"/>
+              </a:defRPr>
+            </a:lvl9pPr>
+          </a:lstStyle>
+          <a:p>
+            <a:pPr algn="l"/>
+            <a:r>
+              <a:rPr lang="en-US" dirty="0">
+                <a:solidFill>
+                  <a:srgbClr val="5B9BD5"/>
+                </a:solidFill>
+                <a:hlinkClick r:id="rId3">
+                  <a:extLst>
+                    <a:ext uri="{A12FA001-AC4F-418D-AE19-62706E023703}">
+                      <ahyp:hlinkClr xmlns:ahyp="http://schemas.microsoft.com/office/drawing/2018/hyperlinkcolor" val="tx"/>
+                    </a:ext>
+                  </a:extLst>
+                </a:hlinkClick>
+              </a:rPr>
+              <a:t>View in Power BI</a:t>
+            </a:r>
+            <a:endParaRPr lang="en-US" dirty="0">
+              <a:solidFill>
+                <a:srgbClr val="5B9BD5"/>
+              </a:solidFill>
+            </a:endParaRPr>
+          </a:p>
+        </p:txBody>
+      </p:sp>
+      <p:pic>
+        <p:nvPicPr>
+          <p:cNvPr id="7" name="Picture 6">
+            <a:extLst>
+              <a:ext uri="{FF2B5EF4-FFF2-40B4-BE49-F238E27FC236}">
+                <a16:creationId xmlns:a16="http://schemas.microsoft.com/office/drawing/2014/main" id="{CA6349E9-7C92-549C-C2C5-6AEE2909A371}"/>
+              </a:ext>
+              <a:ext uri="{C183D7F6-B498-43B3-948B-1728B52AA6E4}">
+                <adec:decorative xmlns:adec="http://schemas.microsoft.com/office/drawing/2017/decorative" val="1"/>
+              </a:ext>
+            </a:extLst>
+          </p:cNvPr>
+          <p:cNvPicPr>
+            <a:picLocks noChangeAspect="1"/>
+          </p:cNvPicPr>
+          <p:nvPr/>
+        </p:nvPicPr>
+        <p:blipFill>
+          <a:blip r:embed="rId4">
+            <a:extLst>
+              <a:ext uri="{28A0092B-C50C-407E-A947-70E740481C1C}">
+                <a14:useLocalDpi xmlns:a14="http://schemas.microsoft.com/office/drawing/2010/main" val="0"/>
+              </a:ext>
+            </a:extLst>
+          </a:blip>
+          <a:stretch>
+            <a:fillRect/>
+          </a:stretch>
+        </p:blipFill>
+        <p:spPr>
+          <a:xfrm>
+            <a:off x="1798965" y="4910857"/>
+            <a:ext cx="162027" cy="153025"/>
+          </a:xfrm>
+          <a:prstGeom prst="rect">
+            <a:avLst/>
+          </a:prstGeom>
+        </p:spPr>
+      </p:pic>
     </p:spTree>
     <p:extLst>
       <p:ext uri="{BB962C8B-B14F-4D97-AF65-F5344CB8AC3E}">

--- a/Canada PR Data Visualization.pptx
+++ b/Canada PR Data Visualization.pptx
@@ -5,37 +5,36 @@
     <p:sldMasterId id="2147483648" r:id="rId1"/>
   </p:sldMasterIdLst>
   <p:notesMasterIdLst>
-    <p:notesMasterId r:id="rId30"/>
+    <p:notesMasterId r:id="rId29"/>
   </p:notesMasterIdLst>
   <p:sldIdLst>
     <p:sldId id="278" r:id="rId2"/>
-    <p:sldId id="277" r:id="rId3"/>
-    <p:sldId id="280" r:id="rId4"/>
-    <p:sldId id="281" r:id="rId5"/>
-    <p:sldId id="282" r:id="rId6"/>
-    <p:sldId id="283" r:id="rId7"/>
-    <p:sldId id="284" r:id="rId8"/>
-    <p:sldId id="298" r:id="rId9"/>
-    <p:sldId id="299" r:id="rId10"/>
-    <p:sldId id="300" r:id="rId11"/>
-    <p:sldId id="275" r:id="rId12"/>
-    <p:sldId id="291" r:id="rId13"/>
-    <p:sldId id="292" r:id="rId14"/>
-    <p:sldId id="272" r:id="rId15"/>
-    <p:sldId id="261" r:id="rId16"/>
-    <p:sldId id="257" r:id="rId17"/>
-    <p:sldId id="293" r:id="rId18"/>
-    <p:sldId id="258" r:id="rId19"/>
-    <p:sldId id="260" r:id="rId20"/>
-    <p:sldId id="289" r:id="rId21"/>
-    <p:sldId id="301" r:id="rId22"/>
-    <p:sldId id="263" r:id="rId23"/>
-    <p:sldId id="265" r:id="rId24"/>
-    <p:sldId id="296" r:id="rId25"/>
-    <p:sldId id="302" r:id="rId26"/>
-    <p:sldId id="267" r:id="rId27"/>
-    <p:sldId id="297" r:id="rId28"/>
-    <p:sldId id="268" r:id="rId29"/>
+    <p:sldId id="280" r:id="rId3"/>
+    <p:sldId id="281" r:id="rId4"/>
+    <p:sldId id="282" r:id="rId5"/>
+    <p:sldId id="283" r:id="rId6"/>
+    <p:sldId id="284" r:id="rId7"/>
+    <p:sldId id="298" r:id="rId8"/>
+    <p:sldId id="299" r:id="rId9"/>
+    <p:sldId id="300" r:id="rId10"/>
+    <p:sldId id="275" r:id="rId11"/>
+    <p:sldId id="291" r:id="rId12"/>
+    <p:sldId id="292" r:id="rId13"/>
+    <p:sldId id="272" r:id="rId14"/>
+    <p:sldId id="261" r:id="rId15"/>
+    <p:sldId id="257" r:id="rId16"/>
+    <p:sldId id="293" r:id="rId17"/>
+    <p:sldId id="258" r:id="rId18"/>
+    <p:sldId id="260" r:id="rId19"/>
+    <p:sldId id="289" r:id="rId20"/>
+    <p:sldId id="301" r:id="rId21"/>
+    <p:sldId id="263" r:id="rId22"/>
+    <p:sldId id="265" r:id="rId23"/>
+    <p:sldId id="296" r:id="rId24"/>
+    <p:sldId id="302" r:id="rId25"/>
+    <p:sldId id="267" r:id="rId26"/>
+    <p:sldId id="297" r:id="rId27"/>
+    <p:sldId id="268" r:id="rId28"/>
   </p:sldIdLst>
   <p:sldSz cx="12192000" cy="6858000"/>
   <p:notesSz cx="6858000" cy="9144000"/>
@@ -142,15 +141,6 @@
 </p:presentation>
 </file>
 
-<file path=ppt/revisionInfo.xml><?xml version="1.0" encoding="utf-8"?>
-<p1510:revInfo xmlns:a="http://schemas.openxmlformats.org/drawingml/2006/main" xmlns:r="http://schemas.openxmlformats.org/officeDocument/2006/relationships" xmlns:p1510="http://schemas.microsoft.com/office/powerpoint/2015/10/main">
-  <p1510:revLst>
-    <p1510:client id="{E644B8E3-1F86-42FD-AA6B-77E745015EDE}" v="159" dt="2022-11-22T17:16:54.179"/>
-    <p1510:client id="{F45E7E18-0DA1-4586-A1CC-BF9FF15FE7C6}" v="22" dt="2022-11-22T00:30:07.334"/>
-  </p1510:revLst>
-</p1510:revInfo>
-</file>
-
 <file path=ppt/changesInfos/changesInfo1.xml><?xml version="1.0" encoding="utf-8"?>
 <pc:chgInfo xmlns:a="http://schemas.openxmlformats.org/drawingml/2006/main" xmlns:r="http://schemas.openxmlformats.org/officeDocument/2006/relationships" xmlns:ac="http://schemas.microsoft.com/office/drawing/2013/main/command" xmlns:pc="http://schemas.microsoft.com/office/powerpoint/2013/main/command">
   <pc:docChgLst>
@@ -5725,6 +5715,22 @@
         <pc:sldMkLst>
           <pc:docMk/>
           <pc:sldMk cId="1170264697" sldId="278"/>
+        </pc:sldMkLst>
+      </pc:sldChg>
+    </pc:docChg>
+  </pc:docChgLst>
+  <pc:docChgLst>
+    <pc:chgData name="Auradee Castro" userId="5b47d84d-e816-421d-a9bd-ea845bdedce9" providerId="ADAL" clId="{6F8FE196-6123-461E-8247-505E5B44E8A5}"/>
+    <pc:docChg chg="delSld">
+      <pc:chgData name="Auradee Castro" userId="5b47d84d-e816-421d-a9bd-ea845bdedce9" providerId="ADAL" clId="{6F8FE196-6123-461E-8247-505E5B44E8A5}" dt="2022-12-09T19:53:28.327" v="0" actId="2696"/>
+      <pc:docMkLst>
+        <pc:docMk/>
+      </pc:docMkLst>
+      <pc:sldChg chg="del">
+        <pc:chgData name="Auradee Castro" userId="5b47d84d-e816-421d-a9bd-ea845bdedce9" providerId="ADAL" clId="{6F8FE196-6123-461E-8247-505E5B44E8A5}" dt="2022-12-09T19:53:28.327" v="0" actId="2696"/>
+        <pc:sldMkLst>
+          <pc:docMk/>
+          <pc:sldMk cId="4158285141" sldId="277"/>
         </pc:sldMkLst>
       </pc:sldChg>
     </pc:docChg>
@@ -11571,7 +11577,7 @@
           <a:p>
             <a:fld id="{900347C8-3CFD-40CD-9B13-4B615E71D821}" type="datetimeFigureOut">
               <a:rPr lang="en-CA" smtClean="0"/>
-              <a:t>2022-11-22</a:t>
+              <a:t>2022-12-09</a:t>
             </a:fld>
             <a:endParaRPr lang="en-CA"/>
           </a:p>
@@ -11883,6 +11889,516 @@
           <a:bodyPr/>
           <a:lstStyle/>
           <a:p>
+            <a:pPr marL="0" marR="0" lvl="0" indent="0" algn="l" defTabSz="914400" rtl="0" eaLnBrk="1" fontAlgn="auto" latinLnBrk="0" hangingPunct="1">
+              <a:lnSpc>
+                <a:spcPct val="100000"/>
+              </a:lnSpc>
+              <a:spcBef>
+                <a:spcPts val="0"/>
+              </a:spcBef>
+              <a:spcAft>
+                <a:spcPts val="0"/>
+              </a:spcAft>
+              <a:buClrTx/>
+              <a:buSzTx/>
+              <a:buFontTx/>
+              <a:buNone/>
+              <a:tabLst/>
+              <a:defRPr/>
+            </a:pPr>
+            <a:r>
+              <a:rPr lang="en-US" dirty="0"/>
+              <a:t>The figures in datasets are suppressed or rounded to prevent identification of individuals -&gt; </a:t>
+            </a:r>
+            <a:r>
+              <a:rPr lang="en-US" b="0" i="0" dirty="0">
+                <a:solidFill>
+                  <a:srgbClr val="333333"/>
+                </a:solidFill>
+                <a:effectLst/>
+                <a:latin typeface="Noto Sans" panose="020B0502040504020204" pitchFamily="34" charset="0"/>
+              </a:rPr>
+              <a:t>This may result to the sum of the figures not equating to the totals indicated.</a:t>
+            </a:r>
+            <a:endParaRPr lang="en-US" dirty="0"/>
+          </a:p>
+          <a:p>
+            <a:endParaRPr lang="en-US" dirty="0"/>
+          </a:p>
+        </p:txBody>
+      </p:sp>
+      <p:sp>
+        <p:nvSpPr>
+          <p:cNvPr id="4" name="Slide Number Placeholder 3"/>
+          <p:cNvSpPr>
+            <a:spLocks noGrp="1"/>
+          </p:cNvSpPr>
+          <p:nvPr>
+            <p:ph type="sldNum" sz="quarter" idx="5"/>
+          </p:nvPr>
+        </p:nvSpPr>
+        <p:spPr/>
+        <p:txBody>
+          <a:bodyPr/>
+          <a:lstStyle/>
+          <a:p>
+            <a:fld id="{7A96F4E5-CC62-4260-AA5B-ACAA1E9D5523}" type="slidenum">
+              <a:rPr lang="en-US" smtClean="0"/>
+              <a:t>3</a:t>
+            </a:fld>
+            <a:endParaRPr lang="en-US"/>
+          </a:p>
+        </p:txBody>
+      </p:sp>
+    </p:spTree>
+    <p:extLst>
+      <p:ext uri="{BB962C8B-B14F-4D97-AF65-F5344CB8AC3E}">
+        <p14:creationId xmlns:p14="http://schemas.microsoft.com/office/powerpoint/2010/main" val="788515242"/>
+      </p:ext>
+    </p:extLst>
+  </p:cSld>
+  <p:clrMapOvr>
+    <a:masterClrMapping/>
+  </p:clrMapOvr>
+</p:notes>
+</file>
+
+<file path=ppt/notesSlides/notesSlide10.xml><?xml version="1.0" encoding="utf-8"?>
+<p:notes xmlns:a="http://schemas.openxmlformats.org/drawingml/2006/main" xmlns:r="http://schemas.openxmlformats.org/officeDocument/2006/relationships" xmlns:p="http://schemas.openxmlformats.org/presentationml/2006/main">
+  <p:cSld>
+    <p:spTree>
+      <p:nvGrpSpPr>
+        <p:cNvPr id="1" name=""/>
+        <p:cNvGrpSpPr/>
+        <p:nvPr/>
+      </p:nvGrpSpPr>
+      <p:grpSpPr>
+        <a:xfrm>
+          <a:off x="0" y="0"/>
+          <a:ext cx="0" cy="0"/>
+          <a:chOff x="0" y="0"/>
+          <a:chExt cx="0" cy="0"/>
+        </a:xfrm>
+      </p:grpSpPr>
+      <p:sp>
+        <p:nvSpPr>
+          <p:cNvPr id="2" name="Slide Image Placeholder 1"/>
+          <p:cNvSpPr>
+            <a:spLocks noGrp="1" noRot="1" noChangeAspect="1"/>
+          </p:cNvSpPr>
+          <p:nvPr>
+            <p:ph type="sldImg"/>
+          </p:nvPr>
+        </p:nvSpPr>
+        <p:spPr/>
+      </p:sp>
+      <p:sp>
+        <p:nvSpPr>
+          <p:cNvPr id="3" name="Notes Placeholder 2"/>
+          <p:cNvSpPr>
+            <a:spLocks noGrp="1"/>
+          </p:cNvSpPr>
+          <p:nvPr>
+            <p:ph type="body" idx="1"/>
+          </p:nvPr>
+        </p:nvSpPr>
+        <p:spPr/>
+        <p:txBody>
+          <a:bodyPr/>
+          <a:lstStyle/>
+          <a:p>
+            <a:pPr marL="0" marR="0" lvl="0" indent="0" algn="l" defTabSz="914400" rtl="0" eaLnBrk="1" fontAlgn="auto" latinLnBrk="0" hangingPunct="1">
+              <a:lnSpc>
+                <a:spcPct val="100000"/>
+              </a:lnSpc>
+              <a:spcBef>
+                <a:spcPts val="0"/>
+              </a:spcBef>
+              <a:spcAft>
+                <a:spcPts val="0"/>
+              </a:spcAft>
+              <a:buClrTx/>
+              <a:buSzTx/>
+              <a:buFontTx/>
+              <a:buNone/>
+              <a:tabLst/>
+              <a:defRPr/>
+            </a:pPr>
+            <a:r>
+              <a:rPr lang="en-US" sz="1200" b="0" dirty="0"/>
+              <a:t>The surge of approvals for NOC B has started on 2021 -&gt; </a:t>
+            </a:r>
+            <a:r>
+              <a:rPr lang="en-US" b="0" dirty="0">
+                <a:solidFill>
+                  <a:srgbClr val="FFFFFF"/>
+                </a:solidFill>
+              </a:rPr>
+              <a:t>caused by of TR to PR program and the </a:t>
+            </a:r>
+            <a:r>
+              <a:rPr lang="en-US" b="0" dirty="0">
+                <a:solidFill>
+                  <a:srgbClr val="FFFFFF"/>
+                </a:solidFill>
+                <a:hlinkClick r:id="rId3"/>
+              </a:rPr>
+              <a:t>mass approval on CEC applicants</a:t>
+            </a:r>
+            <a:endParaRPr lang="en-US" b="0" dirty="0">
+              <a:solidFill>
+                <a:srgbClr val="FFFFFF"/>
+              </a:solidFill>
+            </a:endParaRPr>
+          </a:p>
+          <a:p>
+            <a:pPr marL="0" marR="0" lvl="0" indent="0" algn="l" defTabSz="914400" rtl="0" eaLnBrk="1" fontAlgn="auto" latinLnBrk="0" hangingPunct="1">
+              <a:lnSpc>
+                <a:spcPct val="100000"/>
+              </a:lnSpc>
+              <a:spcBef>
+                <a:spcPts val="0"/>
+              </a:spcBef>
+              <a:spcAft>
+                <a:spcPts val="0"/>
+              </a:spcAft>
+              <a:buClrTx/>
+              <a:buSzTx/>
+              <a:buFontTx/>
+              <a:buNone/>
+              <a:tabLst/>
+              <a:defRPr/>
+            </a:pPr>
+            <a:endParaRPr lang="en-US" b="0" dirty="0">
+              <a:solidFill>
+                <a:srgbClr val="FFFFFF"/>
+              </a:solidFill>
+            </a:endParaRPr>
+          </a:p>
+        </p:txBody>
+      </p:sp>
+      <p:sp>
+        <p:nvSpPr>
+          <p:cNvPr id="4" name="Slide Number Placeholder 3"/>
+          <p:cNvSpPr>
+            <a:spLocks noGrp="1"/>
+          </p:cNvSpPr>
+          <p:nvPr>
+            <p:ph type="sldNum" sz="quarter" idx="5"/>
+          </p:nvPr>
+        </p:nvSpPr>
+        <p:spPr/>
+        <p:txBody>
+          <a:bodyPr/>
+          <a:lstStyle/>
+          <a:p>
+            <a:fld id="{DF6F700C-D7A0-4CEF-BA73-6FFC784F17BB}" type="slidenum">
+              <a:rPr lang="en-CA" smtClean="0"/>
+              <a:t>22</a:t>
+            </a:fld>
+            <a:endParaRPr lang="en-CA"/>
+          </a:p>
+        </p:txBody>
+      </p:sp>
+    </p:spTree>
+    <p:extLst>
+      <p:ext uri="{BB962C8B-B14F-4D97-AF65-F5344CB8AC3E}">
+        <p14:creationId xmlns:p14="http://schemas.microsoft.com/office/powerpoint/2010/main" val="3270908759"/>
+      </p:ext>
+    </p:extLst>
+  </p:cSld>
+  <p:clrMapOvr>
+    <a:masterClrMapping/>
+  </p:clrMapOvr>
+</p:notes>
+</file>
+
+<file path=ppt/notesSlides/notesSlide11.xml><?xml version="1.0" encoding="utf-8"?>
+<p:notes xmlns:a="http://schemas.openxmlformats.org/drawingml/2006/main" xmlns:r="http://schemas.openxmlformats.org/officeDocument/2006/relationships" xmlns:p="http://schemas.openxmlformats.org/presentationml/2006/main">
+  <p:cSld>
+    <p:spTree>
+      <p:nvGrpSpPr>
+        <p:cNvPr id="1" name=""/>
+        <p:cNvGrpSpPr/>
+        <p:nvPr/>
+      </p:nvGrpSpPr>
+      <p:grpSpPr>
+        <a:xfrm>
+          <a:off x="0" y="0"/>
+          <a:ext cx="0" cy="0"/>
+          <a:chOff x="0" y="0"/>
+          <a:chExt cx="0" cy="0"/>
+        </a:xfrm>
+      </p:grpSpPr>
+      <p:sp>
+        <p:nvSpPr>
+          <p:cNvPr id="2" name="Slide Image Placeholder 1"/>
+          <p:cNvSpPr>
+            <a:spLocks noGrp="1" noRot="1" noChangeAspect="1"/>
+          </p:cNvSpPr>
+          <p:nvPr>
+            <p:ph type="sldImg"/>
+          </p:nvPr>
+        </p:nvSpPr>
+        <p:spPr/>
+      </p:sp>
+      <p:sp>
+        <p:nvSpPr>
+          <p:cNvPr id="3" name="Notes Placeholder 2"/>
+          <p:cNvSpPr>
+            <a:spLocks noGrp="1"/>
+          </p:cNvSpPr>
+          <p:nvPr>
+            <p:ph type="body" idx="1"/>
+          </p:nvPr>
+        </p:nvSpPr>
+        <p:spPr/>
+        <p:txBody>
+          <a:bodyPr/>
+          <a:lstStyle/>
+          <a:p>
+            <a:pPr marL="0" marR="0" lvl="0" indent="0" algn="l" defTabSz="914400" rtl="0" eaLnBrk="1" fontAlgn="auto" latinLnBrk="0" hangingPunct="1">
+              <a:lnSpc>
+                <a:spcPct val="100000"/>
+              </a:lnSpc>
+              <a:spcBef>
+                <a:spcPts val="0"/>
+              </a:spcBef>
+              <a:spcAft>
+                <a:spcPts val="0"/>
+              </a:spcAft>
+              <a:buClrTx/>
+              <a:buSzTx/>
+              <a:buFontTx/>
+              <a:buNone/>
+              <a:tabLst/>
+              <a:defRPr/>
+            </a:pPr>
+            <a:endParaRPr lang="en-US" b="0" dirty="0">
+              <a:solidFill>
+                <a:srgbClr val="FFFFFF"/>
+              </a:solidFill>
+            </a:endParaRPr>
+          </a:p>
+        </p:txBody>
+      </p:sp>
+      <p:sp>
+        <p:nvSpPr>
+          <p:cNvPr id="4" name="Slide Number Placeholder 3"/>
+          <p:cNvSpPr>
+            <a:spLocks noGrp="1"/>
+          </p:cNvSpPr>
+          <p:nvPr>
+            <p:ph type="sldNum" sz="quarter" idx="5"/>
+          </p:nvPr>
+        </p:nvSpPr>
+        <p:spPr/>
+        <p:txBody>
+          <a:bodyPr/>
+          <a:lstStyle/>
+          <a:p>
+            <a:fld id="{DF6F700C-D7A0-4CEF-BA73-6FFC784F17BB}" type="slidenum">
+              <a:rPr lang="en-CA" smtClean="0"/>
+              <a:t>23</a:t>
+            </a:fld>
+            <a:endParaRPr lang="en-CA"/>
+          </a:p>
+        </p:txBody>
+      </p:sp>
+    </p:spTree>
+    <p:extLst>
+      <p:ext uri="{BB962C8B-B14F-4D97-AF65-F5344CB8AC3E}">
+        <p14:creationId xmlns:p14="http://schemas.microsoft.com/office/powerpoint/2010/main" val="3363809198"/>
+      </p:ext>
+    </p:extLst>
+  </p:cSld>
+  <p:clrMapOvr>
+    <a:masterClrMapping/>
+  </p:clrMapOvr>
+</p:notes>
+</file>
+
+<file path=ppt/notesSlides/notesSlide12.xml><?xml version="1.0" encoding="utf-8"?>
+<p:notes xmlns:a="http://schemas.openxmlformats.org/drawingml/2006/main" xmlns:r="http://schemas.openxmlformats.org/officeDocument/2006/relationships" xmlns:p="http://schemas.openxmlformats.org/presentationml/2006/main">
+  <p:cSld>
+    <p:spTree>
+      <p:nvGrpSpPr>
+        <p:cNvPr id="1" name=""/>
+        <p:cNvGrpSpPr/>
+        <p:nvPr/>
+      </p:nvGrpSpPr>
+      <p:grpSpPr>
+        <a:xfrm>
+          <a:off x="0" y="0"/>
+          <a:ext cx="0" cy="0"/>
+          <a:chOff x="0" y="0"/>
+          <a:chExt cx="0" cy="0"/>
+        </a:xfrm>
+      </p:grpSpPr>
+      <p:sp>
+        <p:nvSpPr>
+          <p:cNvPr id="2" name="Slide Image Placeholder 1"/>
+          <p:cNvSpPr>
+            <a:spLocks noGrp="1" noRot="1" noChangeAspect="1"/>
+          </p:cNvSpPr>
+          <p:nvPr>
+            <p:ph type="sldImg"/>
+          </p:nvPr>
+        </p:nvSpPr>
+        <p:spPr/>
+      </p:sp>
+      <p:sp>
+        <p:nvSpPr>
+          <p:cNvPr id="3" name="Notes Placeholder 2"/>
+          <p:cNvSpPr>
+            <a:spLocks noGrp="1"/>
+          </p:cNvSpPr>
+          <p:nvPr>
+            <p:ph type="body" idx="1"/>
+          </p:nvPr>
+        </p:nvSpPr>
+        <p:spPr/>
+        <p:txBody>
+          <a:bodyPr/>
+          <a:lstStyle/>
+          <a:p>
+            <a:pPr marL="0" marR="0" lvl="0" indent="0" algn="l" defTabSz="914400" rtl="0" eaLnBrk="1" fontAlgn="auto" latinLnBrk="0" hangingPunct="1">
+              <a:lnSpc>
+                <a:spcPct val="100000"/>
+              </a:lnSpc>
+              <a:spcBef>
+                <a:spcPts val="0"/>
+              </a:spcBef>
+              <a:spcAft>
+                <a:spcPts val="0"/>
+              </a:spcAft>
+              <a:buClrTx/>
+              <a:buSzTx/>
+              <a:buFontTx/>
+              <a:buNone/>
+              <a:tabLst/>
+              <a:defRPr/>
+            </a:pPr>
+            <a:r>
+              <a:rPr lang="en-US" sz="1200" dirty="0"/>
+              <a:t>Highest number of approvals in a particular year were from age group 15-29 years old in year 2021 </a:t>
+            </a:r>
+            <a:r>
+              <a:rPr lang="en-US" sz="1200" b="0" dirty="0"/>
+              <a:t>-&gt; </a:t>
+            </a:r>
+            <a:r>
+              <a:rPr lang="en-US" b="0" dirty="0">
+                <a:solidFill>
+                  <a:srgbClr val="FFFFFF"/>
+                </a:solidFill>
+              </a:rPr>
+              <a:t>caused by of TR to PR program and the </a:t>
+            </a:r>
+            <a:r>
+              <a:rPr lang="en-US" b="0" dirty="0">
+                <a:solidFill>
+                  <a:srgbClr val="FFFFFF"/>
+                </a:solidFill>
+                <a:hlinkClick r:id="rId3"/>
+              </a:rPr>
+              <a:t>mass approval on CEC applicants</a:t>
+            </a:r>
+            <a:r>
+              <a:rPr lang="en-US" b="0" dirty="0">
+                <a:solidFill>
+                  <a:srgbClr val="FFFFFF"/>
+                </a:solidFill>
+              </a:rPr>
+              <a:t>. In addition, FSW program, which contributes to the big percentage for 30 to 44 years old, was temporarily paused </a:t>
+            </a:r>
+            <a:endParaRPr lang="en-US" sz="1200" dirty="0"/>
+          </a:p>
+          <a:p>
+            <a:endParaRPr lang="en-US" dirty="0"/>
+          </a:p>
+        </p:txBody>
+      </p:sp>
+      <p:sp>
+        <p:nvSpPr>
+          <p:cNvPr id="4" name="Slide Number Placeholder 3"/>
+          <p:cNvSpPr>
+            <a:spLocks noGrp="1"/>
+          </p:cNvSpPr>
+          <p:nvPr>
+            <p:ph type="sldNum" sz="quarter" idx="5"/>
+          </p:nvPr>
+        </p:nvSpPr>
+        <p:spPr/>
+        <p:txBody>
+          <a:bodyPr/>
+          <a:lstStyle/>
+          <a:p>
+            <a:fld id="{DF6F700C-D7A0-4CEF-BA73-6FFC784F17BB}" type="slidenum">
+              <a:rPr lang="en-CA" smtClean="0"/>
+              <a:t>26</a:t>
+            </a:fld>
+            <a:endParaRPr lang="en-CA"/>
+          </a:p>
+        </p:txBody>
+      </p:sp>
+    </p:spTree>
+    <p:extLst>
+      <p:ext uri="{BB962C8B-B14F-4D97-AF65-F5344CB8AC3E}">
+        <p14:creationId xmlns:p14="http://schemas.microsoft.com/office/powerpoint/2010/main" val="3495550804"/>
+      </p:ext>
+    </p:extLst>
+  </p:cSld>
+  <p:clrMapOvr>
+    <a:masterClrMapping/>
+  </p:clrMapOvr>
+</p:notes>
+</file>
+
+<file path=ppt/notesSlides/notesSlide2.xml><?xml version="1.0" encoding="utf-8"?>
+<p:notes xmlns:a="http://schemas.openxmlformats.org/drawingml/2006/main" xmlns:r="http://schemas.openxmlformats.org/officeDocument/2006/relationships" xmlns:p="http://schemas.openxmlformats.org/presentationml/2006/main">
+  <p:cSld>
+    <p:spTree>
+      <p:nvGrpSpPr>
+        <p:cNvPr id="1" name=""/>
+        <p:cNvGrpSpPr/>
+        <p:nvPr/>
+      </p:nvGrpSpPr>
+      <p:grpSpPr>
+        <a:xfrm>
+          <a:off x="0" y="0"/>
+          <a:ext cx="0" cy="0"/>
+          <a:chOff x="0" y="0"/>
+          <a:chExt cx="0" cy="0"/>
+        </a:xfrm>
+      </p:grpSpPr>
+      <p:sp>
+        <p:nvSpPr>
+          <p:cNvPr id="2" name="Slide Image Placeholder 1"/>
+          <p:cNvSpPr>
+            <a:spLocks noGrp="1" noRot="1" noChangeAspect="1"/>
+          </p:cNvSpPr>
+          <p:nvPr>
+            <p:ph type="sldImg"/>
+          </p:nvPr>
+        </p:nvSpPr>
+        <p:spPr/>
+      </p:sp>
+      <p:sp>
+        <p:nvSpPr>
+          <p:cNvPr id="3" name="Notes Placeholder 2"/>
+          <p:cNvSpPr>
+            <a:spLocks noGrp="1"/>
+          </p:cNvSpPr>
+          <p:nvPr>
+            <p:ph type="body" idx="1"/>
+          </p:nvPr>
+        </p:nvSpPr>
+        <p:spPr/>
+        <p:txBody>
+          <a:bodyPr/>
+          <a:lstStyle/>
+          <a:p>
             <a:endParaRPr lang="en-CA" dirty="0"/>
           </a:p>
         </p:txBody>
@@ -11904,7 +12420,7 @@
           <a:p>
             <a:fld id="{DF6F700C-D7A0-4CEF-BA73-6FFC784F17BB}" type="slidenum">
               <a:rPr lang="en-CA" smtClean="0"/>
-              <a:t>2</a:t>
+              <a:t>4</a:t>
             </a:fld>
             <a:endParaRPr lang="en-CA"/>
           </a:p>
@@ -11913,7 +12429,7 @@
     </p:spTree>
     <p:extLst>
       <p:ext uri="{BB962C8B-B14F-4D97-AF65-F5344CB8AC3E}">
-        <p14:creationId xmlns:p14="http://schemas.microsoft.com/office/powerpoint/2010/main" val="2526061249"/>
+        <p14:creationId xmlns:p14="http://schemas.microsoft.com/office/powerpoint/2010/main" val="947432922"/>
       </p:ext>
     </p:extLst>
   </p:cSld>
@@ -11923,7 +12439,531 @@
 </p:notes>
 </file>
 
-<file path=ppt/notesSlides/notesSlide10.xml><?xml version="1.0" encoding="utf-8"?>
+<file path=ppt/notesSlides/notesSlide3.xml><?xml version="1.0" encoding="utf-8"?>
+<p:notes xmlns:a="http://schemas.openxmlformats.org/drawingml/2006/main" xmlns:r="http://schemas.openxmlformats.org/officeDocument/2006/relationships" xmlns:p="http://schemas.openxmlformats.org/presentationml/2006/main">
+  <p:cSld>
+    <p:spTree>
+      <p:nvGrpSpPr>
+        <p:cNvPr id="1" name=""/>
+        <p:cNvGrpSpPr/>
+        <p:nvPr/>
+      </p:nvGrpSpPr>
+      <p:grpSpPr>
+        <a:xfrm>
+          <a:off x="0" y="0"/>
+          <a:ext cx="0" cy="0"/>
+          <a:chOff x="0" y="0"/>
+          <a:chExt cx="0" cy="0"/>
+        </a:xfrm>
+      </p:grpSpPr>
+      <p:sp>
+        <p:nvSpPr>
+          <p:cNvPr id="2" name="Slide Image Placeholder 1"/>
+          <p:cNvSpPr>
+            <a:spLocks noGrp="1" noRot="1" noChangeAspect="1"/>
+          </p:cNvSpPr>
+          <p:nvPr>
+            <p:ph type="sldImg"/>
+          </p:nvPr>
+        </p:nvSpPr>
+        <p:spPr/>
+      </p:sp>
+      <p:sp>
+        <p:nvSpPr>
+          <p:cNvPr id="3" name="Notes Placeholder 2"/>
+          <p:cNvSpPr>
+            <a:spLocks noGrp="1"/>
+          </p:cNvSpPr>
+          <p:nvPr>
+            <p:ph type="body" idx="1"/>
+          </p:nvPr>
+        </p:nvSpPr>
+        <p:spPr/>
+        <p:txBody>
+          <a:bodyPr/>
+          <a:lstStyle/>
+          <a:p>
+            <a:endParaRPr lang="en-CA" dirty="0"/>
+          </a:p>
+        </p:txBody>
+      </p:sp>
+      <p:sp>
+        <p:nvSpPr>
+          <p:cNvPr id="4" name="Slide Number Placeholder 3"/>
+          <p:cNvSpPr>
+            <a:spLocks noGrp="1"/>
+          </p:cNvSpPr>
+          <p:nvPr>
+            <p:ph type="sldNum" sz="quarter" idx="5"/>
+          </p:nvPr>
+        </p:nvSpPr>
+        <p:spPr/>
+        <p:txBody>
+          <a:bodyPr/>
+          <a:lstStyle/>
+          <a:p>
+            <a:fld id="{DF6F700C-D7A0-4CEF-BA73-6FFC784F17BB}" type="slidenum">
+              <a:rPr lang="en-CA" smtClean="0"/>
+              <a:t>7</a:t>
+            </a:fld>
+            <a:endParaRPr lang="en-CA"/>
+          </a:p>
+        </p:txBody>
+      </p:sp>
+    </p:spTree>
+    <p:extLst>
+      <p:ext uri="{BB962C8B-B14F-4D97-AF65-F5344CB8AC3E}">
+        <p14:creationId xmlns:p14="http://schemas.microsoft.com/office/powerpoint/2010/main" val="842072905"/>
+      </p:ext>
+    </p:extLst>
+  </p:cSld>
+  <p:clrMapOvr>
+    <a:masterClrMapping/>
+  </p:clrMapOvr>
+</p:notes>
+</file>
+
+<file path=ppt/notesSlides/notesSlide4.xml><?xml version="1.0" encoding="utf-8"?>
+<p:notes xmlns:a="http://schemas.openxmlformats.org/drawingml/2006/main" xmlns:r="http://schemas.openxmlformats.org/officeDocument/2006/relationships" xmlns:p="http://schemas.openxmlformats.org/presentationml/2006/main">
+  <p:cSld>
+    <p:spTree>
+      <p:nvGrpSpPr>
+        <p:cNvPr id="1" name=""/>
+        <p:cNvGrpSpPr/>
+        <p:nvPr/>
+      </p:nvGrpSpPr>
+      <p:grpSpPr>
+        <a:xfrm>
+          <a:off x="0" y="0"/>
+          <a:ext cx="0" cy="0"/>
+          <a:chOff x="0" y="0"/>
+          <a:chExt cx="0" cy="0"/>
+        </a:xfrm>
+      </p:grpSpPr>
+      <p:sp>
+        <p:nvSpPr>
+          <p:cNvPr id="2" name="Slide Image Placeholder 1"/>
+          <p:cNvSpPr>
+            <a:spLocks noGrp="1" noRot="1" noChangeAspect="1"/>
+          </p:cNvSpPr>
+          <p:nvPr>
+            <p:ph type="sldImg"/>
+          </p:nvPr>
+        </p:nvSpPr>
+        <p:spPr/>
+      </p:sp>
+      <p:sp>
+        <p:nvSpPr>
+          <p:cNvPr id="3" name="Notes Placeholder 2"/>
+          <p:cNvSpPr>
+            <a:spLocks noGrp="1"/>
+          </p:cNvSpPr>
+          <p:nvPr>
+            <p:ph type="body" idx="1"/>
+          </p:nvPr>
+        </p:nvSpPr>
+        <p:spPr/>
+        <p:txBody>
+          <a:bodyPr/>
+          <a:lstStyle/>
+          <a:p>
+            <a:endParaRPr lang="en-CA" dirty="0"/>
+          </a:p>
+        </p:txBody>
+      </p:sp>
+      <p:sp>
+        <p:nvSpPr>
+          <p:cNvPr id="4" name="Slide Number Placeholder 3"/>
+          <p:cNvSpPr>
+            <a:spLocks noGrp="1"/>
+          </p:cNvSpPr>
+          <p:nvPr>
+            <p:ph type="sldNum" sz="quarter" idx="5"/>
+          </p:nvPr>
+        </p:nvSpPr>
+        <p:spPr/>
+        <p:txBody>
+          <a:bodyPr/>
+          <a:lstStyle/>
+          <a:p>
+            <a:fld id="{DF6F700C-D7A0-4CEF-BA73-6FFC784F17BB}" type="slidenum">
+              <a:rPr lang="en-CA" smtClean="0"/>
+              <a:t>8</a:t>
+            </a:fld>
+            <a:endParaRPr lang="en-CA"/>
+          </a:p>
+        </p:txBody>
+      </p:sp>
+    </p:spTree>
+    <p:extLst>
+      <p:ext uri="{BB962C8B-B14F-4D97-AF65-F5344CB8AC3E}">
+        <p14:creationId xmlns:p14="http://schemas.microsoft.com/office/powerpoint/2010/main" val="2524116024"/>
+      </p:ext>
+    </p:extLst>
+  </p:cSld>
+  <p:clrMapOvr>
+    <a:masterClrMapping/>
+  </p:clrMapOvr>
+</p:notes>
+</file>
+
+<file path=ppt/notesSlides/notesSlide5.xml><?xml version="1.0" encoding="utf-8"?>
+<p:notes xmlns:a="http://schemas.openxmlformats.org/drawingml/2006/main" xmlns:r="http://schemas.openxmlformats.org/officeDocument/2006/relationships" xmlns:p="http://schemas.openxmlformats.org/presentationml/2006/main">
+  <p:cSld>
+    <p:spTree>
+      <p:nvGrpSpPr>
+        <p:cNvPr id="1" name=""/>
+        <p:cNvGrpSpPr/>
+        <p:nvPr/>
+      </p:nvGrpSpPr>
+      <p:grpSpPr>
+        <a:xfrm>
+          <a:off x="0" y="0"/>
+          <a:ext cx="0" cy="0"/>
+          <a:chOff x="0" y="0"/>
+          <a:chExt cx="0" cy="0"/>
+        </a:xfrm>
+      </p:grpSpPr>
+      <p:sp>
+        <p:nvSpPr>
+          <p:cNvPr id="2" name="Slide Image Placeholder 1"/>
+          <p:cNvSpPr>
+            <a:spLocks noGrp="1" noRot="1" noChangeAspect="1"/>
+          </p:cNvSpPr>
+          <p:nvPr>
+            <p:ph type="sldImg"/>
+          </p:nvPr>
+        </p:nvSpPr>
+        <p:spPr/>
+      </p:sp>
+      <p:sp>
+        <p:nvSpPr>
+          <p:cNvPr id="3" name="Notes Placeholder 2"/>
+          <p:cNvSpPr>
+            <a:spLocks noGrp="1"/>
+          </p:cNvSpPr>
+          <p:nvPr>
+            <p:ph type="body" idx="1"/>
+          </p:nvPr>
+        </p:nvSpPr>
+        <p:spPr/>
+        <p:txBody>
+          <a:bodyPr/>
+          <a:lstStyle/>
+          <a:p>
+            <a:endParaRPr lang="en-CA" dirty="0"/>
+          </a:p>
+        </p:txBody>
+      </p:sp>
+      <p:sp>
+        <p:nvSpPr>
+          <p:cNvPr id="4" name="Slide Number Placeholder 3"/>
+          <p:cNvSpPr>
+            <a:spLocks noGrp="1"/>
+          </p:cNvSpPr>
+          <p:nvPr>
+            <p:ph type="sldNum" sz="quarter" idx="5"/>
+          </p:nvPr>
+        </p:nvSpPr>
+        <p:spPr/>
+        <p:txBody>
+          <a:bodyPr/>
+          <a:lstStyle/>
+          <a:p>
+            <a:fld id="{DF6F700C-D7A0-4CEF-BA73-6FFC784F17BB}" type="slidenum">
+              <a:rPr lang="en-CA" smtClean="0"/>
+              <a:t>9</a:t>
+            </a:fld>
+            <a:endParaRPr lang="en-CA"/>
+          </a:p>
+        </p:txBody>
+      </p:sp>
+    </p:spTree>
+    <p:extLst>
+      <p:ext uri="{BB962C8B-B14F-4D97-AF65-F5344CB8AC3E}">
+        <p14:creationId xmlns:p14="http://schemas.microsoft.com/office/powerpoint/2010/main" val="1675455881"/>
+      </p:ext>
+    </p:extLst>
+  </p:cSld>
+  <p:clrMapOvr>
+    <a:masterClrMapping/>
+  </p:clrMapOvr>
+</p:notes>
+</file>
+
+<file path=ppt/notesSlides/notesSlide6.xml><?xml version="1.0" encoding="utf-8"?>
+<p:notes xmlns:a="http://schemas.openxmlformats.org/drawingml/2006/main" xmlns:r="http://schemas.openxmlformats.org/officeDocument/2006/relationships" xmlns:p="http://schemas.openxmlformats.org/presentationml/2006/main">
+  <p:cSld>
+    <p:spTree>
+      <p:nvGrpSpPr>
+        <p:cNvPr id="1" name=""/>
+        <p:cNvGrpSpPr/>
+        <p:nvPr/>
+      </p:nvGrpSpPr>
+      <p:grpSpPr>
+        <a:xfrm>
+          <a:off x="0" y="0"/>
+          <a:ext cx="0" cy="0"/>
+          <a:chOff x="0" y="0"/>
+          <a:chExt cx="0" cy="0"/>
+        </a:xfrm>
+      </p:grpSpPr>
+      <p:sp>
+        <p:nvSpPr>
+          <p:cNvPr id="2" name="Slide Image Placeholder 1"/>
+          <p:cNvSpPr>
+            <a:spLocks noGrp="1" noRot="1" noChangeAspect="1"/>
+          </p:cNvSpPr>
+          <p:nvPr>
+            <p:ph type="sldImg"/>
+          </p:nvPr>
+        </p:nvSpPr>
+        <p:spPr/>
+      </p:sp>
+      <p:sp>
+        <p:nvSpPr>
+          <p:cNvPr id="3" name="Notes Placeholder 2"/>
+          <p:cNvSpPr>
+            <a:spLocks noGrp="1"/>
+          </p:cNvSpPr>
+          <p:nvPr>
+            <p:ph type="body" idx="1"/>
+          </p:nvPr>
+        </p:nvSpPr>
+        <p:spPr/>
+        <p:txBody>
+          <a:bodyPr/>
+          <a:lstStyle/>
+          <a:p>
+            <a:r>
+              <a:rPr lang="en-US" dirty="0"/>
+              <a:t>Family Sponsorship: Alberta, British Columbia, Ontario</a:t>
+            </a:r>
+          </a:p>
+          <a:p>
+            <a:r>
+              <a:rPr lang="en-US" dirty="0"/>
+              <a:t>Provincial Nominee Program: Manitoba, New Brunswick, Newfoundland and Labrador, Northwest Territories, Nova Scotia, </a:t>
+            </a:r>
+            <a:r>
+              <a:rPr lang="en-US" dirty="0" err="1"/>
+              <a:t>Nuvavut</a:t>
+            </a:r>
+            <a:r>
+              <a:rPr lang="en-US" dirty="0"/>
+              <a:t>, Prince Edward Island, Saskatchewan, Yukon</a:t>
+            </a:r>
+          </a:p>
+        </p:txBody>
+      </p:sp>
+      <p:sp>
+        <p:nvSpPr>
+          <p:cNvPr id="4" name="Slide Number Placeholder 3"/>
+          <p:cNvSpPr>
+            <a:spLocks noGrp="1"/>
+          </p:cNvSpPr>
+          <p:nvPr>
+            <p:ph type="sldNum" sz="quarter" idx="5"/>
+          </p:nvPr>
+        </p:nvSpPr>
+        <p:spPr/>
+        <p:txBody>
+          <a:bodyPr/>
+          <a:lstStyle/>
+          <a:p>
+            <a:fld id="{DF6F700C-D7A0-4CEF-BA73-6FFC784F17BB}" type="slidenum">
+              <a:rPr lang="en-CA" smtClean="0"/>
+              <a:t>15</a:t>
+            </a:fld>
+            <a:endParaRPr lang="en-CA"/>
+          </a:p>
+        </p:txBody>
+      </p:sp>
+    </p:spTree>
+    <p:extLst>
+      <p:ext uri="{BB962C8B-B14F-4D97-AF65-F5344CB8AC3E}">
+        <p14:creationId xmlns:p14="http://schemas.microsoft.com/office/powerpoint/2010/main" val="2985532964"/>
+      </p:ext>
+    </p:extLst>
+  </p:cSld>
+  <p:clrMapOvr>
+    <a:masterClrMapping/>
+  </p:clrMapOvr>
+</p:notes>
+</file>
+
+<file path=ppt/notesSlides/notesSlide7.xml><?xml version="1.0" encoding="utf-8"?>
+<p:notes xmlns:a="http://schemas.openxmlformats.org/drawingml/2006/main" xmlns:r="http://schemas.openxmlformats.org/officeDocument/2006/relationships" xmlns:p="http://schemas.openxmlformats.org/presentationml/2006/main">
+  <p:cSld>
+    <p:spTree>
+      <p:nvGrpSpPr>
+        <p:cNvPr id="1" name=""/>
+        <p:cNvGrpSpPr/>
+        <p:nvPr/>
+      </p:nvGrpSpPr>
+      <p:grpSpPr>
+        <a:xfrm>
+          <a:off x="0" y="0"/>
+          <a:ext cx="0" cy="0"/>
+          <a:chOff x="0" y="0"/>
+          <a:chExt cx="0" cy="0"/>
+        </a:xfrm>
+      </p:grpSpPr>
+      <p:sp>
+        <p:nvSpPr>
+          <p:cNvPr id="2" name="Slide Image Placeholder 1"/>
+          <p:cNvSpPr>
+            <a:spLocks noGrp="1" noRot="1" noChangeAspect="1"/>
+          </p:cNvSpPr>
+          <p:nvPr>
+            <p:ph type="sldImg"/>
+          </p:nvPr>
+        </p:nvSpPr>
+        <p:spPr/>
+      </p:sp>
+      <p:sp>
+        <p:nvSpPr>
+          <p:cNvPr id="3" name="Notes Placeholder 2"/>
+          <p:cNvSpPr>
+            <a:spLocks noGrp="1"/>
+          </p:cNvSpPr>
+          <p:nvPr>
+            <p:ph type="body" idx="1"/>
+          </p:nvPr>
+        </p:nvSpPr>
+        <p:spPr/>
+        <p:txBody>
+          <a:bodyPr/>
+          <a:lstStyle/>
+          <a:p>
+            <a:endParaRPr lang="en-CA" dirty="0"/>
+          </a:p>
+        </p:txBody>
+      </p:sp>
+      <p:sp>
+        <p:nvSpPr>
+          <p:cNvPr id="4" name="Slide Number Placeholder 3"/>
+          <p:cNvSpPr>
+            <a:spLocks noGrp="1"/>
+          </p:cNvSpPr>
+          <p:nvPr>
+            <p:ph type="sldNum" sz="quarter" idx="5"/>
+          </p:nvPr>
+        </p:nvSpPr>
+        <p:spPr/>
+        <p:txBody>
+          <a:bodyPr/>
+          <a:lstStyle/>
+          <a:p>
+            <a:fld id="{DF6F700C-D7A0-4CEF-BA73-6FFC784F17BB}" type="slidenum">
+              <a:rPr lang="en-CA" smtClean="0"/>
+              <a:t>16</a:t>
+            </a:fld>
+            <a:endParaRPr lang="en-CA"/>
+          </a:p>
+        </p:txBody>
+      </p:sp>
+    </p:spTree>
+    <p:extLst>
+      <p:ext uri="{BB962C8B-B14F-4D97-AF65-F5344CB8AC3E}">
+        <p14:creationId xmlns:p14="http://schemas.microsoft.com/office/powerpoint/2010/main" val="3414855208"/>
+      </p:ext>
+    </p:extLst>
+  </p:cSld>
+  <p:clrMapOvr>
+    <a:masterClrMapping/>
+  </p:clrMapOvr>
+</p:notes>
+</file>
+
+<file path=ppt/notesSlides/notesSlide8.xml><?xml version="1.0" encoding="utf-8"?>
+<p:notes xmlns:a="http://schemas.openxmlformats.org/drawingml/2006/main" xmlns:r="http://schemas.openxmlformats.org/officeDocument/2006/relationships" xmlns:p="http://schemas.openxmlformats.org/presentationml/2006/main">
+  <p:cSld>
+    <p:spTree>
+      <p:nvGrpSpPr>
+        <p:cNvPr id="1" name=""/>
+        <p:cNvGrpSpPr/>
+        <p:nvPr/>
+      </p:nvGrpSpPr>
+      <p:grpSpPr>
+        <a:xfrm>
+          <a:off x="0" y="0"/>
+          <a:ext cx="0" cy="0"/>
+          <a:chOff x="0" y="0"/>
+          <a:chExt cx="0" cy="0"/>
+        </a:xfrm>
+      </p:grpSpPr>
+      <p:sp>
+        <p:nvSpPr>
+          <p:cNvPr id="2" name="Slide Image Placeholder 1"/>
+          <p:cNvSpPr>
+            <a:spLocks noGrp="1" noRot="1" noChangeAspect="1"/>
+          </p:cNvSpPr>
+          <p:nvPr>
+            <p:ph type="sldImg"/>
+          </p:nvPr>
+        </p:nvSpPr>
+        <p:spPr/>
+      </p:sp>
+      <p:sp>
+        <p:nvSpPr>
+          <p:cNvPr id="3" name="Notes Placeholder 2"/>
+          <p:cNvSpPr>
+            <a:spLocks noGrp="1"/>
+          </p:cNvSpPr>
+          <p:nvPr>
+            <p:ph type="body" idx="1"/>
+          </p:nvPr>
+        </p:nvSpPr>
+        <p:spPr/>
+        <p:txBody>
+          <a:bodyPr/>
+          <a:lstStyle/>
+          <a:p>
+            <a:r>
+              <a:rPr lang="en-US" dirty="0"/>
+              <a:t>High number of approvals in 2021 for CEC category -&gt; mostly comprised of Ontario and British Columbia</a:t>
+            </a:r>
+          </a:p>
+        </p:txBody>
+      </p:sp>
+      <p:sp>
+        <p:nvSpPr>
+          <p:cNvPr id="4" name="Slide Number Placeholder 3"/>
+          <p:cNvSpPr>
+            <a:spLocks noGrp="1"/>
+          </p:cNvSpPr>
+          <p:nvPr>
+            <p:ph type="sldNum" sz="quarter" idx="5"/>
+          </p:nvPr>
+        </p:nvSpPr>
+        <p:spPr/>
+        <p:txBody>
+          <a:bodyPr/>
+          <a:lstStyle/>
+          <a:p>
+            <a:fld id="{DF6F700C-D7A0-4CEF-BA73-6FFC784F17BB}" type="slidenum">
+              <a:rPr lang="en-CA" smtClean="0"/>
+              <a:t>18</a:t>
+            </a:fld>
+            <a:endParaRPr lang="en-CA"/>
+          </a:p>
+        </p:txBody>
+      </p:sp>
+    </p:spTree>
+    <p:extLst>
+      <p:ext uri="{BB962C8B-B14F-4D97-AF65-F5344CB8AC3E}">
+        <p14:creationId xmlns:p14="http://schemas.microsoft.com/office/powerpoint/2010/main" val="3733946554"/>
+      </p:ext>
+    </p:extLst>
+  </p:cSld>
+  <p:clrMapOvr>
+    <a:masterClrMapping/>
+  </p:clrMapOvr>
+</p:notes>
+</file>
+
+<file path=ppt/notesSlides/notesSlide9.xml><?xml version="1.0" encoding="utf-8"?>
 <p:notes xmlns:a="http://schemas.openxmlformats.org/drawingml/2006/main" xmlns:r="http://schemas.openxmlformats.org/officeDocument/2006/relationships" xmlns:p="http://schemas.openxmlformats.org/presentationml/2006/main">
   <p:cSld>
     <p:spTree>
@@ -12347,7 +13387,7 @@
           <a:p>
             <a:fld id="{DF6F700C-D7A0-4CEF-BA73-6FFC784F17BB}" type="slidenum">
               <a:rPr lang="en-CA" smtClean="0"/>
-              <a:t>22</a:t>
+              <a:t>21</a:t>
             </a:fld>
             <a:endParaRPr lang="en-CA"/>
           </a:p>
@@ -12357,1124 +13397,6 @@
     <p:extLst>
       <p:ext uri="{BB962C8B-B14F-4D97-AF65-F5344CB8AC3E}">
         <p14:creationId xmlns:p14="http://schemas.microsoft.com/office/powerpoint/2010/main" val="691220673"/>
-      </p:ext>
-    </p:extLst>
-  </p:cSld>
-  <p:clrMapOvr>
-    <a:masterClrMapping/>
-  </p:clrMapOvr>
-</p:notes>
-</file>
-
-<file path=ppt/notesSlides/notesSlide11.xml><?xml version="1.0" encoding="utf-8"?>
-<p:notes xmlns:a="http://schemas.openxmlformats.org/drawingml/2006/main" xmlns:r="http://schemas.openxmlformats.org/officeDocument/2006/relationships" xmlns:p="http://schemas.openxmlformats.org/presentationml/2006/main">
-  <p:cSld>
-    <p:spTree>
-      <p:nvGrpSpPr>
-        <p:cNvPr id="1" name=""/>
-        <p:cNvGrpSpPr/>
-        <p:nvPr/>
-      </p:nvGrpSpPr>
-      <p:grpSpPr>
-        <a:xfrm>
-          <a:off x="0" y="0"/>
-          <a:ext cx="0" cy="0"/>
-          <a:chOff x="0" y="0"/>
-          <a:chExt cx="0" cy="0"/>
-        </a:xfrm>
-      </p:grpSpPr>
-      <p:sp>
-        <p:nvSpPr>
-          <p:cNvPr id="2" name="Slide Image Placeholder 1"/>
-          <p:cNvSpPr>
-            <a:spLocks noGrp="1" noRot="1" noChangeAspect="1"/>
-          </p:cNvSpPr>
-          <p:nvPr>
-            <p:ph type="sldImg"/>
-          </p:nvPr>
-        </p:nvSpPr>
-        <p:spPr/>
-      </p:sp>
-      <p:sp>
-        <p:nvSpPr>
-          <p:cNvPr id="3" name="Notes Placeholder 2"/>
-          <p:cNvSpPr>
-            <a:spLocks noGrp="1"/>
-          </p:cNvSpPr>
-          <p:nvPr>
-            <p:ph type="body" idx="1"/>
-          </p:nvPr>
-        </p:nvSpPr>
-        <p:spPr/>
-        <p:txBody>
-          <a:bodyPr/>
-          <a:lstStyle/>
-          <a:p>
-            <a:pPr marL="0" marR="0" lvl="0" indent="0" algn="l" defTabSz="914400" rtl="0" eaLnBrk="1" fontAlgn="auto" latinLnBrk="0" hangingPunct="1">
-              <a:lnSpc>
-                <a:spcPct val="100000"/>
-              </a:lnSpc>
-              <a:spcBef>
-                <a:spcPts val="0"/>
-              </a:spcBef>
-              <a:spcAft>
-                <a:spcPts val="0"/>
-              </a:spcAft>
-              <a:buClrTx/>
-              <a:buSzTx/>
-              <a:buFontTx/>
-              <a:buNone/>
-              <a:tabLst/>
-              <a:defRPr/>
-            </a:pPr>
-            <a:r>
-              <a:rPr lang="en-US" sz="1200" b="0" dirty="0"/>
-              <a:t>The surge of approvals for NOC B has started on 2021 -&gt; </a:t>
-            </a:r>
-            <a:r>
-              <a:rPr lang="en-US" b="0" dirty="0">
-                <a:solidFill>
-                  <a:srgbClr val="FFFFFF"/>
-                </a:solidFill>
-              </a:rPr>
-              <a:t>caused by of TR to PR program and the </a:t>
-            </a:r>
-            <a:r>
-              <a:rPr lang="en-US" b="0" dirty="0">
-                <a:solidFill>
-                  <a:srgbClr val="FFFFFF"/>
-                </a:solidFill>
-                <a:hlinkClick r:id="rId3"/>
-              </a:rPr>
-              <a:t>mass approval on CEC applicants</a:t>
-            </a:r>
-            <a:endParaRPr lang="en-US" b="0" dirty="0">
-              <a:solidFill>
-                <a:srgbClr val="FFFFFF"/>
-              </a:solidFill>
-            </a:endParaRPr>
-          </a:p>
-          <a:p>
-            <a:pPr marL="0" marR="0" lvl="0" indent="0" algn="l" defTabSz="914400" rtl="0" eaLnBrk="1" fontAlgn="auto" latinLnBrk="0" hangingPunct="1">
-              <a:lnSpc>
-                <a:spcPct val="100000"/>
-              </a:lnSpc>
-              <a:spcBef>
-                <a:spcPts val="0"/>
-              </a:spcBef>
-              <a:spcAft>
-                <a:spcPts val="0"/>
-              </a:spcAft>
-              <a:buClrTx/>
-              <a:buSzTx/>
-              <a:buFontTx/>
-              <a:buNone/>
-              <a:tabLst/>
-              <a:defRPr/>
-            </a:pPr>
-            <a:endParaRPr lang="en-US" b="0" dirty="0">
-              <a:solidFill>
-                <a:srgbClr val="FFFFFF"/>
-              </a:solidFill>
-            </a:endParaRPr>
-          </a:p>
-        </p:txBody>
-      </p:sp>
-      <p:sp>
-        <p:nvSpPr>
-          <p:cNvPr id="4" name="Slide Number Placeholder 3"/>
-          <p:cNvSpPr>
-            <a:spLocks noGrp="1"/>
-          </p:cNvSpPr>
-          <p:nvPr>
-            <p:ph type="sldNum" sz="quarter" idx="5"/>
-          </p:nvPr>
-        </p:nvSpPr>
-        <p:spPr/>
-        <p:txBody>
-          <a:bodyPr/>
-          <a:lstStyle/>
-          <a:p>
-            <a:fld id="{DF6F700C-D7A0-4CEF-BA73-6FFC784F17BB}" type="slidenum">
-              <a:rPr lang="en-CA" smtClean="0"/>
-              <a:t>23</a:t>
-            </a:fld>
-            <a:endParaRPr lang="en-CA"/>
-          </a:p>
-        </p:txBody>
-      </p:sp>
-    </p:spTree>
-    <p:extLst>
-      <p:ext uri="{BB962C8B-B14F-4D97-AF65-F5344CB8AC3E}">
-        <p14:creationId xmlns:p14="http://schemas.microsoft.com/office/powerpoint/2010/main" val="3270908759"/>
-      </p:ext>
-    </p:extLst>
-  </p:cSld>
-  <p:clrMapOvr>
-    <a:masterClrMapping/>
-  </p:clrMapOvr>
-</p:notes>
-</file>
-
-<file path=ppt/notesSlides/notesSlide12.xml><?xml version="1.0" encoding="utf-8"?>
-<p:notes xmlns:a="http://schemas.openxmlformats.org/drawingml/2006/main" xmlns:r="http://schemas.openxmlformats.org/officeDocument/2006/relationships" xmlns:p="http://schemas.openxmlformats.org/presentationml/2006/main">
-  <p:cSld>
-    <p:spTree>
-      <p:nvGrpSpPr>
-        <p:cNvPr id="1" name=""/>
-        <p:cNvGrpSpPr/>
-        <p:nvPr/>
-      </p:nvGrpSpPr>
-      <p:grpSpPr>
-        <a:xfrm>
-          <a:off x="0" y="0"/>
-          <a:ext cx="0" cy="0"/>
-          <a:chOff x="0" y="0"/>
-          <a:chExt cx="0" cy="0"/>
-        </a:xfrm>
-      </p:grpSpPr>
-      <p:sp>
-        <p:nvSpPr>
-          <p:cNvPr id="2" name="Slide Image Placeholder 1"/>
-          <p:cNvSpPr>
-            <a:spLocks noGrp="1" noRot="1" noChangeAspect="1"/>
-          </p:cNvSpPr>
-          <p:nvPr>
-            <p:ph type="sldImg"/>
-          </p:nvPr>
-        </p:nvSpPr>
-        <p:spPr/>
-      </p:sp>
-      <p:sp>
-        <p:nvSpPr>
-          <p:cNvPr id="3" name="Notes Placeholder 2"/>
-          <p:cNvSpPr>
-            <a:spLocks noGrp="1"/>
-          </p:cNvSpPr>
-          <p:nvPr>
-            <p:ph type="body" idx="1"/>
-          </p:nvPr>
-        </p:nvSpPr>
-        <p:spPr/>
-        <p:txBody>
-          <a:bodyPr/>
-          <a:lstStyle/>
-          <a:p>
-            <a:pPr marL="0" marR="0" lvl="0" indent="0" algn="l" defTabSz="914400" rtl="0" eaLnBrk="1" fontAlgn="auto" latinLnBrk="0" hangingPunct="1">
-              <a:lnSpc>
-                <a:spcPct val="100000"/>
-              </a:lnSpc>
-              <a:spcBef>
-                <a:spcPts val="0"/>
-              </a:spcBef>
-              <a:spcAft>
-                <a:spcPts val="0"/>
-              </a:spcAft>
-              <a:buClrTx/>
-              <a:buSzTx/>
-              <a:buFontTx/>
-              <a:buNone/>
-              <a:tabLst/>
-              <a:defRPr/>
-            </a:pPr>
-            <a:endParaRPr lang="en-US" b="0" dirty="0">
-              <a:solidFill>
-                <a:srgbClr val="FFFFFF"/>
-              </a:solidFill>
-            </a:endParaRPr>
-          </a:p>
-        </p:txBody>
-      </p:sp>
-      <p:sp>
-        <p:nvSpPr>
-          <p:cNvPr id="4" name="Slide Number Placeholder 3"/>
-          <p:cNvSpPr>
-            <a:spLocks noGrp="1"/>
-          </p:cNvSpPr>
-          <p:nvPr>
-            <p:ph type="sldNum" sz="quarter" idx="5"/>
-          </p:nvPr>
-        </p:nvSpPr>
-        <p:spPr/>
-        <p:txBody>
-          <a:bodyPr/>
-          <a:lstStyle/>
-          <a:p>
-            <a:fld id="{DF6F700C-D7A0-4CEF-BA73-6FFC784F17BB}" type="slidenum">
-              <a:rPr lang="en-CA" smtClean="0"/>
-              <a:t>24</a:t>
-            </a:fld>
-            <a:endParaRPr lang="en-CA"/>
-          </a:p>
-        </p:txBody>
-      </p:sp>
-    </p:spTree>
-    <p:extLst>
-      <p:ext uri="{BB962C8B-B14F-4D97-AF65-F5344CB8AC3E}">
-        <p14:creationId xmlns:p14="http://schemas.microsoft.com/office/powerpoint/2010/main" val="3363809198"/>
-      </p:ext>
-    </p:extLst>
-  </p:cSld>
-  <p:clrMapOvr>
-    <a:masterClrMapping/>
-  </p:clrMapOvr>
-</p:notes>
-</file>
-
-<file path=ppt/notesSlides/notesSlide13.xml><?xml version="1.0" encoding="utf-8"?>
-<p:notes xmlns:a="http://schemas.openxmlformats.org/drawingml/2006/main" xmlns:r="http://schemas.openxmlformats.org/officeDocument/2006/relationships" xmlns:p="http://schemas.openxmlformats.org/presentationml/2006/main">
-  <p:cSld>
-    <p:spTree>
-      <p:nvGrpSpPr>
-        <p:cNvPr id="1" name=""/>
-        <p:cNvGrpSpPr/>
-        <p:nvPr/>
-      </p:nvGrpSpPr>
-      <p:grpSpPr>
-        <a:xfrm>
-          <a:off x="0" y="0"/>
-          <a:ext cx="0" cy="0"/>
-          <a:chOff x="0" y="0"/>
-          <a:chExt cx="0" cy="0"/>
-        </a:xfrm>
-      </p:grpSpPr>
-      <p:sp>
-        <p:nvSpPr>
-          <p:cNvPr id="2" name="Slide Image Placeholder 1"/>
-          <p:cNvSpPr>
-            <a:spLocks noGrp="1" noRot="1" noChangeAspect="1"/>
-          </p:cNvSpPr>
-          <p:nvPr>
-            <p:ph type="sldImg"/>
-          </p:nvPr>
-        </p:nvSpPr>
-        <p:spPr/>
-      </p:sp>
-      <p:sp>
-        <p:nvSpPr>
-          <p:cNvPr id="3" name="Notes Placeholder 2"/>
-          <p:cNvSpPr>
-            <a:spLocks noGrp="1"/>
-          </p:cNvSpPr>
-          <p:nvPr>
-            <p:ph type="body" idx="1"/>
-          </p:nvPr>
-        </p:nvSpPr>
-        <p:spPr/>
-        <p:txBody>
-          <a:bodyPr/>
-          <a:lstStyle/>
-          <a:p>
-            <a:pPr marL="0" marR="0" lvl="0" indent="0" algn="l" defTabSz="914400" rtl="0" eaLnBrk="1" fontAlgn="auto" latinLnBrk="0" hangingPunct="1">
-              <a:lnSpc>
-                <a:spcPct val="100000"/>
-              </a:lnSpc>
-              <a:spcBef>
-                <a:spcPts val="0"/>
-              </a:spcBef>
-              <a:spcAft>
-                <a:spcPts val="0"/>
-              </a:spcAft>
-              <a:buClrTx/>
-              <a:buSzTx/>
-              <a:buFontTx/>
-              <a:buNone/>
-              <a:tabLst/>
-              <a:defRPr/>
-            </a:pPr>
-            <a:r>
-              <a:rPr lang="en-US" sz="1200" dirty="0"/>
-              <a:t>Highest number of approvals in a particular year were from age group 15-29 years old in year 2021 </a:t>
-            </a:r>
-            <a:r>
-              <a:rPr lang="en-US" sz="1200" b="0" dirty="0"/>
-              <a:t>-&gt; </a:t>
-            </a:r>
-            <a:r>
-              <a:rPr lang="en-US" b="0" dirty="0">
-                <a:solidFill>
-                  <a:srgbClr val="FFFFFF"/>
-                </a:solidFill>
-              </a:rPr>
-              <a:t>caused by of TR to PR program and the </a:t>
-            </a:r>
-            <a:r>
-              <a:rPr lang="en-US" b="0" dirty="0">
-                <a:solidFill>
-                  <a:srgbClr val="FFFFFF"/>
-                </a:solidFill>
-                <a:hlinkClick r:id="rId3"/>
-              </a:rPr>
-              <a:t>mass approval on CEC applicants</a:t>
-            </a:r>
-            <a:r>
-              <a:rPr lang="en-US" b="0" dirty="0">
-                <a:solidFill>
-                  <a:srgbClr val="FFFFFF"/>
-                </a:solidFill>
-              </a:rPr>
-              <a:t>. In addition, FSW program, which contributes to the big percentage for 30 to 44 years old, was temporarily paused </a:t>
-            </a:r>
-            <a:endParaRPr lang="en-US" sz="1200" dirty="0"/>
-          </a:p>
-          <a:p>
-            <a:endParaRPr lang="en-US" dirty="0"/>
-          </a:p>
-        </p:txBody>
-      </p:sp>
-      <p:sp>
-        <p:nvSpPr>
-          <p:cNvPr id="4" name="Slide Number Placeholder 3"/>
-          <p:cNvSpPr>
-            <a:spLocks noGrp="1"/>
-          </p:cNvSpPr>
-          <p:nvPr>
-            <p:ph type="sldNum" sz="quarter" idx="5"/>
-          </p:nvPr>
-        </p:nvSpPr>
-        <p:spPr/>
-        <p:txBody>
-          <a:bodyPr/>
-          <a:lstStyle/>
-          <a:p>
-            <a:fld id="{DF6F700C-D7A0-4CEF-BA73-6FFC784F17BB}" type="slidenum">
-              <a:rPr lang="en-CA" smtClean="0"/>
-              <a:t>27</a:t>
-            </a:fld>
-            <a:endParaRPr lang="en-CA"/>
-          </a:p>
-        </p:txBody>
-      </p:sp>
-    </p:spTree>
-    <p:extLst>
-      <p:ext uri="{BB962C8B-B14F-4D97-AF65-F5344CB8AC3E}">
-        <p14:creationId xmlns:p14="http://schemas.microsoft.com/office/powerpoint/2010/main" val="3495550804"/>
-      </p:ext>
-    </p:extLst>
-  </p:cSld>
-  <p:clrMapOvr>
-    <a:masterClrMapping/>
-  </p:clrMapOvr>
-</p:notes>
-</file>
-
-<file path=ppt/notesSlides/notesSlide2.xml><?xml version="1.0" encoding="utf-8"?>
-<p:notes xmlns:a="http://schemas.openxmlformats.org/drawingml/2006/main" xmlns:r="http://schemas.openxmlformats.org/officeDocument/2006/relationships" xmlns:p="http://schemas.openxmlformats.org/presentationml/2006/main">
-  <p:cSld>
-    <p:spTree>
-      <p:nvGrpSpPr>
-        <p:cNvPr id="1" name=""/>
-        <p:cNvGrpSpPr/>
-        <p:nvPr/>
-      </p:nvGrpSpPr>
-      <p:grpSpPr>
-        <a:xfrm>
-          <a:off x="0" y="0"/>
-          <a:ext cx="0" cy="0"/>
-          <a:chOff x="0" y="0"/>
-          <a:chExt cx="0" cy="0"/>
-        </a:xfrm>
-      </p:grpSpPr>
-      <p:sp>
-        <p:nvSpPr>
-          <p:cNvPr id="2" name="Slide Image Placeholder 1"/>
-          <p:cNvSpPr>
-            <a:spLocks noGrp="1" noRot="1" noChangeAspect="1"/>
-          </p:cNvSpPr>
-          <p:nvPr>
-            <p:ph type="sldImg"/>
-          </p:nvPr>
-        </p:nvSpPr>
-        <p:spPr/>
-      </p:sp>
-      <p:sp>
-        <p:nvSpPr>
-          <p:cNvPr id="3" name="Notes Placeholder 2"/>
-          <p:cNvSpPr>
-            <a:spLocks noGrp="1"/>
-          </p:cNvSpPr>
-          <p:nvPr>
-            <p:ph type="body" idx="1"/>
-          </p:nvPr>
-        </p:nvSpPr>
-        <p:spPr/>
-        <p:txBody>
-          <a:bodyPr/>
-          <a:lstStyle/>
-          <a:p>
-            <a:pPr marL="0" marR="0" lvl="0" indent="0" algn="l" defTabSz="914400" rtl="0" eaLnBrk="1" fontAlgn="auto" latinLnBrk="0" hangingPunct="1">
-              <a:lnSpc>
-                <a:spcPct val="100000"/>
-              </a:lnSpc>
-              <a:spcBef>
-                <a:spcPts val="0"/>
-              </a:spcBef>
-              <a:spcAft>
-                <a:spcPts val="0"/>
-              </a:spcAft>
-              <a:buClrTx/>
-              <a:buSzTx/>
-              <a:buFontTx/>
-              <a:buNone/>
-              <a:tabLst/>
-              <a:defRPr/>
-            </a:pPr>
-            <a:r>
-              <a:rPr lang="en-US" dirty="0"/>
-              <a:t>The figures in datasets are suppressed or rounded to prevent identification of individuals -&gt; </a:t>
-            </a:r>
-            <a:r>
-              <a:rPr lang="en-US" b="0" i="0" dirty="0">
-                <a:solidFill>
-                  <a:srgbClr val="333333"/>
-                </a:solidFill>
-                <a:effectLst/>
-                <a:latin typeface="Noto Sans" panose="020B0502040504020204" pitchFamily="34" charset="0"/>
-              </a:rPr>
-              <a:t>This may result to the sum of the figures not equating to the totals indicated.</a:t>
-            </a:r>
-            <a:endParaRPr lang="en-US" dirty="0"/>
-          </a:p>
-          <a:p>
-            <a:endParaRPr lang="en-US" dirty="0"/>
-          </a:p>
-        </p:txBody>
-      </p:sp>
-      <p:sp>
-        <p:nvSpPr>
-          <p:cNvPr id="4" name="Slide Number Placeholder 3"/>
-          <p:cNvSpPr>
-            <a:spLocks noGrp="1"/>
-          </p:cNvSpPr>
-          <p:nvPr>
-            <p:ph type="sldNum" sz="quarter" idx="5"/>
-          </p:nvPr>
-        </p:nvSpPr>
-        <p:spPr/>
-        <p:txBody>
-          <a:bodyPr/>
-          <a:lstStyle/>
-          <a:p>
-            <a:fld id="{7A96F4E5-CC62-4260-AA5B-ACAA1E9D5523}" type="slidenum">
-              <a:rPr lang="en-US" smtClean="0"/>
-              <a:t>4</a:t>
-            </a:fld>
-            <a:endParaRPr lang="en-US"/>
-          </a:p>
-        </p:txBody>
-      </p:sp>
-    </p:spTree>
-    <p:extLst>
-      <p:ext uri="{BB962C8B-B14F-4D97-AF65-F5344CB8AC3E}">
-        <p14:creationId xmlns:p14="http://schemas.microsoft.com/office/powerpoint/2010/main" val="788515242"/>
-      </p:ext>
-    </p:extLst>
-  </p:cSld>
-  <p:clrMapOvr>
-    <a:masterClrMapping/>
-  </p:clrMapOvr>
-</p:notes>
-</file>
-
-<file path=ppt/notesSlides/notesSlide3.xml><?xml version="1.0" encoding="utf-8"?>
-<p:notes xmlns:a="http://schemas.openxmlformats.org/drawingml/2006/main" xmlns:r="http://schemas.openxmlformats.org/officeDocument/2006/relationships" xmlns:p="http://schemas.openxmlformats.org/presentationml/2006/main">
-  <p:cSld>
-    <p:spTree>
-      <p:nvGrpSpPr>
-        <p:cNvPr id="1" name=""/>
-        <p:cNvGrpSpPr/>
-        <p:nvPr/>
-      </p:nvGrpSpPr>
-      <p:grpSpPr>
-        <a:xfrm>
-          <a:off x="0" y="0"/>
-          <a:ext cx="0" cy="0"/>
-          <a:chOff x="0" y="0"/>
-          <a:chExt cx="0" cy="0"/>
-        </a:xfrm>
-      </p:grpSpPr>
-      <p:sp>
-        <p:nvSpPr>
-          <p:cNvPr id="2" name="Slide Image Placeholder 1"/>
-          <p:cNvSpPr>
-            <a:spLocks noGrp="1" noRot="1" noChangeAspect="1"/>
-          </p:cNvSpPr>
-          <p:nvPr>
-            <p:ph type="sldImg"/>
-          </p:nvPr>
-        </p:nvSpPr>
-        <p:spPr/>
-      </p:sp>
-      <p:sp>
-        <p:nvSpPr>
-          <p:cNvPr id="3" name="Notes Placeholder 2"/>
-          <p:cNvSpPr>
-            <a:spLocks noGrp="1"/>
-          </p:cNvSpPr>
-          <p:nvPr>
-            <p:ph type="body" idx="1"/>
-          </p:nvPr>
-        </p:nvSpPr>
-        <p:spPr/>
-        <p:txBody>
-          <a:bodyPr/>
-          <a:lstStyle/>
-          <a:p>
-            <a:endParaRPr lang="en-CA" dirty="0"/>
-          </a:p>
-        </p:txBody>
-      </p:sp>
-      <p:sp>
-        <p:nvSpPr>
-          <p:cNvPr id="4" name="Slide Number Placeholder 3"/>
-          <p:cNvSpPr>
-            <a:spLocks noGrp="1"/>
-          </p:cNvSpPr>
-          <p:nvPr>
-            <p:ph type="sldNum" sz="quarter" idx="5"/>
-          </p:nvPr>
-        </p:nvSpPr>
-        <p:spPr/>
-        <p:txBody>
-          <a:bodyPr/>
-          <a:lstStyle/>
-          <a:p>
-            <a:fld id="{DF6F700C-D7A0-4CEF-BA73-6FFC784F17BB}" type="slidenum">
-              <a:rPr lang="en-CA" smtClean="0"/>
-              <a:t>5</a:t>
-            </a:fld>
-            <a:endParaRPr lang="en-CA"/>
-          </a:p>
-        </p:txBody>
-      </p:sp>
-    </p:spTree>
-    <p:extLst>
-      <p:ext uri="{BB962C8B-B14F-4D97-AF65-F5344CB8AC3E}">
-        <p14:creationId xmlns:p14="http://schemas.microsoft.com/office/powerpoint/2010/main" val="947432922"/>
-      </p:ext>
-    </p:extLst>
-  </p:cSld>
-  <p:clrMapOvr>
-    <a:masterClrMapping/>
-  </p:clrMapOvr>
-</p:notes>
-</file>
-
-<file path=ppt/notesSlides/notesSlide4.xml><?xml version="1.0" encoding="utf-8"?>
-<p:notes xmlns:a="http://schemas.openxmlformats.org/drawingml/2006/main" xmlns:r="http://schemas.openxmlformats.org/officeDocument/2006/relationships" xmlns:p="http://schemas.openxmlformats.org/presentationml/2006/main">
-  <p:cSld>
-    <p:spTree>
-      <p:nvGrpSpPr>
-        <p:cNvPr id="1" name=""/>
-        <p:cNvGrpSpPr/>
-        <p:nvPr/>
-      </p:nvGrpSpPr>
-      <p:grpSpPr>
-        <a:xfrm>
-          <a:off x="0" y="0"/>
-          <a:ext cx="0" cy="0"/>
-          <a:chOff x="0" y="0"/>
-          <a:chExt cx="0" cy="0"/>
-        </a:xfrm>
-      </p:grpSpPr>
-      <p:sp>
-        <p:nvSpPr>
-          <p:cNvPr id="2" name="Slide Image Placeholder 1"/>
-          <p:cNvSpPr>
-            <a:spLocks noGrp="1" noRot="1" noChangeAspect="1"/>
-          </p:cNvSpPr>
-          <p:nvPr>
-            <p:ph type="sldImg"/>
-          </p:nvPr>
-        </p:nvSpPr>
-        <p:spPr/>
-      </p:sp>
-      <p:sp>
-        <p:nvSpPr>
-          <p:cNvPr id="3" name="Notes Placeholder 2"/>
-          <p:cNvSpPr>
-            <a:spLocks noGrp="1"/>
-          </p:cNvSpPr>
-          <p:nvPr>
-            <p:ph type="body" idx="1"/>
-          </p:nvPr>
-        </p:nvSpPr>
-        <p:spPr/>
-        <p:txBody>
-          <a:bodyPr/>
-          <a:lstStyle/>
-          <a:p>
-            <a:endParaRPr lang="en-CA" dirty="0"/>
-          </a:p>
-        </p:txBody>
-      </p:sp>
-      <p:sp>
-        <p:nvSpPr>
-          <p:cNvPr id="4" name="Slide Number Placeholder 3"/>
-          <p:cNvSpPr>
-            <a:spLocks noGrp="1"/>
-          </p:cNvSpPr>
-          <p:nvPr>
-            <p:ph type="sldNum" sz="quarter" idx="5"/>
-          </p:nvPr>
-        </p:nvSpPr>
-        <p:spPr/>
-        <p:txBody>
-          <a:bodyPr/>
-          <a:lstStyle/>
-          <a:p>
-            <a:fld id="{DF6F700C-D7A0-4CEF-BA73-6FFC784F17BB}" type="slidenum">
-              <a:rPr lang="en-CA" smtClean="0"/>
-              <a:t>8</a:t>
-            </a:fld>
-            <a:endParaRPr lang="en-CA"/>
-          </a:p>
-        </p:txBody>
-      </p:sp>
-    </p:spTree>
-    <p:extLst>
-      <p:ext uri="{BB962C8B-B14F-4D97-AF65-F5344CB8AC3E}">
-        <p14:creationId xmlns:p14="http://schemas.microsoft.com/office/powerpoint/2010/main" val="842072905"/>
-      </p:ext>
-    </p:extLst>
-  </p:cSld>
-  <p:clrMapOvr>
-    <a:masterClrMapping/>
-  </p:clrMapOvr>
-</p:notes>
-</file>
-
-<file path=ppt/notesSlides/notesSlide5.xml><?xml version="1.0" encoding="utf-8"?>
-<p:notes xmlns:a="http://schemas.openxmlformats.org/drawingml/2006/main" xmlns:r="http://schemas.openxmlformats.org/officeDocument/2006/relationships" xmlns:p="http://schemas.openxmlformats.org/presentationml/2006/main">
-  <p:cSld>
-    <p:spTree>
-      <p:nvGrpSpPr>
-        <p:cNvPr id="1" name=""/>
-        <p:cNvGrpSpPr/>
-        <p:nvPr/>
-      </p:nvGrpSpPr>
-      <p:grpSpPr>
-        <a:xfrm>
-          <a:off x="0" y="0"/>
-          <a:ext cx="0" cy="0"/>
-          <a:chOff x="0" y="0"/>
-          <a:chExt cx="0" cy="0"/>
-        </a:xfrm>
-      </p:grpSpPr>
-      <p:sp>
-        <p:nvSpPr>
-          <p:cNvPr id="2" name="Slide Image Placeholder 1"/>
-          <p:cNvSpPr>
-            <a:spLocks noGrp="1" noRot="1" noChangeAspect="1"/>
-          </p:cNvSpPr>
-          <p:nvPr>
-            <p:ph type="sldImg"/>
-          </p:nvPr>
-        </p:nvSpPr>
-        <p:spPr/>
-      </p:sp>
-      <p:sp>
-        <p:nvSpPr>
-          <p:cNvPr id="3" name="Notes Placeholder 2"/>
-          <p:cNvSpPr>
-            <a:spLocks noGrp="1"/>
-          </p:cNvSpPr>
-          <p:nvPr>
-            <p:ph type="body" idx="1"/>
-          </p:nvPr>
-        </p:nvSpPr>
-        <p:spPr/>
-        <p:txBody>
-          <a:bodyPr/>
-          <a:lstStyle/>
-          <a:p>
-            <a:endParaRPr lang="en-CA" dirty="0"/>
-          </a:p>
-        </p:txBody>
-      </p:sp>
-      <p:sp>
-        <p:nvSpPr>
-          <p:cNvPr id="4" name="Slide Number Placeholder 3"/>
-          <p:cNvSpPr>
-            <a:spLocks noGrp="1"/>
-          </p:cNvSpPr>
-          <p:nvPr>
-            <p:ph type="sldNum" sz="quarter" idx="5"/>
-          </p:nvPr>
-        </p:nvSpPr>
-        <p:spPr/>
-        <p:txBody>
-          <a:bodyPr/>
-          <a:lstStyle/>
-          <a:p>
-            <a:fld id="{DF6F700C-D7A0-4CEF-BA73-6FFC784F17BB}" type="slidenum">
-              <a:rPr lang="en-CA" smtClean="0"/>
-              <a:t>9</a:t>
-            </a:fld>
-            <a:endParaRPr lang="en-CA"/>
-          </a:p>
-        </p:txBody>
-      </p:sp>
-    </p:spTree>
-    <p:extLst>
-      <p:ext uri="{BB962C8B-B14F-4D97-AF65-F5344CB8AC3E}">
-        <p14:creationId xmlns:p14="http://schemas.microsoft.com/office/powerpoint/2010/main" val="2524116024"/>
-      </p:ext>
-    </p:extLst>
-  </p:cSld>
-  <p:clrMapOvr>
-    <a:masterClrMapping/>
-  </p:clrMapOvr>
-</p:notes>
-</file>
-
-<file path=ppt/notesSlides/notesSlide6.xml><?xml version="1.0" encoding="utf-8"?>
-<p:notes xmlns:a="http://schemas.openxmlformats.org/drawingml/2006/main" xmlns:r="http://schemas.openxmlformats.org/officeDocument/2006/relationships" xmlns:p="http://schemas.openxmlformats.org/presentationml/2006/main">
-  <p:cSld>
-    <p:spTree>
-      <p:nvGrpSpPr>
-        <p:cNvPr id="1" name=""/>
-        <p:cNvGrpSpPr/>
-        <p:nvPr/>
-      </p:nvGrpSpPr>
-      <p:grpSpPr>
-        <a:xfrm>
-          <a:off x="0" y="0"/>
-          <a:ext cx="0" cy="0"/>
-          <a:chOff x="0" y="0"/>
-          <a:chExt cx="0" cy="0"/>
-        </a:xfrm>
-      </p:grpSpPr>
-      <p:sp>
-        <p:nvSpPr>
-          <p:cNvPr id="2" name="Slide Image Placeholder 1"/>
-          <p:cNvSpPr>
-            <a:spLocks noGrp="1" noRot="1" noChangeAspect="1"/>
-          </p:cNvSpPr>
-          <p:nvPr>
-            <p:ph type="sldImg"/>
-          </p:nvPr>
-        </p:nvSpPr>
-        <p:spPr/>
-      </p:sp>
-      <p:sp>
-        <p:nvSpPr>
-          <p:cNvPr id="3" name="Notes Placeholder 2"/>
-          <p:cNvSpPr>
-            <a:spLocks noGrp="1"/>
-          </p:cNvSpPr>
-          <p:nvPr>
-            <p:ph type="body" idx="1"/>
-          </p:nvPr>
-        </p:nvSpPr>
-        <p:spPr/>
-        <p:txBody>
-          <a:bodyPr/>
-          <a:lstStyle/>
-          <a:p>
-            <a:endParaRPr lang="en-CA" dirty="0"/>
-          </a:p>
-        </p:txBody>
-      </p:sp>
-      <p:sp>
-        <p:nvSpPr>
-          <p:cNvPr id="4" name="Slide Number Placeholder 3"/>
-          <p:cNvSpPr>
-            <a:spLocks noGrp="1"/>
-          </p:cNvSpPr>
-          <p:nvPr>
-            <p:ph type="sldNum" sz="quarter" idx="5"/>
-          </p:nvPr>
-        </p:nvSpPr>
-        <p:spPr/>
-        <p:txBody>
-          <a:bodyPr/>
-          <a:lstStyle/>
-          <a:p>
-            <a:fld id="{DF6F700C-D7A0-4CEF-BA73-6FFC784F17BB}" type="slidenum">
-              <a:rPr lang="en-CA" smtClean="0"/>
-              <a:t>10</a:t>
-            </a:fld>
-            <a:endParaRPr lang="en-CA"/>
-          </a:p>
-        </p:txBody>
-      </p:sp>
-    </p:spTree>
-    <p:extLst>
-      <p:ext uri="{BB962C8B-B14F-4D97-AF65-F5344CB8AC3E}">
-        <p14:creationId xmlns:p14="http://schemas.microsoft.com/office/powerpoint/2010/main" val="1675455881"/>
-      </p:ext>
-    </p:extLst>
-  </p:cSld>
-  <p:clrMapOvr>
-    <a:masterClrMapping/>
-  </p:clrMapOvr>
-</p:notes>
-</file>
-
-<file path=ppt/notesSlides/notesSlide7.xml><?xml version="1.0" encoding="utf-8"?>
-<p:notes xmlns:a="http://schemas.openxmlformats.org/drawingml/2006/main" xmlns:r="http://schemas.openxmlformats.org/officeDocument/2006/relationships" xmlns:p="http://schemas.openxmlformats.org/presentationml/2006/main">
-  <p:cSld>
-    <p:spTree>
-      <p:nvGrpSpPr>
-        <p:cNvPr id="1" name=""/>
-        <p:cNvGrpSpPr/>
-        <p:nvPr/>
-      </p:nvGrpSpPr>
-      <p:grpSpPr>
-        <a:xfrm>
-          <a:off x="0" y="0"/>
-          <a:ext cx="0" cy="0"/>
-          <a:chOff x="0" y="0"/>
-          <a:chExt cx="0" cy="0"/>
-        </a:xfrm>
-      </p:grpSpPr>
-      <p:sp>
-        <p:nvSpPr>
-          <p:cNvPr id="2" name="Slide Image Placeholder 1"/>
-          <p:cNvSpPr>
-            <a:spLocks noGrp="1" noRot="1" noChangeAspect="1"/>
-          </p:cNvSpPr>
-          <p:nvPr>
-            <p:ph type="sldImg"/>
-          </p:nvPr>
-        </p:nvSpPr>
-        <p:spPr/>
-      </p:sp>
-      <p:sp>
-        <p:nvSpPr>
-          <p:cNvPr id="3" name="Notes Placeholder 2"/>
-          <p:cNvSpPr>
-            <a:spLocks noGrp="1"/>
-          </p:cNvSpPr>
-          <p:nvPr>
-            <p:ph type="body" idx="1"/>
-          </p:nvPr>
-        </p:nvSpPr>
-        <p:spPr/>
-        <p:txBody>
-          <a:bodyPr/>
-          <a:lstStyle/>
-          <a:p>
-            <a:r>
-              <a:rPr lang="en-US" dirty="0"/>
-              <a:t>Family Sponsorship: Alberta, British Columbia, Ontario</a:t>
-            </a:r>
-          </a:p>
-          <a:p>
-            <a:r>
-              <a:rPr lang="en-US" dirty="0"/>
-              <a:t>Provincial Nominee Program: Manitoba, New Brunswick, Newfoundland and Labrador, Northwest Territories, Nova Scotia, </a:t>
-            </a:r>
-            <a:r>
-              <a:rPr lang="en-US" dirty="0" err="1"/>
-              <a:t>Nuvavut</a:t>
-            </a:r>
-            <a:r>
-              <a:rPr lang="en-US" dirty="0"/>
-              <a:t>, Prince Edward Island, Saskatchewan, Yukon</a:t>
-            </a:r>
-          </a:p>
-        </p:txBody>
-      </p:sp>
-      <p:sp>
-        <p:nvSpPr>
-          <p:cNvPr id="4" name="Slide Number Placeholder 3"/>
-          <p:cNvSpPr>
-            <a:spLocks noGrp="1"/>
-          </p:cNvSpPr>
-          <p:nvPr>
-            <p:ph type="sldNum" sz="quarter" idx="5"/>
-          </p:nvPr>
-        </p:nvSpPr>
-        <p:spPr/>
-        <p:txBody>
-          <a:bodyPr/>
-          <a:lstStyle/>
-          <a:p>
-            <a:fld id="{DF6F700C-D7A0-4CEF-BA73-6FFC784F17BB}" type="slidenum">
-              <a:rPr lang="en-CA" smtClean="0"/>
-              <a:t>16</a:t>
-            </a:fld>
-            <a:endParaRPr lang="en-CA"/>
-          </a:p>
-        </p:txBody>
-      </p:sp>
-    </p:spTree>
-    <p:extLst>
-      <p:ext uri="{BB962C8B-B14F-4D97-AF65-F5344CB8AC3E}">
-        <p14:creationId xmlns:p14="http://schemas.microsoft.com/office/powerpoint/2010/main" val="2985532964"/>
-      </p:ext>
-    </p:extLst>
-  </p:cSld>
-  <p:clrMapOvr>
-    <a:masterClrMapping/>
-  </p:clrMapOvr>
-</p:notes>
-</file>
-
-<file path=ppt/notesSlides/notesSlide8.xml><?xml version="1.0" encoding="utf-8"?>
-<p:notes xmlns:a="http://schemas.openxmlformats.org/drawingml/2006/main" xmlns:r="http://schemas.openxmlformats.org/officeDocument/2006/relationships" xmlns:p="http://schemas.openxmlformats.org/presentationml/2006/main">
-  <p:cSld>
-    <p:spTree>
-      <p:nvGrpSpPr>
-        <p:cNvPr id="1" name=""/>
-        <p:cNvGrpSpPr/>
-        <p:nvPr/>
-      </p:nvGrpSpPr>
-      <p:grpSpPr>
-        <a:xfrm>
-          <a:off x="0" y="0"/>
-          <a:ext cx="0" cy="0"/>
-          <a:chOff x="0" y="0"/>
-          <a:chExt cx="0" cy="0"/>
-        </a:xfrm>
-      </p:grpSpPr>
-      <p:sp>
-        <p:nvSpPr>
-          <p:cNvPr id="2" name="Slide Image Placeholder 1"/>
-          <p:cNvSpPr>
-            <a:spLocks noGrp="1" noRot="1" noChangeAspect="1"/>
-          </p:cNvSpPr>
-          <p:nvPr>
-            <p:ph type="sldImg"/>
-          </p:nvPr>
-        </p:nvSpPr>
-        <p:spPr/>
-      </p:sp>
-      <p:sp>
-        <p:nvSpPr>
-          <p:cNvPr id="3" name="Notes Placeholder 2"/>
-          <p:cNvSpPr>
-            <a:spLocks noGrp="1"/>
-          </p:cNvSpPr>
-          <p:nvPr>
-            <p:ph type="body" idx="1"/>
-          </p:nvPr>
-        </p:nvSpPr>
-        <p:spPr/>
-        <p:txBody>
-          <a:bodyPr/>
-          <a:lstStyle/>
-          <a:p>
-            <a:endParaRPr lang="en-CA" dirty="0"/>
-          </a:p>
-        </p:txBody>
-      </p:sp>
-      <p:sp>
-        <p:nvSpPr>
-          <p:cNvPr id="4" name="Slide Number Placeholder 3"/>
-          <p:cNvSpPr>
-            <a:spLocks noGrp="1"/>
-          </p:cNvSpPr>
-          <p:nvPr>
-            <p:ph type="sldNum" sz="quarter" idx="5"/>
-          </p:nvPr>
-        </p:nvSpPr>
-        <p:spPr/>
-        <p:txBody>
-          <a:bodyPr/>
-          <a:lstStyle/>
-          <a:p>
-            <a:fld id="{DF6F700C-D7A0-4CEF-BA73-6FFC784F17BB}" type="slidenum">
-              <a:rPr lang="en-CA" smtClean="0"/>
-              <a:t>17</a:t>
-            </a:fld>
-            <a:endParaRPr lang="en-CA"/>
-          </a:p>
-        </p:txBody>
-      </p:sp>
-    </p:spTree>
-    <p:extLst>
-      <p:ext uri="{BB962C8B-B14F-4D97-AF65-F5344CB8AC3E}">
-        <p14:creationId xmlns:p14="http://schemas.microsoft.com/office/powerpoint/2010/main" val="3414855208"/>
-      </p:ext>
-    </p:extLst>
-  </p:cSld>
-  <p:clrMapOvr>
-    <a:masterClrMapping/>
-  </p:clrMapOvr>
-</p:notes>
-</file>
-
-<file path=ppt/notesSlides/notesSlide9.xml><?xml version="1.0" encoding="utf-8"?>
-<p:notes xmlns:a="http://schemas.openxmlformats.org/drawingml/2006/main" xmlns:r="http://schemas.openxmlformats.org/officeDocument/2006/relationships" xmlns:p="http://schemas.openxmlformats.org/presentationml/2006/main">
-  <p:cSld>
-    <p:spTree>
-      <p:nvGrpSpPr>
-        <p:cNvPr id="1" name=""/>
-        <p:cNvGrpSpPr/>
-        <p:nvPr/>
-      </p:nvGrpSpPr>
-      <p:grpSpPr>
-        <a:xfrm>
-          <a:off x="0" y="0"/>
-          <a:ext cx="0" cy="0"/>
-          <a:chOff x="0" y="0"/>
-          <a:chExt cx="0" cy="0"/>
-        </a:xfrm>
-      </p:grpSpPr>
-      <p:sp>
-        <p:nvSpPr>
-          <p:cNvPr id="2" name="Slide Image Placeholder 1"/>
-          <p:cNvSpPr>
-            <a:spLocks noGrp="1" noRot="1" noChangeAspect="1"/>
-          </p:cNvSpPr>
-          <p:nvPr>
-            <p:ph type="sldImg"/>
-          </p:nvPr>
-        </p:nvSpPr>
-        <p:spPr/>
-      </p:sp>
-      <p:sp>
-        <p:nvSpPr>
-          <p:cNvPr id="3" name="Notes Placeholder 2"/>
-          <p:cNvSpPr>
-            <a:spLocks noGrp="1"/>
-          </p:cNvSpPr>
-          <p:nvPr>
-            <p:ph type="body" idx="1"/>
-          </p:nvPr>
-        </p:nvSpPr>
-        <p:spPr/>
-        <p:txBody>
-          <a:bodyPr/>
-          <a:lstStyle/>
-          <a:p>
-            <a:r>
-              <a:rPr lang="en-US" dirty="0"/>
-              <a:t>High number of approvals in 2021 for CEC category -&gt; mostly comprised of Ontario and British Columbia</a:t>
-            </a:r>
-          </a:p>
-        </p:txBody>
-      </p:sp>
-      <p:sp>
-        <p:nvSpPr>
-          <p:cNvPr id="4" name="Slide Number Placeholder 3"/>
-          <p:cNvSpPr>
-            <a:spLocks noGrp="1"/>
-          </p:cNvSpPr>
-          <p:nvPr>
-            <p:ph type="sldNum" sz="quarter" idx="5"/>
-          </p:nvPr>
-        </p:nvSpPr>
-        <p:spPr/>
-        <p:txBody>
-          <a:bodyPr/>
-          <a:lstStyle/>
-          <a:p>
-            <a:fld id="{DF6F700C-D7A0-4CEF-BA73-6FFC784F17BB}" type="slidenum">
-              <a:rPr lang="en-CA" smtClean="0"/>
-              <a:t>19</a:t>
-            </a:fld>
-            <a:endParaRPr lang="en-CA"/>
-          </a:p>
-        </p:txBody>
-      </p:sp>
-    </p:spTree>
-    <p:extLst>
-      <p:ext uri="{BB962C8B-B14F-4D97-AF65-F5344CB8AC3E}">
-        <p14:creationId xmlns:p14="http://schemas.microsoft.com/office/powerpoint/2010/main" val="3733946554"/>
       </p:ext>
     </p:extLst>
   </p:cSld>
@@ -13633,7 +13555,7 @@
           <a:p>
             <a:fld id="{FE77B95B-5921-4318-8FE3-125B840423DF}" type="datetimeFigureOut">
               <a:rPr lang="en-CA" smtClean="0"/>
-              <a:t>2022-11-22</a:t>
+              <a:t>2022-12-09</a:t>
             </a:fld>
             <a:endParaRPr lang="en-CA"/>
           </a:p>
@@ -13833,7 +13755,7 @@
           <a:p>
             <a:fld id="{FE77B95B-5921-4318-8FE3-125B840423DF}" type="datetimeFigureOut">
               <a:rPr lang="en-CA" smtClean="0"/>
-              <a:t>2022-11-22</a:t>
+              <a:t>2022-12-09</a:t>
             </a:fld>
             <a:endParaRPr lang="en-CA"/>
           </a:p>
@@ -14043,7 +13965,7 @@
           <a:p>
             <a:fld id="{FE77B95B-5921-4318-8FE3-125B840423DF}" type="datetimeFigureOut">
               <a:rPr lang="en-CA" smtClean="0"/>
-              <a:t>2022-11-22</a:t>
+              <a:t>2022-12-09</a:t>
             </a:fld>
             <a:endParaRPr lang="en-CA"/>
           </a:p>
@@ -14243,7 +14165,7 @@
           <a:p>
             <a:fld id="{FE77B95B-5921-4318-8FE3-125B840423DF}" type="datetimeFigureOut">
               <a:rPr lang="en-CA" smtClean="0"/>
-              <a:t>2022-11-22</a:t>
+              <a:t>2022-12-09</a:t>
             </a:fld>
             <a:endParaRPr lang="en-CA"/>
           </a:p>
@@ -14519,7 +14441,7 @@
           <a:p>
             <a:fld id="{FE77B95B-5921-4318-8FE3-125B840423DF}" type="datetimeFigureOut">
               <a:rPr lang="en-CA" smtClean="0"/>
-              <a:t>2022-11-22</a:t>
+              <a:t>2022-12-09</a:t>
             </a:fld>
             <a:endParaRPr lang="en-CA"/>
           </a:p>
@@ -14787,7 +14709,7 @@
           <a:p>
             <a:fld id="{FE77B95B-5921-4318-8FE3-125B840423DF}" type="datetimeFigureOut">
               <a:rPr lang="en-CA" smtClean="0"/>
-              <a:t>2022-11-22</a:t>
+              <a:t>2022-12-09</a:t>
             </a:fld>
             <a:endParaRPr lang="en-CA"/>
           </a:p>
@@ -15202,7 +15124,7 @@
           <a:p>
             <a:fld id="{FE77B95B-5921-4318-8FE3-125B840423DF}" type="datetimeFigureOut">
               <a:rPr lang="en-CA" smtClean="0"/>
-              <a:t>2022-11-22</a:t>
+              <a:t>2022-12-09</a:t>
             </a:fld>
             <a:endParaRPr lang="en-CA"/>
           </a:p>
@@ -15344,7 +15266,7 @@
           <a:p>
             <a:fld id="{FE77B95B-5921-4318-8FE3-125B840423DF}" type="datetimeFigureOut">
               <a:rPr lang="en-CA" smtClean="0"/>
-              <a:t>2022-11-22</a:t>
+              <a:t>2022-12-09</a:t>
             </a:fld>
             <a:endParaRPr lang="en-CA"/>
           </a:p>
@@ -15457,7 +15379,7 @@
           <a:p>
             <a:fld id="{FE77B95B-5921-4318-8FE3-125B840423DF}" type="datetimeFigureOut">
               <a:rPr lang="en-CA" smtClean="0"/>
-              <a:t>2022-11-22</a:t>
+              <a:t>2022-12-09</a:t>
             </a:fld>
             <a:endParaRPr lang="en-CA"/>
           </a:p>
@@ -15770,7 +15692,7 @@
           <a:p>
             <a:fld id="{FE77B95B-5921-4318-8FE3-125B840423DF}" type="datetimeFigureOut">
               <a:rPr lang="en-CA" smtClean="0"/>
-              <a:t>2022-11-22</a:t>
+              <a:t>2022-12-09</a:t>
             </a:fld>
             <a:endParaRPr lang="en-CA"/>
           </a:p>
@@ -16059,7 +15981,7 @@
           <a:p>
             <a:fld id="{FE77B95B-5921-4318-8FE3-125B840423DF}" type="datetimeFigureOut">
               <a:rPr lang="en-CA" smtClean="0"/>
-              <a:t>2022-11-22</a:t>
+              <a:t>2022-12-09</a:t>
             </a:fld>
             <a:endParaRPr lang="en-CA"/>
           </a:p>
@@ -16302,7 +16224,7 @@
           <a:p>
             <a:fld id="{FE77B95B-5921-4318-8FE3-125B840423DF}" type="datetimeFigureOut">
               <a:rPr lang="en-CA" smtClean="0"/>
-              <a:t>2022-11-22</a:t>
+              <a:t>2022-12-09</a:t>
             </a:fld>
             <a:endParaRPr lang="en-CA"/>
           </a:p>
@@ -17469,900 +17391,6 @@
       </p:grpSpPr>
       <p:sp useBgFill="1">
         <p:nvSpPr>
-          <p:cNvPr id="138" name="Rectangle 130">
-            <a:extLst>
-              <a:ext uri="{FF2B5EF4-FFF2-40B4-BE49-F238E27FC236}">
-                <a16:creationId xmlns:a16="http://schemas.microsoft.com/office/drawing/2014/main" id="{33CD251C-A887-4D2F-925B-FC097198538B}"/>
-              </a:ext>
-              <a:ext uri="{C183D7F6-B498-43B3-948B-1728B52AA6E4}">
-                <adec:decorative xmlns:adec="http://schemas.microsoft.com/office/drawing/2017/decorative" val="1"/>
-              </a:ext>
-            </a:extLst>
-          </p:cNvPr>
-          <p:cNvSpPr>
-            <a:spLocks noGrp="1" noRot="1" noChangeAspect="1" noMove="1" noResize="1" noEditPoints="1" noAdjustHandles="1" noChangeArrowheads="1" noChangeShapeType="1" noTextEdit="1"/>
-          </p:cNvSpPr>
-          <p:nvPr>
-            <p:extLst>
-              <p:ext uri="{386F3935-93C4-4BCD-93E2-E3B085C9AB24}">
-                <p16:designElem xmlns:p16="http://schemas.microsoft.com/office/powerpoint/2015/main" val="1"/>
-              </p:ext>
-            </p:extLst>
-          </p:nvPr>
-        </p:nvSpPr>
-        <p:spPr>
-          <a:xfrm>
-            <a:off x="0" y="0"/>
-            <a:ext cx="12192000" cy="6858000"/>
-          </a:xfrm>
-          <a:prstGeom prst="rect">
-            <a:avLst/>
-          </a:prstGeom>
-          <a:ln>
-            <a:noFill/>
-          </a:ln>
-        </p:spPr>
-        <p:style>
-          <a:lnRef idx="2">
-            <a:schemeClr val="accent1">
-              <a:shade val="50000"/>
-            </a:schemeClr>
-          </a:lnRef>
-          <a:fillRef idx="1">
-            <a:schemeClr val="accent1"/>
-          </a:fillRef>
-          <a:effectRef idx="0">
-            <a:schemeClr val="accent1"/>
-          </a:effectRef>
-          <a:fontRef idx="minor">
-            <a:schemeClr val="lt1"/>
-          </a:fontRef>
-        </p:style>
-        <p:txBody>
-          <a:bodyPr rtlCol="0" anchor="ctr"/>
-          <a:lstStyle/>
-          <a:p>
-            <a:pPr algn="ctr"/>
-            <a:endParaRPr lang="en-US"/>
-          </a:p>
-        </p:txBody>
-      </p:sp>
-      <p:sp>
-        <p:nvSpPr>
-          <p:cNvPr id="139" name="Rectangle 132">
-            <a:extLst>
-              <a:ext uri="{FF2B5EF4-FFF2-40B4-BE49-F238E27FC236}">
-                <a16:creationId xmlns:a16="http://schemas.microsoft.com/office/drawing/2014/main" id="{B19D093C-27FB-4032-B282-42C4563F257C}"/>
-              </a:ext>
-              <a:ext uri="{C183D7F6-B498-43B3-948B-1728B52AA6E4}">
-                <adec:decorative xmlns:adec="http://schemas.microsoft.com/office/drawing/2017/decorative" val="1"/>
-              </a:ext>
-            </a:extLst>
-          </p:cNvPr>
-          <p:cNvSpPr>
-            <a:spLocks noGrp="1" noRot="1" noChangeAspect="1" noMove="1" noResize="1" noEditPoints="1" noAdjustHandles="1" noChangeArrowheads="1" noChangeShapeType="1" noTextEdit="1"/>
-          </p:cNvSpPr>
-          <p:nvPr>
-            <p:extLst>
-              <p:ext uri="{386F3935-93C4-4BCD-93E2-E3B085C9AB24}">
-                <p16:designElem xmlns:p16="http://schemas.microsoft.com/office/powerpoint/2015/main" val="1"/>
-              </p:ext>
-            </p:extLst>
-          </p:nvPr>
-        </p:nvSpPr>
-        <p:spPr>
-          <a:xfrm>
-            <a:off x="0" y="0"/>
-            <a:ext cx="4694548" cy="6858000"/>
-          </a:xfrm>
-          <a:prstGeom prst="rect">
-            <a:avLst/>
-          </a:prstGeom>
-          <a:solidFill>
-            <a:schemeClr val="tx1"/>
-          </a:solidFill>
-          <a:ln>
-            <a:noFill/>
-          </a:ln>
-        </p:spPr>
-        <p:style>
-          <a:lnRef idx="2">
-            <a:schemeClr val="accent1">
-              <a:shade val="50000"/>
-            </a:schemeClr>
-          </a:lnRef>
-          <a:fillRef idx="1">
-            <a:schemeClr val="accent1"/>
-          </a:fillRef>
-          <a:effectRef idx="0">
-            <a:schemeClr val="accent1"/>
-          </a:effectRef>
-          <a:fontRef idx="minor">
-            <a:schemeClr val="lt1"/>
-          </a:fontRef>
-        </p:style>
-        <p:txBody>
-          <a:bodyPr rtlCol="0" anchor="ctr"/>
-          <a:lstStyle/>
-          <a:p>
-            <a:pPr algn="ctr"/>
-            <a:endParaRPr lang="en-US"/>
-          </a:p>
-        </p:txBody>
-      </p:sp>
-      <p:sp>
-        <p:nvSpPr>
-          <p:cNvPr id="2" name="Title 1">
-            <a:extLst>
-              <a:ext uri="{FF2B5EF4-FFF2-40B4-BE49-F238E27FC236}">
-                <a16:creationId xmlns:a16="http://schemas.microsoft.com/office/drawing/2014/main" id="{AAFCA3E7-7A36-A14C-D185-D04DA502FB91}"/>
-              </a:ext>
-            </a:extLst>
-          </p:cNvPr>
-          <p:cNvSpPr>
-            <a:spLocks noGrp="1"/>
-          </p:cNvSpPr>
-          <p:nvPr>
-            <p:ph type="title"/>
-          </p:nvPr>
-        </p:nvSpPr>
-        <p:spPr>
-          <a:xfrm>
-            <a:off x="653935" y="1780661"/>
-            <a:ext cx="3582073" cy="1463472"/>
-          </a:xfrm>
-        </p:spPr>
-        <p:txBody>
-          <a:bodyPr vert="horz" lIns="91440" tIns="45720" rIns="91440" bIns="45720" rtlCol="0" anchor="t">
-            <a:normAutofit/>
-          </a:bodyPr>
-          <a:lstStyle/>
-          <a:p>
-            <a:r>
-              <a:rPr lang="en-US" sz="3200" kern="1200" dirty="0">
-                <a:solidFill>
-                  <a:schemeClr val="bg1"/>
-                </a:solidFill>
-                <a:latin typeface="+mj-lt"/>
-                <a:ea typeface="+mj-ea"/>
-                <a:cs typeface="+mj-cs"/>
-              </a:rPr>
-              <a:t>Microsoft </a:t>
-            </a:r>
-            <a:br>
-              <a:rPr lang="en-US" sz="3200" kern="1200" dirty="0">
-                <a:solidFill>
-                  <a:schemeClr val="bg1"/>
-                </a:solidFill>
-                <a:latin typeface="+mj-lt"/>
-                <a:ea typeface="+mj-ea"/>
-                <a:cs typeface="+mj-cs"/>
-              </a:rPr>
-            </a:br>
-            <a:r>
-              <a:rPr lang="en-US" sz="3200" kern="1200" dirty="0">
-                <a:solidFill>
-                  <a:schemeClr val="bg1"/>
-                </a:solidFill>
-                <a:latin typeface="+mj-lt"/>
-                <a:ea typeface="+mj-ea"/>
-                <a:cs typeface="+mj-cs"/>
-              </a:rPr>
-              <a:t>Power BI</a:t>
-            </a:r>
-            <a:endParaRPr lang="en-US" sz="3000" b="1" kern="1200" dirty="0">
-              <a:solidFill>
-                <a:schemeClr val="bg1"/>
-              </a:solidFill>
-              <a:latin typeface="+mj-lt"/>
-              <a:ea typeface="+mj-ea"/>
-              <a:cs typeface="+mj-cs"/>
-            </a:endParaRPr>
-          </a:p>
-        </p:txBody>
-      </p:sp>
-      <p:grpSp>
-        <p:nvGrpSpPr>
-          <p:cNvPr id="140" name="Group 134">
-            <a:extLst>
-              <a:ext uri="{FF2B5EF4-FFF2-40B4-BE49-F238E27FC236}">
-                <a16:creationId xmlns:a16="http://schemas.microsoft.com/office/drawing/2014/main" id="{35EE815E-1BD3-4777-B652-6D98825BF66B}"/>
-              </a:ext>
-              <a:ext uri="{C183D7F6-B498-43B3-948B-1728B52AA6E4}">
-                <adec:decorative xmlns:adec="http://schemas.microsoft.com/office/drawing/2017/decorative" val="1"/>
-              </a:ext>
-            </a:extLst>
-          </p:cNvPr>
-          <p:cNvGrpSpPr>
-            <a:grpSpLocks noGrp="1" noUngrp="1" noRot="1" noChangeAspect="1" noMove="1" noResize="1"/>
-          </p:cNvGrpSpPr>
-          <p:nvPr>
-            <p:extLst>
-              <p:ext uri="{386F3935-93C4-4BCD-93E2-E3B085C9AB24}">
-                <p16:designElem xmlns:p16="http://schemas.microsoft.com/office/powerpoint/2015/main" val="1"/>
-              </p:ext>
-            </p:extLst>
-          </p:nvPr>
-        </p:nvGrpSpPr>
-        <p:grpSpPr>
-          <a:xfrm>
-            <a:off x="767290" y="681628"/>
-            <a:ext cx="1128382" cy="847206"/>
-            <a:chOff x="668003" y="1684057"/>
-            <a:chExt cx="1128382" cy="847206"/>
-          </a:xfrm>
-        </p:grpSpPr>
-        <p:sp>
-          <p:nvSpPr>
-            <p:cNvPr id="136" name="Freeform 5">
-              <a:extLst>
-                <a:ext uri="{FF2B5EF4-FFF2-40B4-BE49-F238E27FC236}">
-                  <a16:creationId xmlns:a16="http://schemas.microsoft.com/office/drawing/2014/main" id="{E6692982-4A7D-4392-87CD-F0CD4B027DDE}"/>
-                </a:ext>
-                <a:ext uri="{C183D7F6-B498-43B3-948B-1728B52AA6E4}">
-                  <adec:decorative xmlns:adec="http://schemas.microsoft.com/office/drawing/2017/decorative" val="1"/>
-                </a:ext>
-              </a:extLst>
-            </p:cNvPr>
-            <p:cNvSpPr>
-              <a:spLocks/>
-            </p:cNvSpPr>
-            <p:nvPr>
-              <p:extLst>
-                <p:ext uri="{386F3935-93C4-4BCD-93E2-E3B085C9AB24}">
-                  <p16:designElem xmlns:p16="http://schemas.microsoft.com/office/powerpoint/2015/main" val="1"/>
-                </p:ext>
-              </p:extLst>
-            </p:nvPr>
-          </p:nvSpPr>
-          <p:spPr bwMode="auto">
-            <a:xfrm>
-              <a:off x="668003" y="1935883"/>
-              <a:ext cx="675351" cy="595380"/>
-            </a:xfrm>
-            <a:custGeom>
-              <a:avLst/>
-              <a:gdLst>
-                <a:gd name="T0" fmla="*/ 225 w 785"/>
-                <a:gd name="T1" fmla="*/ 692 h 692"/>
-                <a:gd name="T2" fmla="*/ 177 w 785"/>
-                <a:gd name="T3" fmla="*/ 665 h 692"/>
-                <a:gd name="T4" fmla="*/ 9 w 785"/>
-                <a:gd name="T5" fmla="*/ 374 h 692"/>
-                <a:gd name="T6" fmla="*/ 9 w 785"/>
-                <a:gd name="T7" fmla="*/ 318 h 692"/>
-                <a:gd name="T8" fmla="*/ 177 w 785"/>
-                <a:gd name="T9" fmla="*/ 27 h 692"/>
-                <a:gd name="T10" fmla="*/ 225 w 785"/>
-                <a:gd name="T11" fmla="*/ 0 h 692"/>
-                <a:gd name="T12" fmla="*/ 561 w 785"/>
-                <a:gd name="T13" fmla="*/ 0 h 692"/>
-                <a:gd name="T14" fmla="*/ 609 w 785"/>
-                <a:gd name="T15" fmla="*/ 27 h 692"/>
-                <a:gd name="T16" fmla="*/ 777 w 785"/>
-                <a:gd name="T17" fmla="*/ 318 h 692"/>
-                <a:gd name="T18" fmla="*/ 777 w 785"/>
-                <a:gd name="T19" fmla="*/ 374 h 692"/>
-                <a:gd name="T20" fmla="*/ 609 w 785"/>
-                <a:gd name="T21" fmla="*/ 665 h 692"/>
-                <a:gd name="T22" fmla="*/ 561 w 785"/>
-                <a:gd name="T23" fmla="*/ 692 h 692"/>
-                <a:gd name="T24" fmla="*/ 225 w 785"/>
-                <a:gd name="T25" fmla="*/ 692 h 692"/>
-              </a:gdLst>
-              <a:ahLst/>
-              <a:cxnLst>
-                <a:cxn ang="0">
-                  <a:pos x="T0" y="T1"/>
-                </a:cxn>
-                <a:cxn ang="0">
-                  <a:pos x="T2" y="T3"/>
-                </a:cxn>
-                <a:cxn ang="0">
-                  <a:pos x="T4" y="T5"/>
-                </a:cxn>
-                <a:cxn ang="0">
-                  <a:pos x="T6" y="T7"/>
-                </a:cxn>
-                <a:cxn ang="0">
-                  <a:pos x="T8" y="T9"/>
-                </a:cxn>
-                <a:cxn ang="0">
-                  <a:pos x="T10" y="T11"/>
-                </a:cxn>
-                <a:cxn ang="0">
-                  <a:pos x="T12" y="T13"/>
-                </a:cxn>
-                <a:cxn ang="0">
-                  <a:pos x="T14" y="T15"/>
-                </a:cxn>
-                <a:cxn ang="0">
-                  <a:pos x="T16" y="T17"/>
-                </a:cxn>
-                <a:cxn ang="0">
-                  <a:pos x="T18" y="T19"/>
-                </a:cxn>
-                <a:cxn ang="0">
-                  <a:pos x="T20" y="T21"/>
-                </a:cxn>
-                <a:cxn ang="0">
-                  <a:pos x="T22" y="T23"/>
-                </a:cxn>
-                <a:cxn ang="0">
-                  <a:pos x="T24" y="T25"/>
-                </a:cxn>
-              </a:cxnLst>
-              <a:rect l="0" t="0" r="r" b="b"/>
-              <a:pathLst>
-                <a:path w="785" h="692">
-                  <a:moveTo>
-                    <a:pt x="225" y="692"/>
-                  </a:moveTo>
-                  <a:cubicBezTo>
-                    <a:pt x="207" y="692"/>
-                    <a:pt x="185" y="680"/>
-                    <a:pt x="177" y="665"/>
-                  </a:cubicBezTo>
-                  <a:cubicBezTo>
-                    <a:pt x="9" y="374"/>
-                    <a:pt x="9" y="374"/>
-                    <a:pt x="9" y="374"/>
-                  </a:cubicBezTo>
-                  <a:cubicBezTo>
-                    <a:pt x="0" y="358"/>
-                    <a:pt x="0" y="334"/>
-                    <a:pt x="9" y="318"/>
-                  </a:cubicBezTo>
-                  <a:cubicBezTo>
-                    <a:pt x="177" y="27"/>
-                    <a:pt x="177" y="27"/>
-                    <a:pt x="177" y="27"/>
-                  </a:cubicBezTo>
-                  <a:cubicBezTo>
-                    <a:pt x="185" y="12"/>
-                    <a:pt x="207" y="0"/>
-                    <a:pt x="225" y="0"/>
-                  </a:cubicBezTo>
-                  <a:cubicBezTo>
-                    <a:pt x="561" y="0"/>
-                    <a:pt x="561" y="0"/>
-                    <a:pt x="561" y="0"/>
-                  </a:cubicBezTo>
-                  <a:cubicBezTo>
-                    <a:pt x="578" y="0"/>
-                    <a:pt x="600" y="12"/>
-                    <a:pt x="609" y="27"/>
-                  </a:cubicBezTo>
-                  <a:cubicBezTo>
-                    <a:pt x="777" y="318"/>
-                    <a:pt x="777" y="318"/>
-                    <a:pt x="777" y="318"/>
-                  </a:cubicBezTo>
-                  <a:cubicBezTo>
-                    <a:pt x="785" y="334"/>
-                    <a:pt x="785" y="358"/>
-                    <a:pt x="777" y="374"/>
-                  </a:cubicBezTo>
-                  <a:cubicBezTo>
-                    <a:pt x="609" y="665"/>
-                    <a:pt x="609" y="665"/>
-                    <a:pt x="609" y="665"/>
-                  </a:cubicBezTo>
-                  <a:cubicBezTo>
-                    <a:pt x="600" y="680"/>
-                    <a:pt x="578" y="692"/>
-                    <a:pt x="561" y="692"/>
-                  </a:cubicBezTo>
-                  <a:lnTo>
-                    <a:pt x="225" y="692"/>
-                  </a:lnTo>
-                  <a:close/>
-                </a:path>
-              </a:pathLst>
-            </a:custGeom>
-            <a:noFill/>
-            <a:ln w="28575" cmpd="sng">
-              <a:solidFill>
-                <a:schemeClr val="bg1"/>
-              </a:solidFill>
-            </a:ln>
-          </p:spPr>
-          <p:txBody>
-            <a:bodyPr vert="horz" wrap="square" lIns="91440" tIns="45720" rIns="91440" bIns="45720" numCol="1" anchor="t" anchorCtr="0" compatLnSpc="1">
-              <a:prstTxWarp prst="textNoShape">
-                <a:avLst/>
-              </a:prstTxWarp>
-            </a:bodyPr>
-            <a:lstStyle/>
-            <a:p>
-              <a:endParaRPr lang="en-US"/>
-            </a:p>
-          </p:txBody>
-        </p:sp>
-        <p:sp>
-          <p:nvSpPr>
-            <p:cNvPr id="137" name="Freeform 5">
-              <a:extLst>
-                <a:ext uri="{FF2B5EF4-FFF2-40B4-BE49-F238E27FC236}">
-                  <a16:creationId xmlns:a16="http://schemas.microsoft.com/office/drawing/2014/main" id="{196485F7-F277-4123-AC53-98EA4C858774}"/>
-                </a:ext>
-                <a:ext uri="{C183D7F6-B498-43B3-948B-1728B52AA6E4}">
-                  <adec:decorative xmlns:adec="http://schemas.microsoft.com/office/drawing/2017/decorative" val="1"/>
-                </a:ext>
-              </a:extLst>
-            </p:cNvPr>
-            <p:cNvSpPr>
-              <a:spLocks/>
-            </p:cNvSpPr>
-            <p:nvPr>
-              <p:extLst>
-                <p:ext uri="{386F3935-93C4-4BCD-93E2-E3B085C9AB24}">
-                  <p16:designElem xmlns:p16="http://schemas.microsoft.com/office/powerpoint/2015/main" val="1"/>
-                </p:ext>
-              </p:extLst>
-            </p:nvPr>
-          </p:nvSpPr>
-          <p:spPr bwMode="auto">
-            <a:xfrm>
-              <a:off x="1245893" y="1684057"/>
-              <a:ext cx="550492" cy="485306"/>
-            </a:xfrm>
-            <a:custGeom>
-              <a:avLst/>
-              <a:gdLst>
-                <a:gd name="T0" fmla="*/ 225 w 785"/>
-                <a:gd name="T1" fmla="*/ 692 h 692"/>
-                <a:gd name="T2" fmla="*/ 177 w 785"/>
-                <a:gd name="T3" fmla="*/ 665 h 692"/>
-                <a:gd name="T4" fmla="*/ 9 w 785"/>
-                <a:gd name="T5" fmla="*/ 374 h 692"/>
-                <a:gd name="T6" fmla="*/ 9 w 785"/>
-                <a:gd name="T7" fmla="*/ 318 h 692"/>
-                <a:gd name="T8" fmla="*/ 177 w 785"/>
-                <a:gd name="T9" fmla="*/ 27 h 692"/>
-                <a:gd name="T10" fmla="*/ 225 w 785"/>
-                <a:gd name="T11" fmla="*/ 0 h 692"/>
-                <a:gd name="T12" fmla="*/ 561 w 785"/>
-                <a:gd name="T13" fmla="*/ 0 h 692"/>
-                <a:gd name="T14" fmla="*/ 609 w 785"/>
-                <a:gd name="T15" fmla="*/ 27 h 692"/>
-                <a:gd name="T16" fmla="*/ 777 w 785"/>
-                <a:gd name="T17" fmla="*/ 318 h 692"/>
-                <a:gd name="T18" fmla="*/ 777 w 785"/>
-                <a:gd name="T19" fmla="*/ 374 h 692"/>
-                <a:gd name="T20" fmla="*/ 609 w 785"/>
-                <a:gd name="T21" fmla="*/ 665 h 692"/>
-                <a:gd name="T22" fmla="*/ 561 w 785"/>
-                <a:gd name="T23" fmla="*/ 692 h 692"/>
-                <a:gd name="T24" fmla="*/ 225 w 785"/>
-                <a:gd name="T25" fmla="*/ 692 h 692"/>
-              </a:gdLst>
-              <a:ahLst/>
-              <a:cxnLst>
-                <a:cxn ang="0">
-                  <a:pos x="T0" y="T1"/>
-                </a:cxn>
-                <a:cxn ang="0">
-                  <a:pos x="T2" y="T3"/>
-                </a:cxn>
-                <a:cxn ang="0">
-                  <a:pos x="T4" y="T5"/>
-                </a:cxn>
-                <a:cxn ang="0">
-                  <a:pos x="T6" y="T7"/>
-                </a:cxn>
-                <a:cxn ang="0">
-                  <a:pos x="T8" y="T9"/>
-                </a:cxn>
-                <a:cxn ang="0">
-                  <a:pos x="T10" y="T11"/>
-                </a:cxn>
-                <a:cxn ang="0">
-                  <a:pos x="T12" y="T13"/>
-                </a:cxn>
-                <a:cxn ang="0">
-                  <a:pos x="T14" y="T15"/>
-                </a:cxn>
-                <a:cxn ang="0">
-                  <a:pos x="T16" y="T17"/>
-                </a:cxn>
-                <a:cxn ang="0">
-                  <a:pos x="T18" y="T19"/>
-                </a:cxn>
-                <a:cxn ang="0">
-                  <a:pos x="T20" y="T21"/>
-                </a:cxn>
-                <a:cxn ang="0">
-                  <a:pos x="T22" y="T23"/>
-                </a:cxn>
-                <a:cxn ang="0">
-                  <a:pos x="T24" y="T25"/>
-                </a:cxn>
-              </a:cxnLst>
-              <a:rect l="0" t="0" r="r" b="b"/>
-              <a:pathLst>
-                <a:path w="785" h="692">
-                  <a:moveTo>
-                    <a:pt x="225" y="692"/>
-                  </a:moveTo>
-                  <a:cubicBezTo>
-                    <a:pt x="207" y="692"/>
-                    <a:pt x="185" y="680"/>
-                    <a:pt x="177" y="665"/>
-                  </a:cubicBezTo>
-                  <a:cubicBezTo>
-                    <a:pt x="9" y="374"/>
-                    <a:pt x="9" y="374"/>
-                    <a:pt x="9" y="374"/>
-                  </a:cubicBezTo>
-                  <a:cubicBezTo>
-                    <a:pt x="0" y="358"/>
-                    <a:pt x="0" y="334"/>
-                    <a:pt x="9" y="318"/>
-                  </a:cubicBezTo>
-                  <a:cubicBezTo>
-                    <a:pt x="177" y="27"/>
-                    <a:pt x="177" y="27"/>
-                    <a:pt x="177" y="27"/>
-                  </a:cubicBezTo>
-                  <a:cubicBezTo>
-                    <a:pt x="185" y="12"/>
-                    <a:pt x="207" y="0"/>
-                    <a:pt x="225" y="0"/>
-                  </a:cubicBezTo>
-                  <a:cubicBezTo>
-                    <a:pt x="561" y="0"/>
-                    <a:pt x="561" y="0"/>
-                    <a:pt x="561" y="0"/>
-                  </a:cubicBezTo>
-                  <a:cubicBezTo>
-                    <a:pt x="578" y="0"/>
-                    <a:pt x="600" y="12"/>
-                    <a:pt x="609" y="27"/>
-                  </a:cubicBezTo>
-                  <a:cubicBezTo>
-                    <a:pt x="777" y="318"/>
-                    <a:pt x="777" y="318"/>
-                    <a:pt x="777" y="318"/>
-                  </a:cubicBezTo>
-                  <a:cubicBezTo>
-                    <a:pt x="785" y="334"/>
-                    <a:pt x="785" y="358"/>
-                    <a:pt x="777" y="374"/>
-                  </a:cubicBezTo>
-                  <a:cubicBezTo>
-                    <a:pt x="609" y="665"/>
-                    <a:pt x="609" y="665"/>
-                    <a:pt x="609" y="665"/>
-                  </a:cubicBezTo>
-                  <a:cubicBezTo>
-                    <a:pt x="600" y="680"/>
-                    <a:pt x="578" y="692"/>
-                    <a:pt x="561" y="692"/>
-                  </a:cubicBezTo>
-                  <a:lnTo>
-                    <a:pt x="225" y="692"/>
-                  </a:lnTo>
-                  <a:close/>
-                </a:path>
-              </a:pathLst>
-            </a:custGeom>
-            <a:noFill/>
-            <a:ln w="28575" cmpd="sng">
-              <a:solidFill>
-                <a:schemeClr val="bg1"/>
-              </a:solidFill>
-            </a:ln>
-          </p:spPr>
-          <p:txBody>
-            <a:bodyPr vert="horz" wrap="square" lIns="91440" tIns="45720" rIns="91440" bIns="45720" numCol="1" anchor="t" anchorCtr="0" compatLnSpc="1">
-              <a:prstTxWarp prst="textNoShape">
-                <a:avLst/>
-              </a:prstTxWarp>
-            </a:bodyPr>
-            <a:lstStyle/>
-            <a:p>
-              <a:endParaRPr lang="en-US"/>
-            </a:p>
-          </p:txBody>
-        </p:sp>
-      </p:grpSp>
-      <p:sp>
-        <p:nvSpPr>
-          <p:cNvPr id="4" name="Text Placeholder 3">
-            <a:extLst>
-              <a:ext uri="{FF2B5EF4-FFF2-40B4-BE49-F238E27FC236}">
-                <a16:creationId xmlns:a16="http://schemas.microsoft.com/office/drawing/2014/main" id="{D6F821CE-AA27-1C10-59E9-6B5DA17D704D}"/>
-              </a:ext>
-            </a:extLst>
-          </p:cNvPr>
-          <p:cNvSpPr>
-            <a:spLocks noGrp="1"/>
-          </p:cNvSpPr>
-          <p:nvPr>
-            <p:ph type="body" sz="half" idx="2"/>
-          </p:nvPr>
-        </p:nvSpPr>
-        <p:spPr>
-          <a:xfrm>
-            <a:off x="653935" y="3383121"/>
-            <a:ext cx="3577999" cy="2793251"/>
-          </a:xfrm>
-        </p:spPr>
-        <p:txBody>
-          <a:bodyPr vert="horz" lIns="91440" tIns="45720" rIns="91440" bIns="45720" rtlCol="0" anchor="t">
-            <a:normAutofit/>
-          </a:bodyPr>
-          <a:lstStyle/>
-          <a:p>
-            <a:pPr marL="228600" indent="-228600">
-              <a:buFont typeface="Arial" panose="020B0604020202020204" pitchFamily="34" charset="0"/>
-              <a:buChar char="•"/>
-            </a:pPr>
-            <a:r>
-              <a:rPr lang="en-US" sz="1800" dirty="0">
-                <a:solidFill>
-                  <a:schemeClr val="bg1">
-                    <a:lumMod val="75000"/>
-                  </a:schemeClr>
-                </a:solidFill>
-              </a:rPr>
-              <a:t>ODBC is used to connect and import data from Hive tables and view on Hortonworks sandbox</a:t>
-            </a:r>
-          </a:p>
-          <a:p>
-            <a:pPr marL="228600" indent="-228600">
-              <a:buFont typeface="Arial" panose="020B0604020202020204" pitchFamily="34" charset="0"/>
-              <a:buChar char="•"/>
-            </a:pPr>
-            <a:r>
-              <a:rPr lang="en-US" sz="1800" dirty="0">
-                <a:solidFill>
-                  <a:srgbClr val="5B9BD5"/>
-                </a:solidFill>
-                <a:hlinkClick r:id="rId3">
-                  <a:extLst>
-                    <a:ext uri="{A12FA001-AC4F-418D-AE19-62706E023703}">
-                      <ahyp:hlinkClr xmlns:ahyp="http://schemas.microsoft.com/office/drawing/2018/hyperlinkcolor" val="tx"/>
-                    </a:ext>
-                  </a:extLst>
-                </a:hlinkClick>
-              </a:rPr>
-              <a:t>Steps to add Cloudera + Hortonworks in ODBC Data Source</a:t>
-            </a:r>
-            <a:endParaRPr lang="en-US" sz="1800" dirty="0">
-              <a:solidFill>
-                <a:srgbClr val="5B9BD5"/>
-              </a:solidFill>
-            </a:endParaRPr>
-          </a:p>
-        </p:txBody>
-      </p:sp>
-      <p:grpSp>
-        <p:nvGrpSpPr>
-          <p:cNvPr id="3" name="Group 2">
-            <a:extLst>
-              <a:ext uri="{FF2B5EF4-FFF2-40B4-BE49-F238E27FC236}">
-                <a16:creationId xmlns:a16="http://schemas.microsoft.com/office/drawing/2014/main" id="{D745B2DE-3D19-232C-72BE-E39F9A547D25}"/>
-              </a:ext>
-            </a:extLst>
-          </p:cNvPr>
-          <p:cNvGrpSpPr/>
-          <p:nvPr/>
-        </p:nvGrpSpPr>
-        <p:grpSpPr>
-          <a:xfrm>
-            <a:off x="4383609" y="0"/>
-            <a:ext cx="550492" cy="6858000"/>
-            <a:chOff x="11013932" y="-84"/>
-            <a:chExt cx="1101457" cy="6858084"/>
-          </a:xfrm>
-        </p:grpSpPr>
-        <p:sp>
-          <p:nvSpPr>
-            <p:cNvPr id="5" name="Rectangle 4">
-              <a:extLst>
-                <a:ext uri="{FF2B5EF4-FFF2-40B4-BE49-F238E27FC236}">
-                  <a16:creationId xmlns:a16="http://schemas.microsoft.com/office/drawing/2014/main" id="{A13E00F0-EBF9-2BD8-7F32-28967EBDDA46}"/>
-                </a:ext>
-              </a:extLst>
-            </p:cNvPr>
-            <p:cNvSpPr/>
-            <p:nvPr/>
-          </p:nvSpPr>
-          <p:spPr>
-            <a:xfrm rot="6891">
-              <a:off x="11611590" y="-83"/>
-              <a:ext cx="503799" cy="6858083"/>
-            </a:xfrm>
-            <a:prstGeom prst="rect">
-              <a:avLst/>
-            </a:prstGeom>
-            <a:solidFill>
-              <a:srgbClr val="5B9BD5"/>
-            </a:solidFill>
-            <a:ln>
-              <a:noFill/>
-            </a:ln>
-          </p:spPr>
-          <p:style>
-            <a:lnRef idx="2">
-              <a:schemeClr val="accent1">
-                <a:shade val="50000"/>
-              </a:schemeClr>
-            </a:lnRef>
-            <a:fillRef idx="1">
-              <a:schemeClr val="accent1"/>
-            </a:fillRef>
-            <a:effectRef idx="0">
-              <a:schemeClr val="accent1"/>
-            </a:effectRef>
-            <a:fontRef idx="minor">
-              <a:schemeClr val="lt1"/>
-            </a:fontRef>
-          </p:style>
-          <p:txBody>
-            <a:bodyPr rtlCol="0" anchor="ctr"/>
-            <a:lstStyle/>
-            <a:p>
-              <a:pPr algn="ctr"/>
-              <a:endParaRPr lang="en-US"/>
-            </a:p>
-          </p:txBody>
-        </p:sp>
-        <p:sp>
-          <p:nvSpPr>
-            <p:cNvPr id="6" name="Rectangle 5">
-              <a:extLst>
-                <a:ext uri="{FF2B5EF4-FFF2-40B4-BE49-F238E27FC236}">
-                  <a16:creationId xmlns:a16="http://schemas.microsoft.com/office/drawing/2014/main" id="{C3888BB8-D2DC-E330-E0C1-4F7333739E41}"/>
-                </a:ext>
-              </a:extLst>
-            </p:cNvPr>
-            <p:cNvSpPr/>
-            <p:nvPr/>
-          </p:nvSpPr>
-          <p:spPr>
-            <a:xfrm rot="6891">
-              <a:off x="11013932" y="-84"/>
-              <a:ext cx="503799" cy="6857987"/>
-            </a:xfrm>
-            <a:prstGeom prst="rect">
-              <a:avLst/>
-            </a:prstGeom>
-            <a:solidFill>
-              <a:srgbClr val="70AD47"/>
-            </a:solidFill>
-            <a:ln>
-              <a:noFill/>
-            </a:ln>
-          </p:spPr>
-          <p:style>
-            <a:lnRef idx="2">
-              <a:schemeClr val="accent1">
-                <a:shade val="50000"/>
-              </a:schemeClr>
-            </a:lnRef>
-            <a:fillRef idx="1">
-              <a:schemeClr val="accent1"/>
-            </a:fillRef>
-            <a:effectRef idx="0">
-              <a:schemeClr val="accent1"/>
-            </a:effectRef>
-            <a:fontRef idx="minor">
-              <a:schemeClr val="lt1"/>
-            </a:fontRef>
-          </p:style>
-          <p:txBody>
-            <a:bodyPr rtlCol="0" anchor="ctr"/>
-            <a:lstStyle/>
-            <a:p>
-              <a:pPr algn="ctr"/>
-              <a:endParaRPr lang="en-US"/>
-            </a:p>
-          </p:txBody>
-        </p:sp>
-      </p:grpSp>
-      <p:pic>
-        <p:nvPicPr>
-          <p:cNvPr id="8" name="Picture 7">
-            <a:extLst>
-              <a:ext uri="{FF2B5EF4-FFF2-40B4-BE49-F238E27FC236}">
-                <a16:creationId xmlns:a16="http://schemas.microsoft.com/office/drawing/2014/main" id="{0FB850F4-3732-7697-F605-7B69FA5165D9}"/>
-              </a:ext>
-            </a:extLst>
-          </p:cNvPr>
-          <p:cNvPicPr>
-            <a:picLocks noChangeAspect="1"/>
-          </p:cNvPicPr>
-          <p:nvPr/>
-        </p:nvPicPr>
-        <p:blipFill>
-          <a:blip r:embed="rId4"/>
-          <a:stretch>
-            <a:fillRect/>
-          </a:stretch>
-        </p:blipFill>
-        <p:spPr>
-          <a:xfrm>
-            <a:off x="6347901" y="464096"/>
-            <a:ext cx="4717981" cy="2490702"/>
-          </a:xfrm>
-          <a:prstGeom prst="rect">
-            <a:avLst/>
-          </a:prstGeom>
-        </p:spPr>
-      </p:pic>
-      <p:pic>
-        <p:nvPicPr>
-          <p:cNvPr id="9" name="Picture 8">
-            <a:extLst>
-              <a:ext uri="{FF2B5EF4-FFF2-40B4-BE49-F238E27FC236}">
-                <a16:creationId xmlns:a16="http://schemas.microsoft.com/office/drawing/2014/main" id="{894285CA-BC01-2097-8F5A-E5CFDCE51BA3}"/>
-              </a:ext>
-            </a:extLst>
-          </p:cNvPr>
-          <p:cNvPicPr>
-            <a:picLocks noChangeAspect="1"/>
-          </p:cNvPicPr>
-          <p:nvPr/>
-        </p:nvPicPr>
-        <p:blipFill>
-          <a:blip r:embed="rId5"/>
-          <a:stretch>
-            <a:fillRect/>
-          </a:stretch>
-        </p:blipFill>
-        <p:spPr>
-          <a:xfrm>
-            <a:off x="7005362" y="3244133"/>
-            <a:ext cx="3037924" cy="3276571"/>
-          </a:xfrm>
-          <a:prstGeom prst="rect">
-            <a:avLst/>
-          </a:prstGeom>
-        </p:spPr>
-      </p:pic>
-    </p:spTree>
-    <p:extLst>
-      <p:ext uri="{BB962C8B-B14F-4D97-AF65-F5344CB8AC3E}">
-        <p14:creationId xmlns:p14="http://schemas.microsoft.com/office/powerpoint/2010/main" val="1221295475"/>
-      </p:ext>
-    </p:extLst>
-  </p:cSld>
-  <p:clrMapOvr>
-    <a:masterClrMapping/>
-  </p:clrMapOvr>
-</p:sld>
-</file>
-
-<file path=ppt/slides/slide11.xml><?xml version="1.0" encoding="utf-8"?>
-<p:sld xmlns:a="http://schemas.openxmlformats.org/drawingml/2006/main" xmlns:r="http://schemas.openxmlformats.org/officeDocument/2006/relationships" xmlns:p="http://schemas.openxmlformats.org/presentationml/2006/main">
-  <p:cSld>
-    <p:bg>
-      <p:bgPr>
-        <a:solidFill>
-          <a:schemeClr val="bg1"/>
-        </a:solidFill>
-        <a:effectLst/>
-      </p:bgPr>
-    </p:bg>
-    <p:spTree>
-      <p:nvGrpSpPr>
-        <p:cNvPr id="1" name=""/>
-        <p:cNvGrpSpPr/>
-        <p:nvPr/>
-      </p:nvGrpSpPr>
-      <p:grpSpPr>
-        <a:xfrm>
-          <a:off x="0" y="0"/>
-          <a:ext cx="0" cy="0"/>
-          <a:chOff x="0" y="0"/>
-          <a:chExt cx="0" cy="0"/>
-        </a:xfrm>
-      </p:grpSpPr>
-      <p:sp useBgFill="1">
-        <p:nvSpPr>
           <p:cNvPr id="8" name="Rectangle 7">
             <a:extLst>
               <a:ext uri="{FF2B5EF4-FFF2-40B4-BE49-F238E27FC236}">
@@ -19018,7 +18046,7 @@
 </p:sld>
 </file>
 
-<file path=ppt/slides/slide12.xml><?xml version="1.0" encoding="utf-8"?>
+<file path=ppt/slides/slide11.xml><?xml version="1.0" encoding="utf-8"?>
 <p:sld xmlns:a="http://schemas.openxmlformats.org/drawingml/2006/main" xmlns:r="http://schemas.openxmlformats.org/officeDocument/2006/relationships" xmlns:p="http://schemas.openxmlformats.org/presentationml/2006/main">
   <p:cSld>
     <p:bg>
@@ -19271,7 +18299,7 @@
 </p:sld>
 </file>
 
-<file path=ppt/slides/slide13.xml><?xml version="1.0" encoding="utf-8"?>
+<file path=ppt/slides/slide12.xml><?xml version="1.0" encoding="utf-8"?>
 <p:sld xmlns:a="http://schemas.openxmlformats.org/drawingml/2006/main" xmlns:r="http://schemas.openxmlformats.org/officeDocument/2006/relationships" xmlns:p="http://schemas.openxmlformats.org/presentationml/2006/main">
   <p:cSld>
     <p:bg>
@@ -19554,7 +18582,7 @@
 </p:sld>
 </file>
 
-<file path=ppt/slides/slide14.xml><?xml version="1.0" encoding="utf-8"?>
+<file path=ppt/slides/slide13.xml><?xml version="1.0" encoding="utf-8"?>
 <p:sld xmlns:a="http://schemas.openxmlformats.org/drawingml/2006/main" xmlns:r="http://schemas.openxmlformats.org/officeDocument/2006/relationships" xmlns:p="http://schemas.openxmlformats.org/presentationml/2006/main">
   <p:cSld>
     <p:bg>
@@ -19806,7 +18834,7 @@
 </p:sld>
 </file>
 
-<file path=ppt/slides/slide15.xml><?xml version="1.0" encoding="utf-8"?>
+<file path=ppt/slides/slide14.xml><?xml version="1.0" encoding="utf-8"?>
 <p:sld xmlns:a="http://schemas.openxmlformats.org/drawingml/2006/main" xmlns:r="http://schemas.openxmlformats.org/officeDocument/2006/relationships" xmlns:p="http://schemas.openxmlformats.org/presentationml/2006/main">
   <p:cSld>
     <p:bg>
@@ -20023,7 +19051,7 @@
 </p:sld>
 </file>
 
-<file path=ppt/slides/slide16.xml><?xml version="1.0" encoding="utf-8"?>
+<file path=ppt/slides/slide15.xml><?xml version="1.0" encoding="utf-8"?>
 <p:sld xmlns:a="http://schemas.openxmlformats.org/drawingml/2006/main" xmlns:r="http://schemas.openxmlformats.org/officeDocument/2006/relationships" xmlns:p="http://schemas.openxmlformats.org/presentationml/2006/main">
   <p:cSld>
     <p:bg>
@@ -20866,7 +19894,7 @@
 </p:sld>
 </file>
 
-<file path=ppt/slides/slide17.xml><?xml version="1.0" encoding="utf-8"?>
+<file path=ppt/slides/slide16.xml><?xml version="1.0" encoding="utf-8"?>
 <p:sld xmlns:a="http://schemas.openxmlformats.org/drawingml/2006/main" xmlns:r="http://schemas.openxmlformats.org/officeDocument/2006/relationships" xmlns:p="http://schemas.openxmlformats.org/presentationml/2006/main">
   <p:cSld>
     <p:bg>
@@ -21744,7 +20772,7 @@
 </p:sld>
 </file>
 
-<file path=ppt/slides/slide18.xml><?xml version="1.0" encoding="utf-8"?>
+<file path=ppt/slides/slide17.xml><?xml version="1.0" encoding="utf-8"?>
 <p:sld xmlns:a="http://schemas.openxmlformats.org/drawingml/2006/main" xmlns:r="http://schemas.openxmlformats.org/officeDocument/2006/relationships" xmlns:p="http://schemas.openxmlformats.org/presentationml/2006/main">
   <p:cSld>
     <p:bg>
@@ -22488,7 +21516,7 @@
 </p:sld>
 </file>
 
-<file path=ppt/slides/slide19.xml><?xml version="1.0" encoding="utf-8"?>
+<file path=ppt/slides/slide18.xml><?xml version="1.0" encoding="utf-8"?>
 <p:sld xmlns:a="http://schemas.openxmlformats.org/drawingml/2006/main" xmlns:r="http://schemas.openxmlformats.org/officeDocument/2006/relationships" xmlns:p="http://schemas.openxmlformats.org/presentationml/2006/main">
   <p:cSld>
     <p:bg>
@@ -23352,602 +22380,7 @@
 </p:sld>
 </file>
 
-<file path=ppt/slides/slide2.xml><?xml version="1.0" encoding="utf-8"?>
-<p:sld xmlns:a="http://schemas.openxmlformats.org/drawingml/2006/main" xmlns:r="http://schemas.openxmlformats.org/officeDocument/2006/relationships" xmlns:p="http://schemas.openxmlformats.org/presentationml/2006/main">
-  <p:cSld>
-    <p:bg>
-      <p:bgPr>
-        <a:solidFill>
-          <a:schemeClr val="bg1"/>
-        </a:solidFill>
-        <a:effectLst/>
-      </p:bgPr>
-    </p:bg>
-    <p:spTree>
-      <p:nvGrpSpPr>
-        <p:cNvPr id="1" name=""/>
-        <p:cNvGrpSpPr/>
-        <p:nvPr/>
-      </p:nvGrpSpPr>
-      <p:grpSpPr>
-        <a:xfrm>
-          <a:off x="0" y="0"/>
-          <a:ext cx="0" cy="0"/>
-          <a:chOff x="0" y="0"/>
-          <a:chExt cx="0" cy="0"/>
-        </a:xfrm>
-      </p:grpSpPr>
-      <p:sp useBgFill="1">
-        <p:nvSpPr>
-          <p:cNvPr id="46" name="Rectangle 45">
-            <a:extLst>
-              <a:ext uri="{FF2B5EF4-FFF2-40B4-BE49-F238E27FC236}">
-                <a16:creationId xmlns:a16="http://schemas.microsoft.com/office/drawing/2014/main" id="{C7FA33FF-088D-4F16-95A2-2C64D353DEA8}"/>
-              </a:ext>
-              <a:ext uri="{C183D7F6-B498-43B3-948B-1728B52AA6E4}">
-                <adec:decorative xmlns:adec="http://schemas.microsoft.com/office/drawing/2017/decorative" val="1"/>
-              </a:ext>
-            </a:extLst>
-          </p:cNvPr>
-          <p:cNvSpPr>
-            <a:spLocks noGrp="1" noRot="1" noChangeAspect="1" noMove="1" noResize="1" noEditPoints="1" noAdjustHandles="1" noChangeArrowheads="1" noChangeShapeType="1" noTextEdit="1"/>
-          </p:cNvSpPr>
-          <p:nvPr>
-            <p:extLst>
-              <p:ext uri="{386F3935-93C4-4BCD-93E2-E3B085C9AB24}">
-                <p16:designElem xmlns:p16="http://schemas.microsoft.com/office/powerpoint/2015/main" val="1"/>
-              </p:ext>
-            </p:extLst>
-          </p:nvPr>
-        </p:nvSpPr>
-        <p:spPr>
-          <a:xfrm>
-            <a:off x="1524" y="0"/>
-            <a:ext cx="12188952" cy="6858000"/>
-          </a:xfrm>
-          <a:prstGeom prst="rect">
-            <a:avLst/>
-          </a:prstGeom>
-          <a:ln>
-            <a:noFill/>
-          </a:ln>
-        </p:spPr>
-        <p:style>
-          <a:lnRef idx="2">
-            <a:schemeClr val="accent1">
-              <a:shade val="50000"/>
-            </a:schemeClr>
-          </a:lnRef>
-          <a:fillRef idx="1">
-            <a:schemeClr val="accent1"/>
-          </a:fillRef>
-          <a:effectRef idx="0">
-            <a:schemeClr val="accent1"/>
-          </a:effectRef>
-          <a:fontRef idx="minor">
-            <a:schemeClr val="lt1"/>
-          </a:fontRef>
-        </p:style>
-        <p:txBody>
-          <a:bodyPr rtlCol="0" anchor="ctr"/>
-          <a:lstStyle/>
-          <a:p>
-            <a:pPr marL="0" marR="0" lvl="0" indent="0" algn="ctr" defTabSz="914400" rtl="0" eaLnBrk="1" fontAlgn="auto" latinLnBrk="0" hangingPunct="1">
-              <a:lnSpc>
-                <a:spcPct val="100000"/>
-              </a:lnSpc>
-              <a:spcBef>
-                <a:spcPts val="0"/>
-              </a:spcBef>
-              <a:spcAft>
-                <a:spcPts val="0"/>
-              </a:spcAft>
-              <a:buClrTx/>
-              <a:buSzTx/>
-              <a:buFontTx/>
-              <a:buNone/>
-              <a:tabLst/>
-              <a:defRPr/>
-            </a:pPr>
-            <a:endParaRPr kumimoji="0" lang="en-US" sz="1800" b="0" i="0" u="none" strike="noStrike" kern="1200" cap="none" spc="0" normalizeH="0" baseline="0" noProof="0">
-              <a:ln>
-                <a:noFill/>
-              </a:ln>
-              <a:solidFill>
-                <a:prstClr val="white"/>
-              </a:solidFill>
-              <a:effectLst/>
-              <a:uLnTx/>
-              <a:uFillTx/>
-              <a:latin typeface="Calibri" panose="020F0502020204030204"/>
-              <a:ea typeface="+mn-ea"/>
-              <a:cs typeface="+mn-cs"/>
-            </a:endParaRPr>
-          </a:p>
-        </p:txBody>
-      </p:sp>
-      <p:sp>
-        <p:nvSpPr>
-          <p:cNvPr id="48" name="Rectangle 47">
-            <a:extLst>
-              <a:ext uri="{FF2B5EF4-FFF2-40B4-BE49-F238E27FC236}">
-                <a16:creationId xmlns:a16="http://schemas.microsoft.com/office/drawing/2014/main" id="{A376EFB1-01CF-419F-ABF1-2AF02BBFCBD1}"/>
-              </a:ext>
-              <a:ext uri="{C183D7F6-B498-43B3-948B-1728B52AA6E4}">
-                <adec:decorative xmlns:adec="http://schemas.microsoft.com/office/drawing/2017/decorative" val="1"/>
-              </a:ext>
-            </a:extLst>
-          </p:cNvPr>
-          <p:cNvSpPr>
-            <a:spLocks noGrp="1" noRot="1" noChangeAspect="1" noMove="1" noResize="1" noEditPoints="1" noAdjustHandles="1" noChangeArrowheads="1" noChangeShapeType="1" noTextEdit="1"/>
-          </p:cNvSpPr>
-          <p:nvPr>
-            <p:extLst>
-              <p:ext uri="{386F3935-93C4-4BCD-93E2-E3B085C9AB24}">
-                <p16:designElem xmlns:p16="http://schemas.microsoft.com/office/powerpoint/2015/main" val="1"/>
-              </p:ext>
-            </p:extLst>
-          </p:nvPr>
-        </p:nvSpPr>
-        <p:spPr>
-          <a:xfrm>
-            <a:off x="0" y="0"/>
-            <a:ext cx="4709160" cy="6858000"/>
-          </a:xfrm>
-          <a:prstGeom prst="rect">
-            <a:avLst/>
-          </a:prstGeom>
-          <a:solidFill>
-            <a:schemeClr val="tx1">
-              <a:alpha val="81000"/>
-            </a:schemeClr>
-          </a:solidFill>
-          <a:ln>
-            <a:noFill/>
-          </a:ln>
-        </p:spPr>
-        <p:style>
-          <a:lnRef idx="2">
-            <a:schemeClr val="accent1">
-              <a:shade val="50000"/>
-            </a:schemeClr>
-          </a:lnRef>
-          <a:fillRef idx="1">
-            <a:schemeClr val="accent1"/>
-          </a:fillRef>
-          <a:effectRef idx="0">
-            <a:schemeClr val="accent1"/>
-          </a:effectRef>
-          <a:fontRef idx="minor">
-            <a:schemeClr val="lt1"/>
-          </a:fontRef>
-        </p:style>
-        <p:txBody>
-          <a:bodyPr rtlCol="0" anchor="ctr"/>
-          <a:lstStyle/>
-          <a:p>
-            <a:pPr marL="0" marR="0" lvl="0" indent="0" algn="ctr" defTabSz="914400" rtl="0" eaLnBrk="1" fontAlgn="auto" latinLnBrk="0" hangingPunct="1">
-              <a:lnSpc>
-                <a:spcPct val="100000"/>
-              </a:lnSpc>
-              <a:spcBef>
-                <a:spcPts val="0"/>
-              </a:spcBef>
-              <a:spcAft>
-                <a:spcPts val="0"/>
-              </a:spcAft>
-              <a:buClrTx/>
-              <a:buSzTx/>
-              <a:buFontTx/>
-              <a:buNone/>
-              <a:tabLst/>
-              <a:defRPr/>
-            </a:pPr>
-            <a:endParaRPr kumimoji="0" lang="en-US" sz="1800" b="0" i="0" u="none" strike="noStrike" kern="1200" cap="none" spc="0" normalizeH="0" baseline="0" noProof="0">
-              <a:ln>
-                <a:noFill/>
-              </a:ln>
-              <a:solidFill>
-                <a:prstClr val="white"/>
-              </a:solidFill>
-              <a:effectLst/>
-              <a:uLnTx/>
-              <a:uFillTx/>
-              <a:latin typeface="Calibri" panose="020F0502020204030204"/>
-              <a:ea typeface="+mn-ea"/>
-              <a:cs typeface="+mn-cs"/>
-            </a:endParaRPr>
-          </a:p>
-        </p:txBody>
-      </p:sp>
-      <p:sp>
-        <p:nvSpPr>
-          <p:cNvPr id="50" name="Freeform: Shape 49">
-            <a:extLst>
-              <a:ext uri="{FF2B5EF4-FFF2-40B4-BE49-F238E27FC236}">
-                <a16:creationId xmlns:a16="http://schemas.microsoft.com/office/drawing/2014/main" id="{FF9DEA15-78BD-4750-AA18-B9F28A6D5AB8}"/>
-              </a:ext>
-              <a:ext uri="{C183D7F6-B498-43B3-948B-1728B52AA6E4}">
-                <adec:decorative xmlns:adec="http://schemas.microsoft.com/office/drawing/2017/decorative" val="1"/>
-              </a:ext>
-            </a:extLst>
-          </p:cNvPr>
-          <p:cNvSpPr>
-            <a:spLocks noGrp="1" noRot="1" noChangeAspect="1" noMove="1" noResize="1" noEditPoints="1" noAdjustHandles="1" noChangeArrowheads="1" noChangeShapeType="1" noTextEdit="1"/>
-          </p:cNvSpPr>
-          <p:nvPr>
-            <p:extLst>
-              <p:ext uri="{386F3935-93C4-4BCD-93E2-E3B085C9AB24}">
-                <p16:designElem xmlns:p16="http://schemas.microsoft.com/office/powerpoint/2015/main" val="1"/>
-              </p:ext>
-            </p:extLst>
-          </p:nvPr>
-        </p:nvSpPr>
-        <p:spPr>
-          <a:xfrm>
-            <a:off x="0" y="0"/>
-            <a:ext cx="3284331" cy="6858000"/>
-          </a:xfrm>
-          <a:custGeom>
-            <a:avLst/>
-            <a:gdLst>
-              <a:gd name="connsiteX0" fmla="*/ 0 w 4319042"/>
-              <a:gd name="connsiteY0" fmla="*/ 0 h 6858000"/>
-              <a:gd name="connsiteX1" fmla="*/ 1142888 w 4319042"/>
-              <a:gd name="connsiteY1" fmla="*/ 0 h 6858000"/>
-              <a:gd name="connsiteX2" fmla="*/ 4319042 w 4319042"/>
-              <a:gd name="connsiteY2" fmla="*/ 6858000 h 6858000"/>
-              <a:gd name="connsiteX3" fmla="*/ 0 w 4319042"/>
-              <a:gd name="connsiteY3" fmla="*/ 6858000 h 6858000"/>
-            </a:gdLst>
-            <a:ahLst/>
-            <a:cxnLst>
-              <a:cxn ang="0">
-                <a:pos x="connsiteX0" y="connsiteY0"/>
-              </a:cxn>
-              <a:cxn ang="0">
-                <a:pos x="connsiteX1" y="connsiteY1"/>
-              </a:cxn>
-              <a:cxn ang="0">
-                <a:pos x="connsiteX2" y="connsiteY2"/>
-              </a:cxn>
-              <a:cxn ang="0">
-                <a:pos x="connsiteX3" y="connsiteY3"/>
-              </a:cxn>
-            </a:cxnLst>
-            <a:rect l="l" t="t" r="r" b="b"/>
-            <a:pathLst>
-              <a:path w="4319042" h="6858000">
-                <a:moveTo>
-                  <a:pt x="0" y="0"/>
-                </a:moveTo>
-                <a:lnTo>
-                  <a:pt x="1142888" y="0"/>
-                </a:lnTo>
-                <a:lnTo>
-                  <a:pt x="4319042" y="6858000"/>
-                </a:lnTo>
-                <a:lnTo>
-                  <a:pt x="0" y="6858000"/>
-                </a:lnTo>
-                <a:close/>
-              </a:path>
-            </a:pathLst>
-          </a:custGeom>
-          <a:solidFill>
-            <a:schemeClr val="tx1">
-              <a:alpha val="35000"/>
-            </a:schemeClr>
-          </a:solidFill>
-          <a:ln>
-            <a:noFill/>
-          </a:ln>
-        </p:spPr>
-        <p:style>
-          <a:lnRef idx="2">
-            <a:schemeClr val="accent1">
-              <a:shade val="50000"/>
-            </a:schemeClr>
-          </a:lnRef>
-          <a:fillRef idx="1">
-            <a:schemeClr val="accent1"/>
-          </a:fillRef>
-          <a:effectRef idx="0">
-            <a:schemeClr val="accent1"/>
-          </a:effectRef>
-          <a:fontRef idx="minor">
-            <a:schemeClr val="lt1"/>
-          </a:fontRef>
-        </p:style>
-        <p:txBody>
-          <a:bodyPr wrap="square" rtlCol="0" anchor="ctr">
-            <a:noAutofit/>
-          </a:bodyPr>
-          <a:lstStyle/>
-          <a:p>
-            <a:pPr marL="0" marR="0" lvl="0" indent="0" algn="ctr" defTabSz="914400" rtl="0" eaLnBrk="1" fontAlgn="auto" latinLnBrk="0" hangingPunct="1">
-              <a:lnSpc>
-                <a:spcPct val="100000"/>
-              </a:lnSpc>
-              <a:spcBef>
-                <a:spcPts val="0"/>
-              </a:spcBef>
-              <a:spcAft>
-                <a:spcPts val="0"/>
-              </a:spcAft>
-              <a:buClrTx/>
-              <a:buSzTx/>
-              <a:buFontTx/>
-              <a:buNone/>
-              <a:tabLst/>
-              <a:defRPr/>
-            </a:pPr>
-            <a:endParaRPr kumimoji="0" lang="en-US" sz="1800" b="0" i="0" u="none" strike="noStrike" kern="1200" cap="none" spc="0" normalizeH="0" baseline="0" noProof="0">
-              <a:ln>
-                <a:noFill/>
-              </a:ln>
-              <a:solidFill>
-                <a:prstClr val="white"/>
-              </a:solidFill>
-              <a:effectLst/>
-              <a:uLnTx/>
-              <a:uFillTx/>
-              <a:latin typeface="Calibri" panose="020F0502020204030204"/>
-              <a:ea typeface="+mn-ea"/>
-              <a:cs typeface="+mn-cs"/>
-            </a:endParaRPr>
-          </a:p>
-        </p:txBody>
-      </p:sp>
-      <p:sp>
-        <p:nvSpPr>
-          <p:cNvPr id="41" name="Content Placeholder 3">
-            <a:extLst>
-              <a:ext uri="{FF2B5EF4-FFF2-40B4-BE49-F238E27FC236}">
-                <a16:creationId xmlns:a16="http://schemas.microsoft.com/office/drawing/2014/main" id="{B3E336C9-7970-F0E4-E920-894D1AAC0A3C}"/>
-              </a:ext>
-            </a:extLst>
-          </p:cNvPr>
-          <p:cNvSpPr>
-            <a:spLocks noGrp="1"/>
-          </p:cNvSpPr>
-          <p:nvPr>
-            <p:ph idx="1"/>
-          </p:nvPr>
-        </p:nvSpPr>
-        <p:spPr>
-          <a:xfrm>
-            <a:off x="5358384" y="640081"/>
-            <a:ext cx="6024654" cy="5257800"/>
-          </a:xfrm>
-        </p:spPr>
-        <p:txBody>
-          <a:bodyPr vert="horz" lIns="91440" tIns="45720" rIns="91440" bIns="45720" rtlCol="0" anchor="ctr">
-            <a:normAutofit/>
-          </a:bodyPr>
-          <a:lstStyle/>
-          <a:p>
-            <a:pPr marL="0"/>
-            <a:r>
-              <a:rPr lang="en-US" sz="2400"/>
-              <a:t>Auradee Castro</a:t>
-            </a:r>
-          </a:p>
-          <a:p>
-            <a:pPr marL="0"/>
-            <a:r>
-              <a:rPr lang="en-US" sz="2400"/>
-              <a:t>Bhumika Rajendra Babu</a:t>
-            </a:r>
-          </a:p>
-          <a:p>
-            <a:pPr marL="0"/>
-            <a:r>
-              <a:rPr lang="en-US" sz="2400"/>
-              <a:t>Lakpa Sherpa</a:t>
-            </a:r>
-          </a:p>
-          <a:p>
-            <a:pPr marL="0"/>
-            <a:r>
-              <a:rPr lang="en-US" sz="2400"/>
-              <a:t>Pradeep Kumar Bhatt</a:t>
-            </a:r>
-          </a:p>
-          <a:p>
-            <a:pPr marL="0"/>
-            <a:r>
-              <a:rPr lang="en-US" sz="2400"/>
-              <a:t>Varun Sharma</a:t>
-            </a:r>
-          </a:p>
-          <a:p>
-            <a:pPr marL="0"/>
-            <a:endParaRPr lang="en-US" sz="2400"/>
-          </a:p>
-        </p:txBody>
-      </p:sp>
-      <p:grpSp>
-        <p:nvGrpSpPr>
-          <p:cNvPr id="6" name="Group 5">
-            <a:extLst>
-              <a:ext uri="{FF2B5EF4-FFF2-40B4-BE49-F238E27FC236}">
-                <a16:creationId xmlns:a16="http://schemas.microsoft.com/office/drawing/2014/main" id="{B27861D3-95B1-5516-3062-A9D8DEEE3A09}"/>
-              </a:ext>
-            </a:extLst>
-          </p:cNvPr>
-          <p:cNvGrpSpPr/>
-          <p:nvPr/>
-        </p:nvGrpSpPr>
-        <p:grpSpPr>
-          <a:xfrm>
-            <a:off x="11013932" y="-84"/>
-            <a:ext cx="1101457" cy="6858084"/>
-            <a:chOff x="11082146" y="-92"/>
-            <a:chExt cx="1101457" cy="6858084"/>
-          </a:xfrm>
-        </p:grpSpPr>
-        <p:sp>
-          <p:nvSpPr>
-            <p:cNvPr id="4" name="Rectangle 3">
-              <a:extLst>
-                <a:ext uri="{FF2B5EF4-FFF2-40B4-BE49-F238E27FC236}">
-                  <a16:creationId xmlns:a16="http://schemas.microsoft.com/office/drawing/2014/main" id="{42401F63-1545-456E-63F0-16E699B41E59}"/>
-                </a:ext>
-              </a:extLst>
-            </p:cNvPr>
-            <p:cNvSpPr/>
-            <p:nvPr/>
-          </p:nvSpPr>
-          <p:spPr>
-            <a:xfrm rot="6891">
-              <a:off x="11679804" y="-91"/>
-              <a:ext cx="503799" cy="6858083"/>
-            </a:xfrm>
-            <a:prstGeom prst="rect">
-              <a:avLst/>
-            </a:prstGeom>
-            <a:solidFill>
-              <a:srgbClr val="5B9BD5"/>
-            </a:solidFill>
-            <a:ln>
-              <a:noFill/>
-            </a:ln>
-          </p:spPr>
-          <p:style>
-            <a:lnRef idx="2">
-              <a:schemeClr val="accent1">
-                <a:shade val="50000"/>
-              </a:schemeClr>
-            </a:lnRef>
-            <a:fillRef idx="1">
-              <a:schemeClr val="accent1"/>
-            </a:fillRef>
-            <a:effectRef idx="0">
-              <a:schemeClr val="accent1"/>
-            </a:effectRef>
-            <a:fontRef idx="minor">
-              <a:schemeClr val="lt1"/>
-            </a:fontRef>
-          </p:style>
-          <p:txBody>
-            <a:bodyPr rtlCol="0" anchor="ctr"/>
-            <a:lstStyle/>
-            <a:p>
-              <a:pPr algn="ctr"/>
-              <a:endParaRPr lang="en-US"/>
-            </a:p>
-          </p:txBody>
-        </p:sp>
-        <p:sp>
-          <p:nvSpPr>
-            <p:cNvPr id="5" name="Rectangle 4">
-              <a:extLst>
-                <a:ext uri="{FF2B5EF4-FFF2-40B4-BE49-F238E27FC236}">
-                  <a16:creationId xmlns:a16="http://schemas.microsoft.com/office/drawing/2014/main" id="{CDB0DA66-39B6-7FC2-412B-AD1E22B10D23}"/>
-                </a:ext>
-              </a:extLst>
-            </p:cNvPr>
-            <p:cNvSpPr/>
-            <p:nvPr/>
-          </p:nvSpPr>
-          <p:spPr>
-            <a:xfrm rot="6891">
-              <a:off x="11082146" y="-92"/>
-              <a:ext cx="503799" cy="6857987"/>
-            </a:xfrm>
-            <a:prstGeom prst="rect">
-              <a:avLst/>
-            </a:prstGeom>
-            <a:solidFill>
-              <a:srgbClr val="70AD47"/>
-            </a:solidFill>
-            <a:ln>
-              <a:noFill/>
-            </a:ln>
-          </p:spPr>
-          <p:style>
-            <a:lnRef idx="2">
-              <a:schemeClr val="accent1">
-                <a:shade val="50000"/>
-              </a:schemeClr>
-            </a:lnRef>
-            <a:fillRef idx="1">
-              <a:schemeClr val="accent1"/>
-            </a:fillRef>
-            <a:effectRef idx="0">
-              <a:schemeClr val="accent1"/>
-            </a:effectRef>
-            <a:fontRef idx="minor">
-              <a:schemeClr val="lt1"/>
-            </a:fontRef>
-          </p:style>
-          <p:txBody>
-            <a:bodyPr rtlCol="0" anchor="ctr"/>
-            <a:lstStyle/>
-            <a:p>
-              <a:pPr algn="ctr"/>
-              <a:endParaRPr lang="en-US"/>
-            </a:p>
-          </p:txBody>
-        </p:sp>
-      </p:grpSp>
-      <p:sp>
-        <p:nvSpPr>
-          <p:cNvPr id="2" name="Title 1">
-            <a:extLst>
-              <a:ext uri="{FF2B5EF4-FFF2-40B4-BE49-F238E27FC236}">
-                <a16:creationId xmlns:a16="http://schemas.microsoft.com/office/drawing/2014/main" id="{E799ADE4-D461-52C9-677A-5B45B34529C7}"/>
-              </a:ext>
-            </a:extLst>
-          </p:cNvPr>
-          <p:cNvSpPr>
-            <a:spLocks noGrp="1"/>
-          </p:cNvSpPr>
-          <p:nvPr>
-            <p:ph type="title"/>
-          </p:nvPr>
-        </p:nvSpPr>
-        <p:spPr>
-          <a:xfrm>
-            <a:off x="804672" y="640080"/>
-            <a:ext cx="3282696" cy="5257800"/>
-          </a:xfrm>
-        </p:spPr>
-        <p:txBody>
-          <a:bodyPr vert="horz" lIns="91440" tIns="45720" rIns="91440" bIns="45720" rtlCol="0" anchor="ctr">
-            <a:normAutofit/>
-          </a:bodyPr>
-          <a:lstStyle/>
-          <a:p>
-            <a:r>
-              <a:rPr lang="en-US" sz="4400" kern="1200" dirty="0">
-                <a:solidFill>
-                  <a:schemeClr val="bg1"/>
-                </a:solidFill>
-                <a:latin typeface="+mj-lt"/>
-                <a:ea typeface="+mj-ea"/>
-                <a:cs typeface="+mj-cs"/>
-              </a:rPr>
-              <a:t>MEMBERS</a:t>
-            </a:r>
-          </a:p>
-        </p:txBody>
-      </p:sp>
-    </p:spTree>
-    <p:extLst>
-      <p:ext uri="{BB962C8B-B14F-4D97-AF65-F5344CB8AC3E}">
-        <p14:creationId xmlns:p14="http://schemas.microsoft.com/office/powerpoint/2010/main" val="4158285141"/>
-      </p:ext>
-    </p:extLst>
-  </p:cSld>
-  <p:clrMapOvr>
-    <a:masterClrMapping/>
-  </p:clrMapOvr>
-</p:sld>
-</file>
-
-<file path=ppt/slides/slide20.xml><?xml version="1.0" encoding="utf-8"?>
+<file path=ppt/slides/slide19.xml><?xml version="1.0" encoding="utf-8"?>
 <p:sld xmlns:a="http://schemas.openxmlformats.org/drawingml/2006/main" xmlns:r="http://schemas.openxmlformats.org/officeDocument/2006/relationships" xmlns:p="http://schemas.openxmlformats.org/presentationml/2006/main">
   <p:cSld>
     <p:bg>
@@ -24412,7 +22845,318 @@
 </p:sld>
 </file>
 
-<file path=ppt/slides/slide21.xml><?xml version="1.0" encoding="utf-8"?>
+<file path=ppt/slides/slide2.xml><?xml version="1.0" encoding="utf-8"?>
+<p:sld xmlns:a="http://schemas.openxmlformats.org/drawingml/2006/main" xmlns:r="http://schemas.openxmlformats.org/officeDocument/2006/relationships" xmlns:p="http://schemas.openxmlformats.org/presentationml/2006/main">
+  <p:cSld>
+    <p:bg>
+      <p:bgPr>
+        <a:solidFill>
+          <a:schemeClr val="bg1"/>
+        </a:solidFill>
+        <a:effectLst/>
+      </p:bgPr>
+    </p:bg>
+    <p:spTree>
+      <p:nvGrpSpPr>
+        <p:cNvPr id="1" name=""/>
+        <p:cNvGrpSpPr/>
+        <p:nvPr/>
+      </p:nvGrpSpPr>
+      <p:grpSpPr>
+        <a:xfrm>
+          <a:off x="0" y="0"/>
+          <a:ext cx="0" cy="0"/>
+          <a:chOff x="0" y="0"/>
+          <a:chExt cx="0" cy="0"/>
+        </a:xfrm>
+      </p:grpSpPr>
+      <p:sp>
+        <p:nvSpPr>
+          <p:cNvPr id="9" name="Rectangle 8">
+            <a:extLst>
+              <a:ext uri="{FF2B5EF4-FFF2-40B4-BE49-F238E27FC236}">
+                <a16:creationId xmlns:a16="http://schemas.microsoft.com/office/drawing/2014/main" id="{B775CD93-9DF2-48CB-9F57-1BCA9A46C7FA}"/>
+              </a:ext>
+              <a:ext uri="{C183D7F6-B498-43B3-948B-1728B52AA6E4}">
+                <adec:decorative xmlns:adec="http://schemas.microsoft.com/office/drawing/2017/decorative" val="1"/>
+              </a:ext>
+            </a:extLst>
+          </p:cNvPr>
+          <p:cNvSpPr>
+            <a:spLocks noGrp="1" noRot="1" noChangeAspect="1" noMove="1" noResize="1" noEditPoints="1" noAdjustHandles="1" noChangeArrowheads="1" noChangeShapeType="1" noTextEdit="1"/>
+          </p:cNvSpPr>
+          <p:nvPr>
+            <p:extLst>
+              <p:ext uri="{386F3935-93C4-4BCD-93E2-E3B085C9AB24}">
+                <p16:designElem xmlns:p16="http://schemas.microsoft.com/office/powerpoint/2015/main" val="1"/>
+              </p:ext>
+            </p:extLst>
+          </p:nvPr>
+        </p:nvSpPr>
+        <p:spPr>
+          <a:xfrm>
+            <a:off x="466344" y="448055"/>
+            <a:ext cx="3414370" cy="3801257"/>
+          </a:xfrm>
+          <a:prstGeom prst="rect">
+            <a:avLst/>
+          </a:prstGeom>
+          <a:solidFill>
+            <a:srgbClr val="595959"/>
+          </a:solidFill>
+          <a:ln w="25400">
+            <a:noFill/>
+          </a:ln>
+        </p:spPr>
+        <p:style>
+          <a:lnRef idx="2">
+            <a:schemeClr val="accent1">
+              <a:shade val="50000"/>
+            </a:schemeClr>
+          </a:lnRef>
+          <a:fillRef idx="1">
+            <a:schemeClr val="accent1"/>
+          </a:fillRef>
+          <a:effectRef idx="0">
+            <a:schemeClr val="accent1"/>
+          </a:effectRef>
+          <a:fontRef idx="minor">
+            <a:schemeClr val="lt1"/>
+          </a:fontRef>
+        </p:style>
+        <p:txBody>
+          <a:bodyPr rtlCol="0" anchor="ctr"/>
+          <a:lstStyle/>
+          <a:p>
+            <a:pPr algn="ctr"/>
+            <a:endParaRPr lang="en-US">
+              <a:solidFill>
+                <a:srgbClr val="FFFFFF"/>
+              </a:solidFill>
+            </a:endParaRPr>
+          </a:p>
+        </p:txBody>
+      </p:sp>
+      <p:sp>
+        <p:nvSpPr>
+          <p:cNvPr id="2" name="Title 1">
+            <a:extLst>
+              <a:ext uri="{FF2B5EF4-FFF2-40B4-BE49-F238E27FC236}">
+                <a16:creationId xmlns:a16="http://schemas.microsoft.com/office/drawing/2014/main" id="{3E6ACCEB-A27B-C6D9-B00F-C218C5D062AE}"/>
+              </a:ext>
+            </a:extLst>
+          </p:cNvPr>
+          <p:cNvSpPr>
+            <a:spLocks noGrp="1"/>
+          </p:cNvSpPr>
+          <p:nvPr>
+            <p:ph type="title"/>
+          </p:nvPr>
+        </p:nvSpPr>
+        <p:spPr>
+          <a:xfrm>
+            <a:off x="777240" y="731519"/>
+            <a:ext cx="2845191" cy="3237579"/>
+          </a:xfrm>
+        </p:spPr>
+        <p:txBody>
+          <a:bodyPr>
+            <a:normAutofit/>
+          </a:bodyPr>
+          <a:lstStyle/>
+          <a:p>
+            <a:r>
+              <a:rPr lang="en-US" sz="3800" b="1" dirty="0">
+                <a:solidFill>
+                  <a:srgbClr val="FFFFFF"/>
+                </a:solidFill>
+              </a:rPr>
+              <a:t>Project Goal</a:t>
+            </a:r>
+          </a:p>
+        </p:txBody>
+      </p:sp>
+      <p:sp>
+        <p:nvSpPr>
+          <p:cNvPr id="11" name="Rectangle 10">
+            <a:extLst>
+              <a:ext uri="{FF2B5EF4-FFF2-40B4-BE49-F238E27FC236}">
+                <a16:creationId xmlns:a16="http://schemas.microsoft.com/office/drawing/2014/main" id="{6166C6D1-23AC-49C4-BA07-238E4E9F8CEB}"/>
+              </a:ext>
+              <a:ext uri="{C183D7F6-B498-43B3-948B-1728B52AA6E4}">
+                <adec:decorative xmlns:adec="http://schemas.microsoft.com/office/drawing/2017/decorative" val="1"/>
+              </a:ext>
+            </a:extLst>
+          </p:cNvPr>
+          <p:cNvSpPr>
+            <a:spLocks noGrp="1" noRot="1" noChangeAspect="1" noMove="1" noResize="1" noEditPoints="1" noAdjustHandles="1" noChangeArrowheads="1" noChangeShapeType="1" noTextEdit="1"/>
+          </p:cNvSpPr>
+          <p:nvPr>
+            <p:extLst>
+              <p:ext uri="{386F3935-93C4-4BCD-93E2-E3B085C9AB24}">
+                <p16:designElem xmlns:p16="http://schemas.microsoft.com/office/powerpoint/2015/main" val="1"/>
+              </p:ext>
+            </p:extLst>
+          </p:nvPr>
+        </p:nvSpPr>
+        <p:spPr>
+          <a:xfrm>
+            <a:off x="466343" y="4419227"/>
+            <a:ext cx="3414369" cy="1979852"/>
+          </a:xfrm>
+          <a:prstGeom prst="rect">
+            <a:avLst/>
+          </a:prstGeom>
+          <a:solidFill>
+            <a:schemeClr val="accent5">
+              <a:alpha val="95000"/>
+            </a:schemeClr>
+          </a:solidFill>
+          <a:ln w="25400">
+            <a:noFill/>
+          </a:ln>
+        </p:spPr>
+        <p:style>
+          <a:lnRef idx="2">
+            <a:schemeClr val="accent1">
+              <a:shade val="50000"/>
+            </a:schemeClr>
+          </a:lnRef>
+          <a:fillRef idx="1">
+            <a:schemeClr val="accent1"/>
+          </a:fillRef>
+          <a:effectRef idx="0">
+            <a:schemeClr val="accent1"/>
+          </a:effectRef>
+          <a:fontRef idx="minor">
+            <a:schemeClr val="lt1"/>
+          </a:fontRef>
+        </p:style>
+        <p:txBody>
+          <a:bodyPr rtlCol="0" anchor="ctr"/>
+          <a:lstStyle/>
+          <a:p>
+            <a:pPr algn="ctr"/>
+            <a:endParaRPr lang="en-US" dirty="0">
+              <a:solidFill>
+                <a:srgbClr val="FFFFFF"/>
+              </a:solidFill>
+            </a:endParaRPr>
+          </a:p>
+        </p:txBody>
+      </p:sp>
+      <p:sp>
+        <p:nvSpPr>
+          <p:cNvPr id="13" name="Rectangle 12">
+            <a:extLst>
+              <a:ext uri="{FF2B5EF4-FFF2-40B4-BE49-F238E27FC236}">
+                <a16:creationId xmlns:a16="http://schemas.microsoft.com/office/drawing/2014/main" id="{1C091803-41C2-48E0-9228-5148460C7479}"/>
+              </a:ext>
+              <a:ext uri="{C183D7F6-B498-43B3-948B-1728B52AA6E4}">
+                <adec:decorative xmlns:adec="http://schemas.microsoft.com/office/drawing/2017/decorative" val="1"/>
+              </a:ext>
+            </a:extLst>
+          </p:cNvPr>
+          <p:cNvSpPr>
+            <a:spLocks noGrp="1" noRot="1" noChangeAspect="1" noMove="1" noResize="1" noEditPoints="1" noAdjustHandles="1" noChangeArrowheads="1" noChangeShapeType="1" noTextEdit="1"/>
+          </p:cNvSpPr>
+          <p:nvPr>
+            <p:extLst>
+              <p:ext uri="{386F3935-93C4-4BCD-93E2-E3B085C9AB24}">
+                <p16:designElem xmlns:p16="http://schemas.microsoft.com/office/powerpoint/2015/main" val="1"/>
+              </p:ext>
+            </p:extLst>
+          </p:nvPr>
+        </p:nvSpPr>
+        <p:spPr>
+          <a:xfrm>
+            <a:off x="4044603" y="448055"/>
+            <a:ext cx="7688475" cy="5952745"/>
+          </a:xfrm>
+          <a:prstGeom prst="rect">
+            <a:avLst/>
+          </a:prstGeom>
+          <a:solidFill>
+            <a:schemeClr val="tx1">
+              <a:lumMod val="50000"/>
+              <a:lumOff val="50000"/>
+              <a:alpha val="20000"/>
+            </a:schemeClr>
+          </a:solidFill>
+          <a:ln>
+            <a:noFill/>
+          </a:ln>
+        </p:spPr>
+        <p:style>
+          <a:lnRef idx="2">
+            <a:schemeClr val="accent1">
+              <a:shade val="50000"/>
+            </a:schemeClr>
+          </a:lnRef>
+          <a:fillRef idx="1">
+            <a:schemeClr val="accent1"/>
+          </a:fillRef>
+          <a:effectRef idx="0">
+            <a:schemeClr val="accent1"/>
+          </a:effectRef>
+          <a:fontRef idx="minor">
+            <a:schemeClr val="lt1"/>
+          </a:fontRef>
+        </p:style>
+        <p:txBody>
+          <a:bodyPr rtlCol="0" anchor="ctr"/>
+          <a:lstStyle/>
+          <a:p>
+            <a:pPr algn="ctr"/>
+            <a:endParaRPr lang="en-US"/>
+          </a:p>
+        </p:txBody>
+      </p:sp>
+      <p:graphicFrame>
+        <p:nvGraphicFramePr>
+          <p:cNvPr id="5" name="Content Placeholder 2">
+            <a:extLst>
+              <a:ext uri="{FF2B5EF4-FFF2-40B4-BE49-F238E27FC236}">
+                <a16:creationId xmlns:a16="http://schemas.microsoft.com/office/drawing/2014/main" id="{CAA03557-E571-F490-DE90-6FA861CB6FA9}"/>
+              </a:ext>
+            </a:extLst>
+          </p:cNvPr>
+          <p:cNvGraphicFramePr>
+            <a:graphicFrameLocks noGrp="1"/>
+          </p:cNvGraphicFramePr>
+          <p:nvPr>
+            <p:ph idx="1"/>
+            <p:extLst>
+              <p:ext uri="{D42A27DB-BD31-4B8C-83A1-F6EECF244321}">
+                <p14:modId xmlns:p14="http://schemas.microsoft.com/office/powerpoint/2010/main" val="1205000739"/>
+              </p:ext>
+            </p:extLst>
+          </p:nvPr>
+        </p:nvGraphicFramePr>
+        <p:xfrm>
+          <a:off x="4379913" y="687388"/>
+          <a:ext cx="7037387" cy="5475287"/>
+        </p:xfrm>
+        <a:graphic>
+          <a:graphicData uri="http://schemas.openxmlformats.org/drawingml/2006/diagram">
+            <dgm:relIds xmlns:dgm="http://schemas.openxmlformats.org/drawingml/2006/diagram" xmlns:r="http://schemas.openxmlformats.org/officeDocument/2006/relationships" r:dm="rId2" r:lo="rId3" r:qs="rId4" r:cs="rId5"/>
+          </a:graphicData>
+        </a:graphic>
+      </p:graphicFrame>
+    </p:spTree>
+    <p:extLst>
+      <p:ext uri="{BB962C8B-B14F-4D97-AF65-F5344CB8AC3E}">
+        <p14:creationId xmlns:p14="http://schemas.microsoft.com/office/powerpoint/2010/main" val="1389726931"/>
+      </p:ext>
+    </p:extLst>
+  </p:cSld>
+  <p:clrMapOvr>
+    <a:masterClrMapping/>
+  </p:clrMapOvr>
+</p:sld>
+</file>
+
+<file path=ppt/slides/slide20.xml><?xml version="1.0" encoding="utf-8"?>
 <p:sld xmlns:a="http://schemas.openxmlformats.org/drawingml/2006/main" xmlns:r="http://schemas.openxmlformats.org/officeDocument/2006/relationships" xmlns:p="http://schemas.openxmlformats.org/presentationml/2006/main">
   <p:cSld>
     <p:bg>
@@ -24590,7 +23334,7 @@
 </p:sld>
 </file>
 
-<file path=ppt/slides/slide22.xml><?xml version="1.0" encoding="utf-8"?>
+<file path=ppt/slides/slide21.xml><?xml version="1.0" encoding="utf-8"?>
 <p:sld xmlns:a="http://schemas.openxmlformats.org/drawingml/2006/main" xmlns:r="http://schemas.openxmlformats.org/officeDocument/2006/relationships" xmlns:p="http://schemas.openxmlformats.org/presentationml/2006/main">
   <p:cSld>
     <p:bg>
@@ -25428,7 +24172,7 @@
 </p:sld>
 </file>
 
-<file path=ppt/slides/slide23.xml><?xml version="1.0" encoding="utf-8"?>
+<file path=ppt/slides/slide22.xml><?xml version="1.0" encoding="utf-8"?>
 <p:sld xmlns:a="http://schemas.openxmlformats.org/drawingml/2006/main" xmlns:r="http://schemas.openxmlformats.org/officeDocument/2006/relationships" xmlns:p="http://schemas.openxmlformats.org/presentationml/2006/main">
   <p:cSld>
     <p:bg>
@@ -26328,7 +25072,7 @@
 </p:sld>
 </file>
 
-<file path=ppt/slides/slide24.xml><?xml version="1.0" encoding="utf-8"?>
+<file path=ppt/slides/slide23.xml><?xml version="1.0" encoding="utf-8"?>
 <p:sld xmlns:a="http://schemas.openxmlformats.org/drawingml/2006/main" xmlns:r="http://schemas.openxmlformats.org/officeDocument/2006/relationships" xmlns:p="http://schemas.openxmlformats.org/presentationml/2006/main">
   <p:cSld>
     <p:bg>
@@ -27284,7 +26028,7 @@
 </p:sld>
 </file>
 
-<file path=ppt/slides/slide25.xml><?xml version="1.0" encoding="utf-8"?>
+<file path=ppt/slides/slide24.xml><?xml version="1.0" encoding="utf-8"?>
 <p:sld xmlns:a="http://schemas.openxmlformats.org/drawingml/2006/main" xmlns:r="http://schemas.openxmlformats.org/officeDocument/2006/relationships" xmlns:p="http://schemas.openxmlformats.org/presentationml/2006/main">
   <p:cSld>
     <p:bg>
@@ -27481,7 +26225,7 @@
 </p:sld>
 </file>
 
-<file path=ppt/slides/slide26.xml><?xml version="1.0" encoding="utf-8"?>
+<file path=ppt/slides/slide25.xml><?xml version="1.0" encoding="utf-8"?>
 <p:sld xmlns:a="http://schemas.openxmlformats.org/drawingml/2006/main" xmlns:r="http://schemas.openxmlformats.org/officeDocument/2006/relationships" xmlns:p="http://schemas.openxmlformats.org/presentationml/2006/main">
   <p:cSld>
     <p:bg>
@@ -28306,7 +27050,7 @@
 </p:sld>
 </file>
 
-<file path=ppt/slides/slide27.xml><?xml version="1.0" encoding="utf-8"?>
+<file path=ppt/slides/slide26.xml><?xml version="1.0" encoding="utf-8"?>
 <p:sld xmlns:a="http://schemas.openxmlformats.org/drawingml/2006/main" xmlns:r="http://schemas.openxmlformats.org/officeDocument/2006/relationships" xmlns:p="http://schemas.openxmlformats.org/presentationml/2006/main">
   <p:cSld>
     <p:bg>
@@ -29139,7 +27883,7 @@
 </p:sld>
 </file>
 
-<file path=ppt/slides/slide28.xml><?xml version="1.0" encoding="utf-8"?>
+<file path=ppt/slides/slide27.xml><?xml version="1.0" encoding="utf-8"?>
 <p:sld xmlns:a="http://schemas.openxmlformats.org/drawingml/2006/main" xmlns:r="http://schemas.openxmlformats.org/officeDocument/2006/relationships" xmlns:p="http://schemas.openxmlformats.org/presentationml/2006/main">
   <p:cSld>
     <p:bg>
@@ -29703,317 +28447,6 @@
           <p:cNvPr id="2" name="Title 1">
             <a:extLst>
               <a:ext uri="{FF2B5EF4-FFF2-40B4-BE49-F238E27FC236}">
-                <a16:creationId xmlns:a16="http://schemas.microsoft.com/office/drawing/2014/main" id="{3E6ACCEB-A27B-C6D9-B00F-C218C5D062AE}"/>
-              </a:ext>
-            </a:extLst>
-          </p:cNvPr>
-          <p:cNvSpPr>
-            <a:spLocks noGrp="1"/>
-          </p:cNvSpPr>
-          <p:nvPr>
-            <p:ph type="title"/>
-          </p:nvPr>
-        </p:nvSpPr>
-        <p:spPr>
-          <a:xfrm>
-            <a:off x="777240" y="731519"/>
-            <a:ext cx="2845191" cy="3237579"/>
-          </a:xfrm>
-        </p:spPr>
-        <p:txBody>
-          <a:bodyPr>
-            <a:normAutofit/>
-          </a:bodyPr>
-          <a:lstStyle/>
-          <a:p>
-            <a:r>
-              <a:rPr lang="en-US" sz="3800" b="1" dirty="0">
-                <a:solidFill>
-                  <a:srgbClr val="FFFFFF"/>
-                </a:solidFill>
-              </a:rPr>
-              <a:t>Project Goal</a:t>
-            </a:r>
-          </a:p>
-        </p:txBody>
-      </p:sp>
-      <p:sp>
-        <p:nvSpPr>
-          <p:cNvPr id="11" name="Rectangle 10">
-            <a:extLst>
-              <a:ext uri="{FF2B5EF4-FFF2-40B4-BE49-F238E27FC236}">
-                <a16:creationId xmlns:a16="http://schemas.microsoft.com/office/drawing/2014/main" id="{6166C6D1-23AC-49C4-BA07-238E4E9F8CEB}"/>
-              </a:ext>
-              <a:ext uri="{C183D7F6-B498-43B3-948B-1728B52AA6E4}">
-                <adec:decorative xmlns:adec="http://schemas.microsoft.com/office/drawing/2017/decorative" val="1"/>
-              </a:ext>
-            </a:extLst>
-          </p:cNvPr>
-          <p:cNvSpPr>
-            <a:spLocks noGrp="1" noRot="1" noChangeAspect="1" noMove="1" noResize="1" noEditPoints="1" noAdjustHandles="1" noChangeArrowheads="1" noChangeShapeType="1" noTextEdit="1"/>
-          </p:cNvSpPr>
-          <p:nvPr>
-            <p:extLst>
-              <p:ext uri="{386F3935-93C4-4BCD-93E2-E3B085C9AB24}">
-                <p16:designElem xmlns:p16="http://schemas.microsoft.com/office/powerpoint/2015/main" val="1"/>
-              </p:ext>
-            </p:extLst>
-          </p:nvPr>
-        </p:nvSpPr>
-        <p:spPr>
-          <a:xfrm>
-            <a:off x="466343" y="4419227"/>
-            <a:ext cx="3414369" cy="1979852"/>
-          </a:xfrm>
-          <a:prstGeom prst="rect">
-            <a:avLst/>
-          </a:prstGeom>
-          <a:solidFill>
-            <a:schemeClr val="accent5">
-              <a:alpha val="95000"/>
-            </a:schemeClr>
-          </a:solidFill>
-          <a:ln w="25400">
-            <a:noFill/>
-          </a:ln>
-        </p:spPr>
-        <p:style>
-          <a:lnRef idx="2">
-            <a:schemeClr val="accent1">
-              <a:shade val="50000"/>
-            </a:schemeClr>
-          </a:lnRef>
-          <a:fillRef idx="1">
-            <a:schemeClr val="accent1"/>
-          </a:fillRef>
-          <a:effectRef idx="0">
-            <a:schemeClr val="accent1"/>
-          </a:effectRef>
-          <a:fontRef idx="minor">
-            <a:schemeClr val="lt1"/>
-          </a:fontRef>
-        </p:style>
-        <p:txBody>
-          <a:bodyPr rtlCol="0" anchor="ctr"/>
-          <a:lstStyle/>
-          <a:p>
-            <a:pPr algn="ctr"/>
-            <a:endParaRPr lang="en-US" dirty="0">
-              <a:solidFill>
-                <a:srgbClr val="FFFFFF"/>
-              </a:solidFill>
-            </a:endParaRPr>
-          </a:p>
-        </p:txBody>
-      </p:sp>
-      <p:sp>
-        <p:nvSpPr>
-          <p:cNvPr id="13" name="Rectangle 12">
-            <a:extLst>
-              <a:ext uri="{FF2B5EF4-FFF2-40B4-BE49-F238E27FC236}">
-                <a16:creationId xmlns:a16="http://schemas.microsoft.com/office/drawing/2014/main" id="{1C091803-41C2-48E0-9228-5148460C7479}"/>
-              </a:ext>
-              <a:ext uri="{C183D7F6-B498-43B3-948B-1728B52AA6E4}">
-                <adec:decorative xmlns:adec="http://schemas.microsoft.com/office/drawing/2017/decorative" val="1"/>
-              </a:ext>
-            </a:extLst>
-          </p:cNvPr>
-          <p:cNvSpPr>
-            <a:spLocks noGrp="1" noRot="1" noChangeAspect="1" noMove="1" noResize="1" noEditPoints="1" noAdjustHandles="1" noChangeArrowheads="1" noChangeShapeType="1" noTextEdit="1"/>
-          </p:cNvSpPr>
-          <p:nvPr>
-            <p:extLst>
-              <p:ext uri="{386F3935-93C4-4BCD-93E2-E3B085C9AB24}">
-                <p16:designElem xmlns:p16="http://schemas.microsoft.com/office/powerpoint/2015/main" val="1"/>
-              </p:ext>
-            </p:extLst>
-          </p:nvPr>
-        </p:nvSpPr>
-        <p:spPr>
-          <a:xfrm>
-            <a:off x="4044603" y="448055"/>
-            <a:ext cx="7688475" cy="5952745"/>
-          </a:xfrm>
-          <a:prstGeom prst="rect">
-            <a:avLst/>
-          </a:prstGeom>
-          <a:solidFill>
-            <a:schemeClr val="tx1">
-              <a:lumMod val="50000"/>
-              <a:lumOff val="50000"/>
-              <a:alpha val="20000"/>
-            </a:schemeClr>
-          </a:solidFill>
-          <a:ln>
-            <a:noFill/>
-          </a:ln>
-        </p:spPr>
-        <p:style>
-          <a:lnRef idx="2">
-            <a:schemeClr val="accent1">
-              <a:shade val="50000"/>
-            </a:schemeClr>
-          </a:lnRef>
-          <a:fillRef idx="1">
-            <a:schemeClr val="accent1"/>
-          </a:fillRef>
-          <a:effectRef idx="0">
-            <a:schemeClr val="accent1"/>
-          </a:effectRef>
-          <a:fontRef idx="minor">
-            <a:schemeClr val="lt1"/>
-          </a:fontRef>
-        </p:style>
-        <p:txBody>
-          <a:bodyPr rtlCol="0" anchor="ctr"/>
-          <a:lstStyle/>
-          <a:p>
-            <a:pPr algn="ctr"/>
-            <a:endParaRPr lang="en-US"/>
-          </a:p>
-        </p:txBody>
-      </p:sp>
-      <p:graphicFrame>
-        <p:nvGraphicFramePr>
-          <p:cNvPr id="5" name="Content Placeholder 2">
-            <a:extLst>
-              <a:ext uri="{FF2B5EF4-FFF2-40B4-BE49-F238E27FC236}">
-                <a16:creationId xmlns:a16="http://schemas.microsoft.com/office/drawing/2014/main" id="{CAA03557-E571-F490-DE90-6FA861CB6FA9}"/>
-              </a:ext>
-            </a:extLst>
-          </p:cNvPr>
-          <p:cNvGraphicFramePr>
-            <a:graphicFrameLocks noGrp="1"/>
-          </p:cNvGraphicFramePr>
-          <p:nvPr>
-            <p:ph idx="1"/>
-            <p:extLst>
-              <p:ext uri="{D42A27DB-BD31-4B8C-83A1-F6EECF244321}">
-                <p14:modId xmlns:p14="http://schemas.microsoft.com/office/powerpoint/2010/main" val="1205000739"/>
-              </p:ext>
-            </p:extLst>
-          </p:nvPr>
-        </p:nvGraphicFramePr>
-        <p:xfrm>
-          <a:off x="4379913" y="687388"/>
-          <a:ext cx="7037387" cy="5475287"/>
-        </p:xfrm>
-        <a:graphic>
-          <a:graphicData uri="http://schemas.openxmlformats.org/drawingml/2006/diagram">
-            <dgm:relIds xmlns:dgm="http://schemas.openxmlformats.org/drawingml/2006/diagram" xmlns:r="http://schemas.openxmlformats.org/officeDocument/2006/relationships" r:dm="rId2" r:lo="rId3" r:qs="rId4" r:cs="rId5"/>
-          </a:graphicData>
-        </a:graphic>
-      </p:graphicFrame>
-    </p:spTree>
-    <p:extLst>
-      <p:ext uri="{BB962C8B-B14F-4D97-AF65-F5344CB8AC3E}">
-        <p14:creationId xmlns:p14="http://schemas.microsoft.com/office/powerpoint/2010/main" val="1389726931"/>
-      </p:ext>
-    </p:extLst>
-  </p:cSld>
-  <p:clrMapOvr>
-    <a:masterClrMapping/>
-  </p:clrMapOvr>
-</p:sld>
-</file>
-
-<file path=ppt/slides/slide4.xml><?xml version="1.0" encoding="utf-8"?>
-<p:sld xmlns:a="http://schemas.openxmlformats.org/drawingml/2006/main" xmlns:r="http://schemas.openxmlformats.org/officeDocument/2006/relationships" xmlns:p="http://schemas.openxmlformats.org/presentationml/2006/main">
-  <p:cSld>
-    <p:bg>
-      <p:bgPr>
-        <a:solidFill>
-          <a:schemeClr val="bg1"/>
-        </a:solidFill>
-        <a:effectLst/>
-      </p:bgPr>
-    </p:bg>
-    <p:spTree>
-      <p:nvGrpSpPr>
-        <p:cNvPr id="1" name=""/>
-        <p:cNvGrpSpPr/>
-        <p:nvPr/>
-      </p:nvGrpSpPr>
-      <p:grpSpPr>
-        <a:xfrm>
-          <a:off x="0" y="0"/>
-          <a:ext cx="0" cy="0"/>
-          <a:chOff x="0" y="0"/>
-          <a:chExt cx="0" cy="0"/>
-        </a:xfrm>
-      </p:grpSpPr>
-      <p:sp>
-        <p:nvSpPr>
-          <p:cNvPr id="9" name="Rectangle 8">
-            <a:extLst>
-              <a:ext uri="{FF2B5EF4-FFF2-40B4-BE49-F238E27FC236}">
-                <a16:creationId xmlns:a16="http://schemas.microsoft.com/office/drawing/2014/main" id="{B775CD93-9DF2-48CB-9F57-1BCA9A46C7FA}"/>
-              </a:ext>
-              <a:ext uri="{C183D7F6-B498-43B3-948B-1728B52AA6E4}">
-                <adec:decorative xmlns:adec="http://schemas.microsoft.com/office/drawing/2017/decorative" val="1"/>
-              </a:ext>
-            </a:extLst>
-          </p:cNvPr>
-          <p:cNvSpPr>
-            <a:spLocks noGrp="1" noRot="1" noChangeAspect="1" noMove="1" noResize="1" noEditPoints="1" noAdjustHandles="1" noChangeArrowheads="1" noChangeShapeType="1" noTextEdit="1"/>
-          </p:cNvSpPr>
-          <p:nvPr>
-            <p:extLst>
-              <p:ext uri="{386F3935-93C4-4BCD-93E2-E3B085C9AB24}">
-                <p16:designElem xmlns:p16="http://schemas.microsoft.com/office/powerpoint/2015/main" val="1"/>
-              </p:ext>
-            </p:extLst>
-          </p:nvPr>
-        </p:nvSpPr>
-        <p:spPr>
-          <a:xfrm>
-            <a:off x="466344" y="448055"/>
-            <a:ext cx="3414370" cy="3801257"/>
-          </a:xfrm>
-          <a:prstGeom prst="rect">
-            <a:avLst/>
-          </a:prstGeom>
-          <a:solidFill>
-            <a:srgbClr val="595959"/>
-          </a:solidFill>
-          <a:ln w="25400">
-            <a:noFill/>
-          </a:ln>
-        </p:spPr>
-        <p:style>
-          <a:lnRef idx="2">
-            <a:schemeClr val="accent1">
-              <a:shade val="50000"/>
-            </a:schemeClr>
-          </a:lnRef>
-          <a:fillRef idx="1">
-            <a:schemeClr val="accent1"/>
-          </a:fillRef>
-          <a:effectRef idx="0">
-            <a:schemeClr val="accent1"/>
-          </a:effectRef>
-          <a:fontRef idx="minor">
-            <a:schemeClr val="lt1"/>
-          </a:fontRef>
-        </p:style>
-        <p:txBody>
-          <a:bodyPr rtlCol="0" anchor="ctr"/>
-          <a:lstStyle/>
-          <a:p>
-            <a:pPr algn="ctr"/>
-            <a:endParaRPr lang="en-US">
-              <a:solidFill>
-                <a:srgbClr val="FFFFFF"/>
-              </a:solidFill>
-            </a:endParaRPr>
-          </a:p>
-        </p:txBody>
-      </p:sp>
-      <p:sp>
-        <p:nvSpPr>
-          <p:cNvPr id="2" name="Title 1">
-            <a:extLst>
-              <a:ext uri="{FF2B5EF4-FFF2-40B4-BE49-F238E27FC236}">
                 <a16:creationId xmlns:a16="http://schemas.microsoft.com/office/drawing/2014/main" id="{C87A63F5-0524-3B68-A886-B1289C5471B8}"/>
               </a:ext>
             </a:extLst>
@@ -30228,7 +28661,7 @@
 </p:sld>
 </file>
 
-<file path=ppt/slides/slide5.xml><?xml version="1.0" encoding="utf-8"?>
+<file path=ppt/slides/slide4.xml><?xml version="1.0" encoding="utf-8"?>
 <p:sld xmlns:a="http://schemas.openxmlformats.org/drawingml/2006/main" xmlns:r="http://schemas.openxmlformats.org/officeDocument/2006/relationships" xmlns:p="http://schemas.openxmlformats.org/presentationml/2006/main">
   <p:cSld>
     <p:bg>
@@ -31248,7 +29681,7 @@
 </p:sld>
 </file>
 
-<file path=ppt/slides/slide6.xml><?xml version="1.0" encoding="utf-8"?>
+<file path=ppt/slides/slide5.xml><?xml version="1.0" encoding="utf-8"?>
 <p:sld xmlns:a="http://schemas.openxmlformats.org/drawingml/2006/main" xmlns:r="http://schemas.openxmlformats.org/officeDocument/2006/relationships" xmlns:p="http://schemas.openxmlformats.org/presentationml/2006/main">
   <p:cSld>
     <p:bg>
@@ -32243,7 +30676,7 @@
 </p:sld>
 </file>
 
-<file path=ppt/slides/slide7.xml><?xml version="1.0" encoding="utf-8"?>
+<file path=ppt/slides/slide6.xml><?xml version="1.0" encoding="utf-8"?>
 <p:sld xmlns:a="http://schemas.openxmlformats.org/drawingml/2006/main" xmlns:r="http://schemas.openxmlformats.org/officeDocument/2006/relationships" xmlns:p="http://schemas.openxmlformats.org/presentationml/2006/main">
   <p:cSld>
     <p:bg>
@@ -33217,7 +31650,7 @@
 </p:sld>
 </file>
 
-<file path=ppt/slides/slide8.xml><?xml version="1.0" encoding="utf-8"?>
+<file path=ppt/slides/slide7.xml><?xml version="1.0" encoding="utf-8"?>
 <p:sld xmlns:a="http://schemas.openxmlformats.org/drawingml/2006/main" xmlns:r="http://schemas.openxmlformats.org/officeDocument/2006/relationships" xmlns:p="http://schemas.openxmlformats.org/presentationml/2006/main">
   <p:cSld>
     <p:bg>
@@ -34250,7 +32683,7 @@
 </p:sld>
 </file>
 
-<file path=ppt/slides/slide9.xml><?xml version="1.0" encoding="utf-8"?>
+<file path=ppt/slides/slide8.xml><?xml version="1.0" encoding="utf-8"?>
 <p:sld xmlns:a="http://schemas.openxmlformats.org/drawingml/2006/main" xmlns:r="http://schemas.openxmlformats.org/officeDocument/2006/relationships" xmlns:p="http://schemas.openxmlformats.org/presentationml/2006/main">
   <p:cSld>
     <p:bg>
@@ -35432,6 +33865,900 @@
 </p:sld>
 </file>
 
+<file path=ppt/slides/slide9.xml><?xml version="1.0" encoding="utf-8"?>
+<p:sld xmlns:a="http://schemas.openxmlformats.org/drawingml/2006/main" xmlns:r="http://schemas.openxmlformats.org/officeDocument/2006/relationships" xmlns:p="http://schemas.openxmlformats.org/presentationml/2006/main">
+  <p:cSld>
+    <p:bg>
+      <p:bgPr>
+        <a:solidFill>
+          <a:schemeClr val="bg1"/>
+        </a:solidFill>
+        <a:effectLst/>
+      </p:bgPr>
+    </p:bg>
+    <p:spTree>
+      <p:nvGrpSpPr>
+        <p:cNvPr id="1" name=""/>
+        <p:cNvGrpSpPr/>
+        <p:nvPr/>
+      </p:nvGrpSpPr>
+      <p:grpSpPr>
+        <a:xfrm>
+          <a:off x="0" y="0"/>
+          <a:ext cx="0" cy="0"/>
+          <a:chOff x="0" y="0"/>
+          <a:chExt cx="0" cy="0"/>
+        </a:xfrm>
+      </p:grpSpPr>
+      <p:sp useBgFill="1">
+        <p:nvSpPr>
+          <p:cNvPr id="138" name="Rectangle 130">
+            <a:extLst>
+              <a:ext uri="{FF2B5EF4-FFF2-40B4-BE49-F238E27FC236}">
+                <a16:creationId xmlns:a16="http://schemas.microsoft.com/office/drawing/2014/main" id="{33CD251C-A887-4D2F-925B-FC097198538B}"/>
+              </a:ext>
+              <a:ext uri="{C183D7F6-B498-43B3-948B-1728B52AA6E4}">
+                <adec:decorative xmlns:adec="http://schemas.microsoft.com/office/drawing/2017/decorative" val="1"/>
+              </a:ext>
+            </a:extLst>
+          </p:cNvPr>
+          <p:cNvSpPr>
+            <a:spLocks noGrp="1" noRot="1" noChangeAspect="1" noMove="1" noResize="1" noEditPoints="1" noAdjustHandles="1" noChangeArrowheads="1" noChangeShapeType="1" noTextEdit="1"/>
+          </p:cNvSpPr>
+          <p:nvPr>
+            <p:extLst>
+              <p:ext uri="{386F3935-93C4-4BCD-93E2-E3B085C9AB24}">
+                <p16:designElem xmlns:p16="http://schemas.microsoft.com/office/powerpoint/2015/main" val="1"/>
+              </p:ext>
+            </p:extLst>
+          </p:nvPr>
+        </p:nvSpPr>
+        <p:spPr>
+          <a:xfrm>
+            <a:off x="0" y="0"/>
+            <a:ext cx="12192000" cy="6858000"/>
+          </a:xfrm>
+          <a:prstGeom prst="rect">
+            <a:avLst/>
+          </a:prstGeom>
+          <a:ln>
+            <a:noFill/>
+          </a:ln>
+        </p:spPr>
+        <p:style>
+          <a:lnRef idx="2">
+            <a:schemeClr val="accent1">
+              <a:shade val="50000"/>
+            </a:schemeClr>
+          </a:lnRef>
+          <a:fillRef idx="1">
+            <a:schemeClr val="accent1"/>
+          </a:fillRef>
+          <a:effectRef idx="0">
+            <a:schemeClr val="accent1"/>
+          </a:effectRef>
+          <a:fontRef idx="minor">
+            <a:schemeClr val="lt1"/>
+          </a:fontRef>
+        </p:style>
+        <p:txBody>
+          <a:bodyPr rtlCol="0" anchor="ctr"/>
+          <a:lstStyle/>
+          <a:p>
+            <a:pPr algn="ctr"/>
+            <a:endParaRPr lang="en-US"/>
+          </a:p>
+        </p:txBody>
+      </p:sp>
+      <p:sp>
+        <p:nvSpPr>
+          <p:cNvPr id="139" name="Rectangle 132">
+            <a:extLst>
+              <a:ext uri="{FF2B5EF4-FFF2-40B4-BE49-F238E27FC236}">
+                <a16:creationId xmlns:a16="http://schemas.microsoft.com/office/drawing/2014/main" id="{B19D093C-27FB-4032-B282-42C4563F257C}"/>
+              </a:ext>
+              <a:ext uri="{C183D7F6-B498-43B3-948B-1728B52AA6E4}">
+                <adec:decorative xmlns:adec="http://schemas.microsoft.com/office/drawing/2017/decorative" val="1"/>
+              </a:ext>
+            </a:extLst>
+          </p:cNvPr>
+          <p:cNvSpPr>
+            <a:spLocks noGrp="1" noRot="1" noChangeAspect="1" noMove="1" noResize="1" noEditPoints="1" noAdjustHandles="1" noChangeArrowheads="1" noChangeShapeType="1" noTextEdit="1"/>
+          </p:cNvSpPr>
+          <p:nvPr>
+            <p:extLst>
+              <p:ext uri="{386F3935-93C4-4BCD-93E2-E3B085C9AB24}">
+                <p16:designElem xmlns:p16="http://schemas.microsoft.com/office/powerpoint/2015/main" val="1"/>
+              </p:ext>
+            </p:extLst>
+          </p:nvPr>
+        </p:nvSpPr>
+        <p:spPr>
+          <a:xfrm>
+            <a:off x="0" y="0"/>
+            <a:ext cx="4694548" cy="6858000"/>
+          </a:xfrm>
+          <a:prstGeom prst="rect">
+            <a:avLst/>
+          </a:prstGeom>
+          <a:solidFill>
+            <a:schemeClr val="tx1"/>
+          </a:solidFill>
+          <a:ln>
+            <a:noFill/>
+          </a:ln>
+        </p:spPr>
+        <p:style>
+          <a:lnRef idx="2">
+            <a:schemeClr val="accent1">
+              <a:shade val="50000"/>
+            </a:schemeClr>
+          </a:lnRef>
+          <a:fillRef idx="1">
+            <a:schemeClr val="accent1"/>
+          </a:fillRef>
+          <a:effectRef idx="0">
+            <a:schemeClr val="accent1"/>
+          </a:effectRef>
+          <a:fontRef idx="minor">
+            <a:schemeClr val="lt1"/>
+          </a:fontRef>
+        </p:style>
+        <p:txBody>
+          <a:bodyPr rtlCol="0" anchor="ctr"/>
+          <a:lstStyle/>
+          <a:p>
+            <a:pPr algn="ctr"/>
+            <a:endParaRPr lang="en-US"/>
+          </a:p>
+        </p:txBody>
+      </p:sp>
+      <p:sp>
+        <p:nvSpPr>
+          <p:cNvPr id="2" name="Title 1">
+            <a:extLst>
+              <a:ext uri="{FF2B5EF4-FFF2-40B4-BE49-F238E27FC236}">
+                <a16:creationId xmlns:a16="http://schemas.microsoft.com/office/drawing/2014/main" id="{AAFCA3E7-7A36-A14C-D185-D04DA502FB91}"/>
+              </a:ext>
+            </a:extLst>
+          </p:cNvPr>
+          <p:cNvSpPr>
+            <a:spLocks noGrp="1"/>
+          </p:cNvSpPr>
+          <p:nvPr>
+            <p:ph type="title"/>
+          </p:nvPr>
+        </p:nvSpPr>
+        <p:spPr>
+          <a:xfrm>
+            <a:off x="653935" y="1780661"/>
+            <a:ext cx="3582073" cy="1463472"/>
+          </a:xfrm>
+        </p:spPr>
+        <p:txBody>
+          <a:bodyPr vert="horz" lIns="91440" tIns="45720" rIns="91440" bIns="45720" rtlCol="0" anchor="t">
+            <a:normAutofit/>
+          </a:bodyPr>
+          <a:lstStyle/>
+          <a:p>
+            <a:r>
+              <a:rPr lang="en-US" sz="3200" kern="1200" dirty="0">
+                <a:solidFill>
+                  <a:schemeClr val="bg1"/>
+                </a:solidFill>
+                <a:latin typeface="+mj-lt"/>
+                <a:ea typeface="+mj-ea"/>
+                <a:cs typeface="+mj-cs"/>
+              </a:rPr>
+              <a:t>Microsoft </a:t>
+            </a:r>
+            <a:br>
+              <a:rPr lang="en-US" sz="3200" kern="1200" dirty="0">
+                <a:solidFill>
+                  <a:schemeClr val="bg1"/>
+                </a:solidFill>
+                <a:latin typeface="+mj-lt"/>
+                <a:ea typeface="+mj-ea"/>
+                <a:cs typeface="+mj-cs"/>
+              </a:rPr>
+            </a:br>
+            <a:r>
+              <a:rPr lang="en-US" sz="3200" kern="1200" dirty="0">
+                <a:solidFill>
+                  <a:schemeClr val="bg1"/>
+                </a:solidFill>
+                <a:latin typeface="+mj-lt"/>
+                <a:ea typeface="+mj-ea"/>
+                <a:cs typeface="+mj-cs"/>
+              </a:rPr>
+              <a:t>Power BI</a:t>
+            </a:r>
+            <a:endParaRPr lang="en-US" sz="3000" b="1" kern="1200" dirty="0">
+              <a:solidFill>
+                <a:schemeClr val="bg1"/>
+              </a:solidFill>
+              <a:latin typeface="+mj-lt"/>
+              <a:ea typeface="+mj-ea"/>
+              <a:cs typeface="+mj-cs"/>
+            </a:endParaRPr>
+          </a:p>
+        </p:txBody>
+      </p:sp>
+      <p:grpSp>
+        <p:nvGrpSpPr>
+          <p:cNvPr id="140" name="Group 134">
+            <a:extLst>
+              <a:ext uri="{FF2B5EF4-FFF2-40B4-BE49-F238E27FC236}">
+                <a16:creationId xmlns:a16="http://schemas.microsoft.com/office/drawing/2014/main" id="{35EE815E-1BD3-4777-B652-6D98825BF66B}"/>
+              </a:ext>
+              <a:ext uri="{C183D7F6-B498-43B3-948B-1728B52AA6E4}">
+                <adec:decorative xmlns:adec="http://schemas.microsoft.com/office/drawing/2017/decorative" val="1"/>
+              </a:ext>
+            </a:extLst>
+          </p:cNvPr>
+          <p:cNvGrpSpPr>
+            <a:grpSpLocks noGrp="1" noUngrp="1" noRot="1" noChangeAspect="1" noMove="1" noResize="1"/>
+          </p:cNvGrpSpPr>
+          <p:nvPr>
+            <p:extLst>
+              <p:ext uri="{386F3935-93C4-4BCD-93E2-E3B085C9AB24}">
+                <p16:designElem xmlns:p16="http://schemas.microsoft.com/office/powerpoint/2015/main" val="1"/>
+              </p:ext>
+            </p:extLst>
+          </p:nvPr>
+        </p:nvGrpSpPr>
+        <p:grpSpPr>
+          <a:xfrm>
+            <a:off x="767290" y="681628"/>
+            <a:ext cx="1128382" cy="847206"/>
+            <a:chOff x="668003" y="1684057"/>
+            <a:chExt cx="1128382" cy="847206"/>
+          </a:xfrm>
+        </p:grpSpPr>
+        <p:sp>
+          <p:nvSpPr>
+            <p:cNvPr id="136" name="Freeform 5">
+              <a:extLst>
+                <a:ext uri="{FF2B5EF4-FFF2-40B4-BE49-F238E27FC236}">
+                  <a16:creationId xmlns:a16="http://schemas.microsoft.com/office/drawing/2014/main" id="{E6692982-4A7D-4392-87CD-F0CD4B027DDE}"/>
+                </a:ext>
+                <a:ext uri="{C183D7F6-B498-43B3-948B-1728B52AA6E4}">
+                  <adec:decorative xmlns:adec="http://schemas.microsoft.com/office/drawing/2017/decorative" val="1"/>
+                </a:ext>
+              </a:extLst>
+            </p:cNvPr>
+            <p:cNvSpPr>
+              <a:spLocks/>
+            </p:cNvSpPr>
+            <p:nvPr>
+              <p:extLst>
+                <p:ext uri="{386F3935-93C4-4BCD-93E2-E3B085C9AB24}">
+                  <p16:designElem xmlns:p16="http://schemas.microsoft.com/office/powerpoint/2015/main" val="1"/>
+                </p:ext>
+              </p:extLst>
+            </p:nvPr>
+          </p:nvSpPr>
+          <p:spPr bwMode="auto">
+            <a:xfrm>
+              <a:off x="668003" y="1935883"/>
+              <a:ext cx="675351" cy="595380"/>
+            </a:xfrm>
+            <a:custGeom>
+              <a:avLst/>
+              <a:gdLst>
+                <a:gd name="T0" fmla="*/ 225 w 785"/>
+                <a:gd name="T1" fmla="*/ 692 h 692"/>
+                <a:gd name="T2" fmla="*/ 177 w 785"/>
+                <a:gd name="T3" fmla="*/ 665 h 692"/>
+                <a:gd name="T4" fmla="*/ 9 w 785"/>
+                <a:gd name="T5" fmla="*/ 374 h 692"/>
+                <a:gd name="T6" fmla="*/ 9 w 785"/>
+                <a:gd name="T7" fmla="*/ 318 h 692"/>
+                <a:gd name="T8" fmla="*/ 177 w 785"/>
+                <a:gd name="T9" fmla="*/ 27 h 692"/>
+                <a:gd name="T10" fmla="*/ 225 w 785"/>
+                <a:gd name="T11" fmla="*/ 0 h 692"/>
+                <a:gd name="T12" fmla="*/ 561 w 785"/>
+                <a:gd name="T13" fmla="*/ 0 h 692"/>
+                <a:gd name="T14" fmla="*/ 609 w 785"/>
+                <a:gd name="T15" fmla="*/ 27 h 692"/>
+                <a:gd name="T16" fmla="*/ 777 w 785"/>
+                <a:gd name="T17" fmla="*/ 318 h 692"/>
+                <a:gd name="T18" fmla="*/ 777 w 785"/>
+                <a:gd name="T19" fmla="*/ 374 h 692"/>
+                <a:gd name="T20" fmla="*/ 609 w 785"/>
+                <a:gd name="T21" fmla="*/ 665 h 692"/>
+                <a:gd name="T22" fmla="*/ 561 w 785"/>
+                <a:gd name="T23" fmla="*/ 692 h 692"/>
+                <a:gd name="T24" fmla="*/ 225 w 785"/>
+                <a:gd name="T25" fmla="*/ 692 h 692"/>
+              </a:gdLst>
+              <a:ahLst/>
+              <a:cxnLst>
+                <a:cxn ang="0">
+                  <a:pos x="T0" y="T1"/>
+                </a:cxn>
+                <a:cxn ang="0">
+                  <a:pos x="T2" y="T3"/>
+                </a:cxn>
+                <a:cxn ang="0">
+                  <a:pos x="T4" y="T5"/>
+                </a:cxn>
+                <a:cxn ang="0">
+                  <a:pos x="T6" y="T7"/>
+                </a:cxn>
+                <a:cxn ang="0">
+                  <a:pos x="T8" y="T9"/>
+                </a:cxn>
+                <a:cxn ang="0">
+                  <a:pos x="T10" y="T11"/>
+                </a:cxn>
+                <a:cxn ang="0">
+                  <a:pos x="T12" y="T13"/>
+                </a:cxn>
+                <a:cxn ang="0">
+                  <a:pos x="T14" y="T15"/>
+                </a:cxn>
+                <a:cxn ang="0">
+                  <a:pos x="T16" y="T17"/>
+                </a:cxn>
+                <a:cxn ang="0">
+                  <a:pos x="T18" y="T19"/>
+                </a:cxn>
+                <a:cxn ang="0">
+                  <a:pos x="T20" y="T21"/>
+                </a:cxn>
+                <a:cxn ang="0">
+                  <a:pos x="T22" y="T23"/>
+                </a:cxn>
+                <a:cxn ang="0">
+                  <a:pos x="T24" y="T25"/>
+                </a:cxn>
+              </a:cxnLst>
+              <a:rect l="0" t="0" r="r" b="b"/>
+              <a:pathLst>
+                <a:path w="785" h="692">
+                  <a:moveTo>
+                    <a:pt x="225" y="692"/>
+                  </a:moveTo>
+                  <a:cubicBezTo>
+                    <a:pt x="207" y="692"/>
+                    <a:pt x="185" y="680"/>
+                    <a:pt x="177" y="665"/>
+                  </a:cubicBezTo>
+                  <a:cubicBezTo>
+                    <a:pt x="9" y="374"/>
+                    <a:pt x="9" y="374"/>
+                    <a:pt x="9" y="374"/>
+                  </a:cubicBezTo>
+                  <a:cubicBezTo>
+                    <a:pt x="0" y="358"/>
+                    <a:pt x="0" y="334"/>
+                    <a:pt x="9" y="318"/>
+                  </a:cubicBezTo>
+                  <a:cubicBezTo>
+                    <a:pt x="177" y="27"/>
+                    <a:pt x="177" y="27"/>
+                    <a:pt x="177" y="27"/>
+                  </a:cubicBezTo>
+                  <a:cubicBezTo>
+                    <a:pt x="185" y="12"/>
+                    <a:pt x="207" y="0"/>
+                    <a:pt x="225" y="0"/>
+                  </a:cubicBezTo>
+                  <a:cubicBezTo>
+                    <a:pt x="561" y="0"/>
+                    <a:pt x="561" y="0"/>
+                    <a:pt x="561" y="0"/>
+                  </a:cubicBezTo>
+                  <a:cubicBezTo>
+                    <a:pt x="578" y="0"/>
+                    <a:pt x="600" y="12"/>
+                    <a:pt x="609" y="27"/>
+                  </a:cubicBezTo>
+                  <a:cubicBezTo>
+                    <a:pt x="777" y="318"/>
+                    <a:pt x="777" y="318"/>
+                    <a:pt x="777" y="318"/>
+                  </a:cubicBezTo>
+                  <a:cubicBezTo>
+                    <a:pt x="785" y="334"/>
+                    <a:pt x="785" y="358"/>
+                    <a:pt x="777" y="374"/>
+                  </a:cubicBezTo>
+                  <a:cubicBezTo>
+                    <a:pt x="609" y="665"/>
+                    <a:pt x="609" y="665"/>
+                    <a:pt x="609" y="665"/>
+                  </a:cubicBezTo>
+                  <a:cubicBezTo>
+                    <a:pt x="600" y="680"/>
+                    <a:pt x="578" y="692"/>
+                    <a:pt x="561" y="692"/>
+                  </a:cubicBezTo>
+                  <a:lnTo>
+                    <a:pt x="225" y="692"/>
+                  </a:lnTo>
+                  <a:close/>
+                </a:path>
+              </a:pathLst>
+            </a:custGeom>
+            <a:noFill/>
+            <a:ln w="28575" cmpd="sng">
+              <a:solidFill>
+                <a:schemeClr val="bg1"/>
+              </a:solidFill>
+            </a:ln>
+          </p:spPr>
+          <p:txBody>
+            <a:bodyPr vert="horz" wrap="square" lIns="91440" tIns="45720" rIns="91440" bIns="45720" numCol="1" anchor="t" anchorCtr="0" compatLnSpc="1">
+              <a:prstTxWarp prst="textNoShape">
+                <a:avLst/>
+              </a:prstTxWarp>
+            </a:bodyPr>
+            <a:lstStyle/>
+            <a:p>
+              <a:endParaRPr lang="en-US"/>
+            </a:p>
+          </p:txBody>
+        </p:sp>
+        <p:sp>
+          <p:nvSpPr>
+            <p:cNvPr id="137" name="Freeform 5">
+              <a:extLst>
+                <a:ext uri="{FF2B5EF4-FFF2-40B4-BE49-F238E27FC236}">
+                  <a16:creationId xmlns:a16="http://schemas.microsoft.com/office/drawing/2014/main" id="{196485F7-F277-4123-AC53-98EA4C858774}"/>
+                </a:ext>
+                <a:ext uri="{C183D7F6-B498-43B3-948B-1728B52AA6E4}">
+                  <adec:decorative xmlns:adec="http://schemas.microsoft.com/office/drawing/2017/decorative" val="1"/>
+                </a:ext>
+              </a:extLst>
+            </p:cNvPr>
+            <p:cNvSpPr>
+              <a:spLocks/>
+            </p:cNvSpPr>
+            <p:nvPr>
+              <p:extLst>
+                <p:ext uri="{386F3935-93C4-4BCD-93E2-E3B085C9AB24}">
+                  <p16:designElem xmlns:p16="http://schemas.microsoft.com/office/powerpoint/2015/main" val="1"/>
+                </p:ext>
+              </p:extLst>
+            </p:nvPr>
+          </p:nvSpPr>
+          <p:spPr bwMode="auto">
+            <a:xfrm>
+              <a:off x="1245893" y="1684057"/>
+              <a:ext cx="550492" cy="485306"/>
+            </a:xfrm>
+            <a:custGeom>
+              <a:avLst/>
+              <a:gdLst>
+                <a:gd name="T0" fmla="*/ 225 w 785"/>
+                <a:gd name="T1" fmla="*/ 692 h 692"/>
+                <a:gd name="T2" fmla="*/ 177 w 785"/>
+                <a:gd name="T3" fmla="*/ 665 h 692"/>
+                <a:gd name="T4" fmla="*/ 9 w 785"/>
+                <a:gd name="T5" fmla="*/ 374 h 692"/>
+                <a:gd name="T6" fmla="*/ 9 w 785"/>
+                <a:gd name="T7" fmla="*/ 318 h 692"/>
+                <a:gd name="T8" fmla="*/ 177 w 785"/>
+                <a:gd name="T9" fmla="*/ 27 h 692"/>
+                <a:gd name="T10" fmla="*/ 225 w 785"/>
+                <a:gd name="T11" fmla="*/ 0 h 692"/>
+                <a:gd name="T12" fmla="*/ 561 w 785"/>
+                <a:gd name="T13" fmla="*/ 0 h 692"/>
+                <a:gd name="T14" fmla="*/ 609 w 785"/>
+                <a:gd name="T15" fmla="*/ 27 h 692"/>
+                <a:gd name="T16" fmla="*/ 777 w 785"/>
+                <a:gd name="T17" fmla="*/ 318 h 692"/>
+                <a:gd name="T18" fmla="*/ 777 w 785"/>
+                <a:gd name="T19" fmla="*/ 374 h 692"/>
+                <a:gd name="T20" fmla="*/ 609 w 785"/>
+                <a:gd name="T21" fmla="*/ 665 h 692"/>
+                <a:gd name="T22" fmla="*/ 561 w 785"/>
+                <a:gd name="T23" fmla="*/ 692 h 692"/>
+                <a:gd name="T24" fmla="*/ 225 w 785"/>
+                <a:gd name="T25" fmla="*/ 692 h 692"/>
+              </a:gdLst>
+              <a:ahLst/>
+              <a:cxnLst>
+                <a:cxn ang="0">
+                  <a:pos x="T0" y="T1"/>
+                </a:cxn>
+                <a:cxn ang="0">
+                  <a:pos x="T2" y="T3"/>
+                </a:cxn>
+                <a:cxn ang="0">
+                  <a:pos x="T4" y="T5"/>
+                </a:cxn>
+                <a:cxn ang="0">
+                  <a:pos x="T6" y="T7"/>
+                </a:cxn>
+                <a:cxn ang="0">
+                  <a:pos x="T8" y="T9"/>
+                </a:cxn>
+                <a:cxn ang="0">
+                  <a:pos x="T10" y="T11"/>
+                </a:cxn>
+                <a:cxn ang="0">
+                  <a:pos x="T12" y="T13"/>
+                </a:cxn>
+                <a:cxn ang="0">
+                  <a:pos x="T14" y="T15"/>
+                </a:cxn>
+                <a:cxn ang="0">
+                  <a:pos x="T16" y="T17"/>
+                </a:cxn>
+                <a:cxn ang="0">
+                  <a:pos x="T18" y="T19"/>
+                </a:cxn>
+                <a:cxn ang="0">
+                  <a:pos x="T20" y="T21"/>
+                </a:cxn>
+                <a:cxn ang="0">
+                  <a:pos x="T22" y="T23"/>
+                </a:cxn>
+                <a:cxn ang="0">
+                  <a:pos x="T24" y="T25"/>
+                </a:cxn>
+              </a:cxnLst>
+              <a:rect l="0" t="0" r="r" b="b"/>
+              <a:pathLst>
+                <a:path w="785" h="692">
+                  <a:moveTo>
+                    <a:pt x="225" y="692"/>
+                  </a:moveTo>
+                  <a:cubicBezTo>
+                    <a:pt x="207" y="692"/>
+                    <a:pt x="185" y="680"/>
+                    <a:pt x="177" y="665"/>
+                  </a:cubicBezTo>
+                  <a:cubicBezTo>
+                    <a:pt x="9" y="374"/>
+                    <a:pt x="9" y="374"/>
+                    <a:pt x="9" y="374"/>
+                  </a:cubicBezTo>
+                  <a:cubicBezTo>
+                    <a:pt x="0" y="358"/>
+                    <a:pt x="0" y="334"/>
+                    <a:pt x="9" y="318"/>
+                  </a:cubicBezTo>
+                  <a:cubicBezTo>
+                    <a:pt x="177" y="27"/>
+                    <a:pt x="177" y="27"/>
+                    <a:pt x="177" y="27"/>
+                  </a:cubicBezTo>
+                  <a:cubicBezTo>
+                    <a:pt x="185" y="12"/>
+                    <a:pt x="207" y="0"/>
+                    <a:pt x="225" y="0"/>
+                  </a:cubicBezTo>
+                  <a:cubicBezTo>
+                    <a:pt x="561" y="0"/>
+                    <a:pt x="561" y="0"/>
+                    <a:pt x="561" y="0"/>
+                  </a:cubicBezTo>
+                  <a:cubicBezTo>
+                    <a:pt x="578" y="0"/>
+                    <a:pt x="600" y="12"/>
+                    <a:pt x="609" y="27"/>
+                  </a:cubicBezTo>
+                  <a:cubicBezTo>
+                    <a:pt x="777" y="318"/>
+                    <a:pt x="777" y="318"/>
+                    <a:pt x="777" y="318"/>
+                  </a:cubicBezTo>
+                  <a:cubicBezTo>
+                    <a:pt x="785" y="334"/>
+                    <a:pt x="785" y="358"/>
+                    <a:pt x="777" y="374"/>
+                  </a:cubicBezTo>
+                  <a:cubicBezTo>
+                    <a:pt x="609" y="665"/>
+                    <a:pt x="609" y="665"/>
+                    <a:pt x="609" y="665"/>
+                  </a:cubicBezTo>
+                  <a:cubicBezTo>
+                    <a:pt x="600" y="680"/>
+                    <a:pt x="578" y="692"/>
+                    <a:pt x="561" y="692"/>
+                  </a:cubicBezTo>
+                  <a:lnTo>
+                    <a:pt x="225" y="692"/>
+                  </a:lnTo>
+                  <a:close/>
+                </a:path>
+              </a:pathLst>
+            </a:custGeom>
+            <a:noFill/>
+            <a:ln w="28575" cmpd="sng">
+              <a:solidFill>
+                <a:schemeClr val="bg1"/>
+              </a:solidFill>
+            </a:ln>
+          </p:spPr>
+          <p:txBody>
+            <a:bodyPr vert="horz" wrap="square" lIns="91440" tIns="45720" rIns="91440" bIns="45720" numCol="1" anchor="t" anchorCtr="0" compatLnSpc="1">
+              <a:prstTxWarp prst="textNoShape">
+                <a:avLst/>
+              </a:prstTxWarp>
+            </a:bodyPr>
+            <a:lstStyle/>
+            <a:p>
+              <a:endParaRPr lang="en-US"/>
+            </a:p>
+          </p:txBody>
+        </p:sp>
+      </p:grpSp>
+      <p:sp>
+        <p:nvSpPr>
+          <p:cNvPr id="4" name="Text Placeholder 3">
+            <a:extLst>
+              <a:ext uri="{FF2B5EF4-FFF2-40B4-BE49-F238E27FC236}">
+                <a16:creationId xmlns:a16="http://schemas.microsoft.com/office/drawing/2014/main" id="{D6F821CE-AA27-1C10-59E9-6B5DA17D704D}"/>
+              </a:ext>
+            </a:extLst>
+          </p:cNvPr>
+          <p:cNvSpPr>
+            <a:spLocks noGrp="1"/>
+          </p:cNvSpPr>
+          <p:nvPr>
+            <p:ph type="body" sz="half" idx="2"/>
+          </p:nvPr>
+        </p:nvSpPr>
+        <p:spPr>
+          <a:xfrm>
+            <a:off x="653935" y="3383121"/>
+            <a:ext cx="3577999" cy="2793251"/>
+          </a:xfrm>
+        </p:spPr>
+        <p:txBody>
+          <a:bodyPr vert="horz" lIns="91440" tIns="45720" rIns="91440" bIns="45720" rtlCol="0" anchor="t">
+            <a:normAutofit/>
+          </a:bodyPr>
+          <a:lstStyle/>
+          <a:p>
+            <a:pPr marL="228600" indent="-228600">
+              <a:buFont typeface="Arial" panose="020B0604020202020204" pitchFamily="34" charset="0"/>
+              <a:buChar char="•"/>
+            </a:pPr>
+            <a:r>
+              <a:rPr lang="en-US" sz="1800" dirty="0">
+                <a:solidFill>
+                  <a:schemeClr val="bg1">
+                    <a:lumMod val="75000"/>
+                  </a:schemeClr>
+                </a:solidFill>
+              </a:rPr>
+              <a:t>ODBC is used to connect and import data from Hive tables and view on Hortonworks sandbox</a:t>
+            </a:r>
+          </a:p>
+          <a:p>
+            <a:pPr marL="228600" indent="-228600">
+              <a:buFont typeface="Arial" panose="020B0604020202020204" pitchFamily="34" charset="0"/>
+              <a:buChar char="•"/>
+            </a:pPr>
+            <a:r>
+              <a:rPr lang="en-US" sz="1800" dirty="0">
+                <a:solidFill>
+                  <a:srgbClr val="5B9BD5"/>
+                </a:solidFill>
+                <a:hlinkClick r:id="rId3">
+                  <a:extLst>
+                    <a:ext uri="{A12FA001-AC4F-418D-AE19-62706E023703}">
+                      <ahyp:hlinkClr xmlns:ahyp="http://schemas.microsoft.com/office/drawing/2018/hyperlinkcolor" val="tx"/>
+                    </a:ext>
+                  </a:extLst>
+                </a:hlinkClick>
+              </a:rPr>
+              <a:t>Steps to add Cloudera + Hortonworks in ODBC Data Source</a:t>
+            </a:r>
+            <a:endParaRPr lang="en-US" sz="1800" dirty="0">
+              <a:solidFill>
+                <a:srgbClr val="5B9BD5"/>
+              </a:solidFill>
+            </a:endParaRPr>
+          </a:p>
+        </p:txBody>
+      </p:sp>
+      <p:grpSp>
+        <p:nvGrpSpPr>
+          <p:cNvPr id="3" name="Group 2">
+            <a:extLst>
+              <a:ext uri="{FF2B5EF4-FFF2-40B4-BE49-F238E27FC236}">
+                <a16:creationId xmlns:a16="http://schemas.microsoft.com/office/drawing/2014/main" id="{D745B2DE-3D19-232C-72BE-E39F9A547D25}"/>
+              </a:ext>
+            </a:extLst>
+          </p:cNvPr>
+          <p:cNvGrpSpPr/>
+          <p:nvPr/>
+        </p:nvGrpSpPr>
+        <p:grpSpPr>
+          <a:xfrm>
+            <a:off x="4383609" y="0"/>
+            <a:ext cx="550492" cy="6858000"/>
+            <a:chOff x="11013932" y="-84"/>
+            <a:chExt cx="1101457" cy="6858084"/>
+          </a:xfrm>
+        </p:grpSpPr>
+        <p:sp>
+          <p:nvSpPr>
+            <p:cNvPr id="5" name="Rectangle 4">
+              <a:extLst>
+                <a:ext uri="{FF2B5EF4-FFF2-40B4-BE49-F238E27FC236}">
+                  <a16:creationId xmlns:a16="http://schemas.microsoft.com/office/drawing/2014/main" id="{A13E00F0-EBF9-2BD8-7F32-28967EBDDA46}"/>
+                </a:ext>
+              </a:extLst>
+            </p:cNvPr>
+            <p:cNvSpPr/>
+            <p:nvPr/>
+          </p:nvSpPr>
+          <p:spPr>
+            <a:xfrm rot="6891">
+              <a:off x="11611590" y="-83"/>
+              <a:ext cx="503799" cy="6858083"/>
+            </a:xfrm>
+            <a:prstGeom prst="rect">
+              <a:avLst/>
+            </a:prstGeom>
+            <a:solidFill>
+              <a:srgbClr val="5B9BD5"/>
+            </a:solidFill>
+            <a:ln>
+              <a:noFill/>
+            </a:ln>
+          </p:spPr>
+          <p:style>
+            <a:lnRef idx="2">
+              <a:schemeClr val="accent1">
+                <a:shade val="50000"/>
+              </a:schemeClr>
+            </a:lnRef>
+            <a:fillRef idx="1">
+              <a:schemeClr val="accent1"/>
+            </a:fillRef>
+            <a:effectRef idx="0">
+              <a:schemeClr val="accent1"/>
+            </a:effectRef>
+            <a:fontRef idx="minor">
+              <a:schemeClr val="lt1"/>
+            </a:fontRef>
+          </p:style>
+          <p:txBody>
+            <a:bodyPr rtlCol="0" anchor="ctr"/>
+            <a:lstStyle/>
+            <a:p>
+              <a:pPr algn="ctr"/>
+              <a:endParaRPr lang="en-US"/>
+            </a:p>
+          </p:txBody>
+        </p:sp>
+        <p:sp>
+          <p:nvSpPr>
+            <p:cNvPr id="6" name="Rectangle 5">
+              <a:extLst>
+                <a:ext uri="{FF2B5EF4-FFF2-40B4-BE49-F238E27FC236}">
+                  <a16:creationId xmlns:a16="http://schemas.microsoft.com/office/drawing/2014/main" id="{C3888BB8-D2DC-E330-E0C1-4F7333739E41}"/>
+                </a:ext>
+              </a:extLst>
+            </p:cNvPr>
+            <p:cNvSpPr/>
+            <p:nvPr/>
+          </p:nvSpPr>
+          <p:spPr>
+            <a:xfrm rot="6891">
+              <a:off x="11013932" y="-84"/>
+              <a:ext cx="503799" cy="6857987"/>
+            </a:xfrm>
+            <a:prstGeom prst="rect">
+              <a:avLst/>
+            </a:prstGeom>
+            <a:solidFill>
+              <a:srgbClr val="70AD47"/>
+            </a:solidFill>
+            <a:ln>
+              <a:noFill/>
+            </a:ln>
+          </p:spPr>
+          <p:style>
+            <a:lnRef idx="2">
+              <a:schemeClr val="accent1">
+                <a:shade val="50000"/>
+              </a:schemeClr>
+            </a:lnRef>
+            <a:fillRef idx="1">
+              <a:schemeClr val="accent1"/>
+            </a:fillRef>
+            <a:effectRef idx="0">
+              <a:schemeClr val="accent1"/>
+            </a:effectRef>
+            <a:fontRef idx="minor">
+              <a:schemeClr val="lt1"/>
+            </a:fontRef>
+          </p:style>
+          <p:txBody>
+            <a:bodyPr rtlCol="0" anchor="ctr"/>
+            <a:lstStyle/>
+            <a:p>
+              <a:pPr algn="ctr"/>
+              <a:endParaRPr lang="en-US"/>
+            </a:p>
+          </p:txBody>
+        </p:sp>
+      </p:grpSp>
+      <p:pic>
+        <p:nvPicPr>
+          <p:cNvPr id="8" name="Picture 7">
+            <a:extLst>
+              <a:ext uri="{FF2B5EF4-FFF2-40B4-BE49-F238E27FC236}">
+                <a16:creationId xmlns:a16="http://schemas.microsoft.com/office/drawing/2014/main" id="{0FB850F4-3732-7697-F605-7B69FA5165D9}"/>
+              </a:ext>
+            </a:extLst>
+          </p:cNvPr>
+          <p:cNvPicPr>
+            <a:picLocks noChangeAspect="1"/>
+          </p:cNvPicPr>
+          <p:nvPr/>
+        </p:nvPicPr>
+        <p:blipFill>
+          <a:blip r:embed="rId4"/>
+          <a:stretch>
+            <a:fillRect/>
+          </a:stretch>
+        </p:blipFill>
+        <p:spPr>
+          <a:xfrm>
+            <a:off x="6347901" y="464096"/>
+            <a:ext cx="4717981" cy="2490702"/>
+          </a:xfrm>
+          <a:prstGeom prst="rect">
+            <a:avLst/>
+          </a:prstGeom>
+        </p:spPr>
+      </p:pic>
+      <p:pic>
+        <p:nvPicPr>
+          <p:cNvPr id="9" name="Picture 8">
+            <a:extLst>
+              <a:ext uri="{FF2B5EF4-FFF2-40B4-BE49-F238E27FC236}">
+                <a16:creationId xmlns:a16="http://schemas.microsoft.com/office/drawing/2014/main" id="{894285CA-BC01-2097-8F5A-E5CFDCE51BA3}"/>
+              </a:ext>
+            </a:extLst>
+          </p:cNvPr>
+          <p:cNvPicPr>
+            <a:picLocks noChangeAspect="1"/>
+          </p:cNvPicPr>
+          <p:nvPr/>
+        </p:nvPicPr>
+        <p:blipFill>
+          <a:blip r:embed="rId5"/>
+          <a:stretch>
+            <a:fillRect/>
+          </a:stretch>
+        </p:blipFill>
+        <p:spPr>
+          <a:xfrm>
+            <a:off x="7005362" y="3244133"/>
+            <a:ext cx="3037924" cy="3276571"/>
+          </a:xfrm>
+          <a:prstGeom prst="rect">
+            <a:avLst/>
+          </a:prstGeom>
+        </p:spPr>
+      </p:pic>
+    </p:spTree>
+    <p:extLst>
+      <p:ext uri="{BB962C8B-B14F-4D97-AF65-F5344CB8AC3E}">
+        <p14:creationId xmlns:p14="http://schemas.microsoft.com/office/powerpoint/2010/main" val="1221295475"/>
+      </p:ext>
+    </p:extLst>
+  </p:cSld>
+  <p:clrMapOvr>
+    <a:masterClrMapping/>
+  </p:clrMapOvr>
+</p:sld>
+</file>
+
 <file path=ppt/theme/theme1.xml><?xml version="1.0" encoding="utf-8"?>
 <a:theme xmlns:a="http://schemas.openxmlformats.org/drawingml/2006/main" name="Office Theme">
   <a:themeElements>
